--- a/Group4_5303.pptx
+++ b/Group4_5303.pptx
@@ -1,26 +1,26 @@
 
 <file path=ppt/presentation.xml><?xml version="1.0" encoding="utf-8"?>
-<p:presentation xmlns:a="http://schemas.openxmlformats.org/drawingml/2006/main" xmlns:r="http://schemas.openxmlformats.org/officeDocument/2006/relationships" xmlns:mc="http://schemas.openxmlformats.org/markup-compatibility/2006" xmlns:mv="urn:schemas-microsoft-com:mac:vml" xmlns:p="http://schemas.openxmlformats.org/presentationml/2006/main" xmlns:c="http://schemas.openxmlformats.org/drawingml/2006/chart" xmlns:dgm="http://schemas.openxmlformats.org/drawingml/2006/diagram" xmlns:o="urn:schemas-microsoft-com:office:office" xmlns:v="urn:schemas-microsoft-com:vml" xmlns:pvml="urn:schemas-microsoft-com:office:powerpoint" xmlns:com="http://schemas.openxmlformats.org/drawingml/2006/compatibility" xmlns:p14="http://schemas.microsoft.com/office/powerpoint/2010/main" xmlns:p15="http://schemas.microsoft.com/office/powerpoint/2012/main" xmlns:ahyp="http://schemas.microsoft.com/office/drawing/2018/hyperlinkcolor" autoCompressPictures="0" strictFirstAndLastChars="0" saveSubsetFonts="1">
+<p:presentation xmlns:a="http://schemas.openxmlformats.org/drawingml/2006/main" xmlns:r="http://schemas.openxmlformats.org/officeDocument/2006/relationships" xmlns:p="http://schemas.openxmlformats.org/presentationml/2006/main" strictFirstAndLastChars="0" saveSubsetFonts="1" autoCompressPictures="0">
   <p:sldMasterIdLst>
-    <p:sldMasterId id="2147483662" r:id="rId4"/>
-    <p:sldMasterId id="2147483663" r:id="rId5"/>
+    <p:sldMasterId id="2147483662" r:id="rId1"/>
+    <p:sldMasterId id="2147483663" r:id="rId2"/>
   </p:sldMasterIdLst>
   <p:notesMasterIdLst>
-    <p:notesMasterId r:id="rId6"/>
+    <p:notesMasterId r:id="rId10"/>
   </p:notesMasterIdLst>
   <p:sldIdLst>
-    <p:sldId id="256" r:id="rId7"/>
-    <p:sldId id="257" r:id="rId8"/>
-    <p:sldId id="258" r:id="rId9"/>
-    <p:sldId id="259" r:id="rId10"/>
-    <p:sldId id="260" r:id="rId11"/>
-    <p:sldId id="261" r:id="rId12"/>
-    <p:sldId id="262" r:id="rId13"/>
+    <p:sldId id="256" r:id="rId3"/>
+    <p:sldId id="257" r:id="rId4"/>
+    <p:sldId id="258" r:id="rId5"/>
+    <p:sldId id="259" r:id="rId6"/>
+    <p:sldId id="260" r:id="rId7"/>
+    <p:sldId id="261" r:id="rId8"/>
+    <p:sldId id="262" r:id="rId9"/>
   </p:sldIdLst>
-  <p:sldSz cy="5143500" cx="9144000"/>
+  <p:sldSz cx="9144000" cy="5143500" type="screen16x9"/>
   <p:notesSz cx="6858000" cy="9144000"/>
   <p:defaultTextStyle>
-    <a:defPPr lvl="0" marR="0" rtl="0" algn="l">
+    <a:defPPr marR="0" lvl="0" algn="l" rtl="0">
       <a:lnSpc>
         <a:spcPct val="100000"/>
       </a:lnSpc>
@@ -31,7 +31,7 @@
         <a:spcPts val="0"/>
       </a:spcAft>
     </a:defPPr>
-    <a:lvl1pPr lvl="0" marR="0" rtl="0" algn="l">
+    <a:lvl1pPr marR="0" lvl="0" algn="l" rtl="0">
       <a:lnSpc>
         <a:spcPct val="100000"/>
       </a:lnSpc>
@@ -45,7 +45,7 @@
         <a:srgbClr val="000000"/>
       </a:buClr>
       <a:buFont typeface="Arial"/>
-      <a:defRPr b="0" i="0" sz="1400" u="none" cap="none" strike="noStrike">
+      <a:defRPr sz="1400" b="0" i="0" u="none" strike="noStrike" cap="none">
         <a:solidFill>
           <a:srgbClr val="000000"/>
         </a:solidFill>
@@ -55,7 +55,7 @@
         <a:sym typeface="Arial"/>
       </a:defRPr>
     </a:lvl1pPr>
-    <a:lvl2pPr lvl="1" marR="0" rtl="0" algn="l">
+    <a:lvl2pPr marR="0" lvl="1" algn="l" rtl="0">
       <a:lnSpc>
         <a:spcPct val="100000"/>
       </a:lnSpc>
@@ -69,7 +69,7 @@
         <a:srgbClr val="000000"/>
       </a:buClr>
       <a:buFont typeface="Arial"/>
-      <a:defRPr b="0" i="0" sz="1400" u="none" cap="none" strike="noStrike">
+      <a:defRPr sz="1400" b="0" i="0" u="none" strike="noStrike" cap="none">
         <a:solidFill>
           <a:srgbClr val="000000"/>
         </a:solidFill>
@@ -79,7 +79,7 @@
         <a:sym typeface="Arial"/>
       </a:defRPr>
     </a:lvl2pPr>
-    <a:lvl3pPr lvl="2" marR="0" rtl="0" algn="l">
+    <a:lvl3pPr marR="0" lvl="2" algn="l" rtl="0">
       <a:lnSpc>
         <a:spcPct val="100000"/>
       </a:lnSpc>
@@ -93,7 +93,7 @@
         <a:srgbClr val="000000"/>
       </a:buClr>
       <a:buFont typeface="Arial"/>
-      <a:defRPr b="0" i="0" sz="1400" u="none" cap="none" strike="noStrike">
+      <a:defRPr sz="1400" b="0" i="0" u="none" strike="noStrike" cap="none">
         <a:solidFill>
           <a:srgbClr val="000000"/>
         </a:solidFill>
@@ -103,7 +103,7 @@
         <a:sym typeface="Arial"/>
       </a:defRPr>
     </a:lvl3pPr>
-    <a:lvl4pPr lvl="3" marR="0" rtl="0" algn="l">
+    <a:lvl4pPr marR="0" lvl="3" algn="l" rtl="0">
       <a:lnSpc>
         <a:spcPct val="100000"/>
       </a:lnSpc>
@@ -117,7 +117,7 @@
         <a:srgbClr val="000000"/>
       </a:buClr>
       <a:buFont typeface="Arial"/>
-      <a:defRPr b="0" i="0" sz="1400" u="none" cap="none" strike="noStrike">
+      <a:defRPr sz="1400" b="0" i="0" u="none" strike="noStrike" cap="none">
         <a:solidFill>
           <a:srgbClr val="000000"/>
         </a:solidFill>
@@ -127,7 +127,7 @@
         <a:sym typeface="Arial"/>
       </a:defRPr>
     </a:lvl4pPr>
-    <a:lvl5pPr lvl="4" marR="0" rtl="0" algn="l">
+    <a:lvl5pPr marR="0" lvl="4" algn="l" rtl="0">
       <a:lnSpc>
         <a:spcPct val="100000"/>
       </a:lnSpc>
@@ -141,7 +141,7 @@
         <a:srgbClr val="000000"/>
       </a:buClr>
       <a:buFont typeface="Arial"/>
-      <a:defRPr b="0" i="0" sz="1400" u="none" cap="none" strike="noStrike">
+      <a:defRPr sz="1400" b="0" i="0" u="none" strike="noStrike" cap="none">
         <a:solidFill>
           <a:srgbClr val="000000"/>
         </a:solidFill>
@@ -151,7 +151,7 @@
         <a:sym typeface="Arial"/>
       </a:defRPr>
     </a:lvl5pPr>
-    <a:lvl6pPr lvl="5" marR="0" rtl="0" algn="l">
+    <a:lvl6pPr marR="0" lvl="5" algn="l" rtl="0">
       <a:lnSpc>
         <a:spcPct val="100000"/>
       </a:lnSpc>
@@ -165,7 +165,7 @@
         <a:srgbClr val="000000"/>
       </a:buClr>
       <a:buFont typeface="Arial"/>
-      <a:defRPr b="0" i="0" sz="1400" u="none" cap="none" strike="noStrike">
+      <a:defRPr sz="1400" b="0" i="0" u="none" strike="noStrike" cap="none">
         <a:solidFill>
           <a:srgbClr val="000000"/>
         </a:solidFill>
@@ -175,7 +175,7 @@
         <a:sym typeface="Arial"/>
       </a:defRPr>
     </a:lvl6pPr>
-    <a:lvl7pPr lvl="6" marR="0" rtl="0" algn="l">
+    <a:lvl7pPr marR="0" lvl="6" algn="l" rtl="0">
       <a:lnSpc>
         <a:spcPct val="100000"/>
       </a:lnSpc>
@@ -189,7 +189,7 @@
         <a:srgbClr val="000000"/>
       </a:buClr>
       <a:buFont typeface="Arial"/>
-      <a:defRPr b="0" i="0" sz="1400" u="none" cap="none" strike="noStrike">
+      <a:defRPr sz="1400" b="0" i="0" u="none" strike="noStrike" cap="none">
         <a:solidFill>
           <a:srgbClr val="000000"/>
         </a:solidFill>
@@ -199,7 +199,7 @@
         <a:sym typeface="Arial"/>
       </a:defRPr>
     </a:lvl7pPr>
-    <a:lvl8pPr lvl="7" marR="0" rtl="0" algn="l">
+    <a:lvl8pPr marR="0" lvl="7" algn="l" rtl="0">
       <a:lnSpc>
         <a:spcPct val="100000"/>
       </a:lnSpc>
@@ -213,7 +213,7 @@
         <a:srgbClr val="000000"/>
       </a:buClr>
       <a:buFont typeface="Arial"/>
-      <a:defRPr b="0" i="0" sz="1400" u="none" cap="none" strike="noStrike">
+      <a:defRPr sz="1400" b="0" i="0" u="none" strike="noStrike" cap="none">
         <a:solidFill>
           <a:srgbClr val="000000"/>
         </a:solidFill>
@@ -223,7 +223,7 @@
         <a:sym typeface="Arial"/>
       </a:defRPr>
     </a:lvl8pPr>
-    <a:lvl9pPr lvl="8" marR="0" rtl="0" algn="l">
+    <a:lvl9pPr marR="0" lvl="8" algn="l" rtl="0">
       <a:lnSpc>
         <a:spcPct val="100000"/>
       </a:lnSpc>
@@ -237,7 +237,7 @@
         <a:srgbClr val="000000"/>
       </a:buClr>
       <a:buFont typeface="Arial"/>
-      <a:defRPr b="0" i="0" sz="1400" u="none" cap="none" strike="noStrike">
+      <a:defRPr sz="1400" b="0" i="0" u="none" strike="noStrike" cap="none">
         <a:solidFill>
           <a:srgbClr val="000000"/>
         </a:solidFill>
@@ -250,7 +250,7 @@
   </p:defaultTextStyle>
   <p:extLst>
     <p:ext uri="{EFAFB233-063F-42B5-8137-9DF3F51BA10A}">
-      <p15:sldGuideLst>
+      <p15:sldGuideLst xmlns:p15="http://schemas.microsoft.com/office/powerpoint/2012/main">
         <p15:guide id="1" orient="horz" pos="1620">
           <p15:clr>
             <a:srgbClr val="747775"/>
@@ -268,11 +268,16 @@
 </file>
 
 <file path=ppt/notesMasters/notesMaster1.xml><?xml version="1.0" encoding="utf-8"?>
-<p:notesMaster xmlns:a="http://schemas.openxmlformats.org/drawingml/2006/main" xmlns:r="http://schemas.openxmlformats.org/officeDocument/2006/relationships" xmlns:mc="http://schemas.openxmlformats.org/markup-compatibility/2006" xmlns:mv="urn:schemas-microsoft-com:mac:vml" xmlns:p="http://schemas.openxmlformats.org/presentationml/2006/main" xmlns:c="http://schemas.openxmlformats.org/drawingml/2006/chart" xmlns:dgm="http://schemas.openxmlformats.org/drawingml/2006/diagram" xmlns:o="urn:schemas-microsoft-com:office:office" xmlns:v="urn:schemas-microsoft-com:vml" xmlns:pvml="urn:schemas-microsoft-com:office:powerpoint" xmlns:com="http://schemas.openxmlformats.org/drawingml/2006/compatibility" xmlns:p14="http://schemas.microsoft.com/office/powerpoint/2010/main" xmlns:p15="http://schemas.microsoft.com/office/powerpoint/2012/main" xmlns:ahyp="http://schemas.microsoft.com/office/drawing/2018/hyperlinkcolor">
+<p:notesMaster xmlns:a="http://schemas.openxmlformats.org/drawingml/2006/main" xmlns:r="http://schemas.openxmlformats.org/officeDocument/2006/relationships" xmlns:p="http://schemas.openxmlformats.org/presentationml/2006/main">
   <p:cSld>
+    <p:bg>
+      <p:bgRef idx="1001">
+        <a:schemeClr val="bg1"/>
+      </p:bgRef>
+    </p:bg>
     <p:spTree>
       <p:nvGrpSpPr>
-        <p:cNvPr id="2" name="Shape 2"/>
+        <p:cNvPr id="1" name="Shape 2"/>
         <p:cNvGrpSpPr/>
         <p:nvPr/>
       </p:nvGrpSpPr>
@@ -287,9 +292,11 @@
       <p:sp>
         <p:nvSpPr>
           <p:cNvPr id="3" name="Google Shape;3;n"/>
-          <p:cNvSpPr/>
+          <p:cNvSpPr>
+            <a:spLocks noGrp="1" noRot="1" noChangeAspect="1"/>
+          </p:cNvSpPr>
           <p:nvPr>
-            <p:ph idx="2" type="sldImg"/>
+            <p:ph type="sldImg" idx="2"/>
           </p:nvPr>
         </p:nvSpPr>
         <p:spPr>
@@ -298,9 +305,13 @@
             <a:ext cx="6096075" cy="3429000"/>
           </a:xfrm>
           <a:custGeom>
-            <a:rect b="b" l="l" r="r" t="t"/>
+            <a:avLst/>
+            <a:gdLst/>
+            <a:ahLst/>
+            <a:cxnLst/>
+            <a:rect l="l" t="t" r="r" b="b"/>
             <a:pathLst>
-              <a:path extrusionOk="0" h="120000" w="120000">
+              <a:path w="120000" h="120000" extrusionOk="0">
                 <a:moveTo>
                   <a:pt x="0" y="0"/>
                 </a:moveTo>
@@ -318,23 +329,25 @@
             </a:pathLst>
           </a:custGeom>
           <a:noFill/>
-          <a:ln cap="flat" cmpd="sng" w="9525">
+          <a:ln w="9525" cap="flat" cmpd="sng">
             <a:solidFill>
               <a:srgbClr val="000000"/>
             </a:solidFill>
             <a:prstDash val="solid"/>
             <a:round/>
-            <a:headEnd len="sm" w="sm" type="none"/>
-            <a:tailEnd len="sm" w="sm" type="none"/>
+            <a:headEnd type="none" w="sm" len="sm"/>
+            <a:tailEnd type="none" w="sm" len="sm"/>
           </a:ln>
         </p:spPr>
       </p:sp>
       <p:sp>
         <p:nvSpPr>
           <p:cNvPr id="4" name="Google Shape;4;n"/>
-          <p:cNvSpPr txBox="1"/>
+          <p:cNvSpPr txBox="1">
+            <a:spLocks noGrp="1"/>
+          </p:cNvSpPr>
           <p:nvPr>
-            <p:ph idx="1" type="body"/>
+            <p:ph type="body" idx="1"/>
           </p:nvPr>
         </p:nvSpPr>
         <p:spPr>
@@ -351,11 +364,11 @@
           </a:ln>
         </p:spPr>
         <p:txBody>
-          <a:bodyPr anchorCtr="0" anchor="t" bIns="91425" lIns="91425" spcFirstLastPara="1" rIns="91425" wrap="square" tIns="91425">
+          <a:bodyPr spcFirstLastPara="1" wrap="square" lIns="91425" tIns="91425" rIns="91425" bIns="91425" anchor="t" anchorCtr="0">
             <a:noAutofit/>
           </a:bodyPr>
           <a:lstStyle>
-            <a:lvl1pPr indent="-298450" lvl="0" marL="457200">
+            <a:lvl1pPr marL="457200" lvl="0" indent="-298450">
               <a:spcBef>
                 <a:spcPts val="0"/>
               </a:spcBef>
@@ -366,7 +379,7 @@
               <a:buChar char="●"/>
               <a:defRPr sz="1100"/>
             </a:lvl1pPr>
-            <a:lvl2pPr indent="-298450" lvl="1" marL="914400">
+            <a:lvl2pPr marL="914400" lvl="1" indent="-298450">
               <a:spcBef>
                 <a:spcPts val="0"/>
               </a:spcBef>
@@ -377,7 +390,7 @@
               <a:buChar char="○"/>
               <a:defRPr sz="1100"/>
             </a:lvl2pPr>
-            <a:lvl3pPr indent="-298450" lvl="2" marL="1371600">
+            <a:lvl3pPr marL="1371600" lvl="2" indent="-298450">
               <a:spcBef>
                 <a:spcPts val="0"/>
               </a:spcBef>
@@ -388,7 +401,7 @@
               <a:buChar char="■"/>
               <a:defRPr sz="1100"/>
             </a:lvl3pPr>
-            <a:lvl4pPr indent="-298450" lvl="3" marL="1828800">
+            <a:lvl4pPr marL="1828800" lvl="3" indent="-298450">
               <a:spcBef>
                 <a:spcPts val="0"/>
               </a:spcBef>
@@ -399,7 +412,7 @@
               <a:buChar char="●"/>
               <a:defRPr sz="1100"/>
             </a:lvl4pPr>
-            <a:lvl5pPr indent="-298450" lvl="4" marL="2286000">
+            <a:lvl5pPr marL="2286000" lvl="4" indent="-298450">
               <a:spcBef>
                 <a:spcPts val="0"/>
               </a:spcBef>
@@ -410,7 +423,7 @@
               <a:buChar char="○"/>
               <a:defRPr sz="1100"/>
             </a:lvl5pPr>
-            <a:lvl6pPr indent="-298450" lvl="5" marL="2743200">
+            <a:lvl6pPr marL="2743200" lvl="5" indent="-298450">
               <a:spcBef>
                 <a:spcPts val="0"/>
               </a:spcBef>
@@ -421,7 +434,7 @@
               <a:buChar char="■"/>
               <a:defRPr sz="1100"/>
             </a:lvl6pPr>
-            <a:lvl7pPr indent="-298450" lvl="6" marL="3200400">
+            <a:lvl7pPr marL="3200400" lvl="6" indent="-298450">
               <a:spcBef>
                 <a:spcPts val="0"/>
               </a:spcBef>
@@ -432,7 +445,7 @@
               <a:buChar char="●"/>
               <a:defRPr sz="1100"/>
             </a:lvl7pPr>
-            <a:lvl8pPr indent="-298450" lvl="7" marL="3657600">
+            <a:lvl8pPr marL="3657600" lvl="7" indent="-298450">
               <a:spcBef>
                 <a:spcPts val="0"/>
               </a:spcBef>
@@ -443,7 +456,7 @@
               <a:buChar char="○"/>
               <a:defRPr sz="1100"/>
             </a:lvl8pPr>
-            <a:lvl9pPr indent="-298450" lvl="8" marL="4114800">
+            <a:lvl9pPr marL="4114800" lvl="8" indent="-298450">
               <a:spcBef>
                 <a:spcPts val="0"/>
               </a:spcBef>
@@ -455,14 +468,16 @@
               <a:defRPr sz="1100"/>
             </a:lvl9pPr>
           </a:lstStyle>
-          <a:p/>
+          <a:p>
+            <a:endParaRPr/>
+          </a:p>
         </p:txBody>
       </p:sp>
     </p:spTree>
   </p:cSld>
-  <p:clrMap accent1="accent1" accent2="accent2" accent3="accent3" accent4="accent4" accent5="accent5" accent6="accent6" bg1="lt1" bg2="dk2" tx1="dk1" tx2="lt2" folHlink="folHlink" hlink="hlink"/>
+  <p:clrMap bg1="lt1" tx1="dk1" bg2="dk2" tx2="lt2" accent1="accent1" accent2="accent2" accent3="accent3" accent4="accent4" accent5="accent5" accent6="accent6" hlink="hlink" folHlink="folHlink"/>
   <p:notesStyle>
-    <a:defPPr lvl="0" marR="0" rtl="0" algn="l">
+    <a:defPPr marR="0" lvl="0" algn="l" rtl="0">
       <a:lnSpc>
         <a:spcPct val="100000"/>
       </a:lnSpc>
@@ -473,7 +488,7 @@
         <a:spcPts val="0"/>
       </a:spcAft>
     </a:defPPr>
-    <a:lvl1pPr lvl="0" marR="0" rtl="0" algn="l">
+    <a:lvl1pPr marR="0" lvl="0" algn="l" rtl="0">
       <a:lnSpc>
         <a:spcPct val="100000"/>
       </a:lnSpc>
@@ -487,7 +502,7 @@
         <a:srgbClr val="000000"/>
       </a:buClr>
       <a:buFont typeface="Arial"/>
-      <a:defRPr b="0" i="0" sz="1400" u="none" cap="none" strike="noStrike">
+      <a:defRPr sz="1400" b="0" i="0" u="none" strike="noStrike" cap="none">
         <a:solidFill>
           <a:srgbClr val="000000"/>
         </a:solidFill>
@@ -497,7 +512,7 @@
         <a:sym typeface="Arial"/>
       </a:defRPr>
     </a:lvl1pPr>
-    <a:lvl2pPr lvl="1" marR="0" rtl="0" algn="l">
+    <a:lvl2pPr marR="0" lvl="1" algn="l" rtl="0">
       <a:lnSpc>
         <a:spcPct val="100000"/>
       </a:lnSpc>
@@ -511,7 +526,7 @@
         <a:srgbClr val="000000"/>
       </a:buClr>
       <a:buFont typeface="Arial"/>
-      <a:defRPr b="0" i="0" sz="1400" u="none" cap="none" strike="noStrike">
+      <a:defRPr sz="1400" b="0" i="0" u="none" strike="noStrike" cap="none">
         <a:solidFill>
           <a:srgbClr val="000000"/>
         </a:solidFill>
@@ -521,7 +536,7 @@
         <a:sym typeface="Arial"/>
       </a:defRPr>
     </a:lvl2pPr>
-    <a:lvl3pPr lvl="2" marR="0" rtl="0" algn="l">
+    <a:lvl3pPr marR="0" lvl="2" algn="l" rtl="0">
       <a:lnSpc>
         <a:spcPct val="100000"/>
       </a:lnSpc>
@@ -535,7 +550,7 @@
         <a:srgbClr val="000000"/>
       </a:buClr>
       <a:buFont typeface="Arial"/>
-      <a:defRPr b="0" i="0" sz="1400" u="none" cap="none" strike="noStrike">
+      <a:defRPr sz="1400" b="0" i="0" u="none" strike="noStrike" cap="none">
         <a:solidFill>
           <a:srgbClr val="000000"/>
         </a:solidFill>
@@ -545,7 +560,7 @@
         <a:sym typeface="Arial"/>
       </a:defRPr>
     </a:lvl3pPr>
-    <a:lvl4pPr lvl="3" marR="0" rtl="0" algn="l">
+    <a:lvl4pPr marR="0" lvl="3" algn="l" rtl="0">
       <a:lnSpc>
         <a:spcPct val="100000"/>
       </a:lnSpc>
@@ -559,7 +574,7 @@
         <a:srgbClr val="000000"/>
       </a:buClr>
       <a:buFont typeface="Arial"/>
-      <a:defRPr b="0" i="0" sz="1400" u="none" cap="none" strike="noStrike">
+      <a:defRPr sz="1400" b="0" i="0" u="none" strike="noStrike" cap="none">
         <a:solidFill>
           <a:srgbClr val="000000"/>
         </a:solidFill>
@@ -569,7 +584,7 @@
         <a:sym typeface="Arial"/>
       </a:defRPr>
     </a:lvl4pPr>
-    <a:lvl5pPr lvl="4" marR="0" rtl="0" algn="l">
+    <a:lvl5pPr marR="0" lvl="4" algn="l" rtl="0">
       <a:lnSpc>
         <a:spcPct val="100000"/>
       </a:lnSpc>
@@ -583,7 +598,7 @@
         <a:srgbClr val="000000"/>
       </a:buClr>
       <a:buFont typeface="Arial"/>
-      <a:defRPr b="0" i="0" sz="1400" u="none" cap="none" strike="noStrike">
+      <a:defRPr sz="1400" b="0" i="0" u="none" strike="noStrike" cap="none">
         <a:solidFill>
           <a:srgbClr val="000000"/>
         </a:solidFill>
@@ -593,7 +608,7 @@
         <a:sym typeface="Arial"/>
       </a:defRPr>
     </a:lvl5pPr>
-    <a:lvl6pPr lvl="5" marR="0" rtl="0" algn="l">
+    <a:lvl6pPr marR="0" lvl="5" algn="l" rtl="0">
       <a:lnSpc>
         <a:spcPct val="100000"/>
       </a:lnSpc>
@@ -607,7 +622,7 @@
         <a:srgbClr val="000000"/>
       </a:buClr>
       <a:buFont typeface="Arial"/>
-      <a:defRPr b="0" i="0" sz="1400" u="none" cap="none" strike="noStrike">
+      <a:defRPr sz="1400" b="0" i="0" u="none" strike="noStrike" cap="none">
         <a:solidFill>
           <a:srgbClr val="000000"/>
         </a:solidFill>
@@ -617,7 +632,7 @@
         <a:sym typeface="Arial"/>
       </a:defRPr>
     </a:lvl6pPr>
-    <a:lvl7pPr lvl="6" marR="0" rtl="0" algn="l">
+    <a:lvl7pPr marR="0" lvl="6" algn="l" rtl="0">
       <a:lnSpc>
         <a:spcPct val="100000"/>
       </a:lnSpc>
@@ -631,7 +646,7 @@
         <a:srgbClr val="000000"/>
       </a:buClr>
       <a:buFont typeface="Arial"/>
-      <a:defRPr b="0" i="0" sz="1400" u="none" cap="none" strike="noStrike">
+      <a:defRPr sz="1400" b="0" i="0" u="none" strike="noStrike" cap="none">
         <a:solidFill>
           <a:srgbClr val="000000"/>
         </a:solidFill>
@@ -641,7 +656,7 @@
         <a:sym typeface="Arial"/>
       </a:defRPr>
     </a:lvl7pPr>
-    <a:lvl8pPr lvl="7" marR="0" rtl="0" algn="l">
+    <a:lvl8pPr marR="0" lvl="7" algn="l" rtl="0">
       <a:lnSpc>
         <a:spcPct val="100000"/>
       </a:lnSpc>
@@ -655,7 +670,7 @@
         <a:srgbClr val="000000"/>
       </a:buClr>
       <a:buFont typeface="Arial"/>
-      <a:defRPr b="0" i="0" sz="1400" u="none" cap="none" strike="noStrike">
+      <a:defRPr sz="1400" b="0" i="0" u="none" strike="noStrike" cap="none">
         <a:solidFill>
           <a:srgbClr val="000000"/>
         </a:solidFill>
@@ -665,7 +680,7 @@
         <a:sym typeface="Arial"/>
       </a:defRPr>
     </a:lvl8pPr>
-    <a:lvl9pPr lvl="8" marR="0" rtl="0" algn="l">
+    <a:lvl9pPr marR="0" lvl="8" algn="l" rtl="0">
       <a:lnSpc>
         <a:spcPct val="100000"/>
       </a:lnSpc>
@@ -679,7 +694,7 @@
         <a:srgbClr val="000000"/>
       </a:buClr>
       <a:buFont typeface="Arial"/>
-      <a:defRPr b="0" i="0" sz="1400" u="none" cap="none" strike="noStrike">
+      <a:defRPr sz="1400" b="0" i="0" u="none" strike="noStrike" cap="none">
         <a:solidFill>
           <a:srgbClr val="000000"/>
         </a:solidFill>
@@ -694,11 +709,11 @@
 </file>
 
 <file path=ppt/notesSlides/notesSlide1.xml><?xml version="1.0" encoding="utf-8"?>
-<p:notes xmlns:a="http://schemas.openxmlformats.org/drawingml/2006/main" xmlns:r="http://schemas.openxmlformats.org/officeDocument/2006/relationships" xmlns:mc="http://schemas.openxmlformats.org/markup-compatibility/2006" xmlns:mv="urn:schemas-microsoft-com:mac:vml" xmlns:p="http://schemas.openxmlformats.org/presentationml/2006/main" xmlns:c="http://schemas.openxmlformats.org/drawingml/2006/chart" xmlns:dgm="http://schemas.openxmlformats.org/drawingml/2006/diagram" xmlns:o="urn:schemas-microsoft-com:office:office" xmlns:v="urn:schemas-microsoft-com:vml" xmlns:pvml="urn:schemas-microsoft-com:office:powerpoint" xmlns:com="http://schemas.openxmlformats.org/drawingml/2006/compatibility" xmlns:p14="http://schemas.microsoft.com/office/powerpoint/2010/main" xmlns:p15="http://schemas.microsoft.com/office/powerpoint/2012/main" xmlns:ahyp="http://schemas.microsoft.com/office/drawing/2018/hyperlinkcolor" showMasterPhAnim="0" showMasterSp="0">
+<p:notes xmlns:a="http://schemas.openxmlformats.org/drawingml/2006/main" xmlns:r="http://schemas.openxmlformats.org/officeDocument/2006/relationships" xmlns:p="http://schemas.openxmlformats.org/presentationml/2006/main" showMasterSp="0" showMasterPhAnim="0">
   <p:cSld>
     <p:spTree>
       <p:nvGrpSpPr>
-        <p:cNvPr id="73" name="Shape 73"/>
+        <p:cNvPr id="1" name="Shape 73"/>
         <p:cNvGrpSpPr/>
         <p:nvPr/>
       </p:nvGrpSpPr>
@@ -713,9 +728,11 @@
       <p:sp>
         <p:nvSpPr>
           <p:cNvPr id="74" name="Google Shape;74;g2d036a45e36_1_23:notes"/>
-          <p:cNvSpPr/>
+          <p:cNvSpPr>
+            <a:spLocks noGrp="1" noRot="1" noChangeAspect="1"/>
+          </p:cNvSpPr>
           <p:nvPr>
-            <p:ph idx="2" type="sldImg"/>
+            <p:ph type="sldImg" idx="2"/>
           </p:nvPr>
         </p:nvSpPr>
         <p:spPr>
@@ -724,9 +741,13 @@
             <a:ext cx="5486400" cy="3086100"/>
           </a:xfrm>
           <a:custGeom>
-            <a:rect b="b" l="l" r="r" t="t"/>
+            <a:avLst/>
+            <a:gdLst/>
+            <a:ahLst/>
+            <a:cxnLst/>
+            <a:rect l="l" t="t" r="r" b="b"/>
             <a:pathLst>
-              <a:path extrusionOk="0" h="120000" w="120000">
+              <a:path w="120000" h="120000" extrusionOk="0">
                 <a:moveTo>
                   <a:pt x="0" y="0"/>
                 </a:moveTo>
@@ -744,23 +765,25 @@
             </a:pathLst>
           </a:custGeom>
           <a:noFill/>
-          <a:ln cap="flat" cmpd="sng" w="12700">
+          <a:ln w="12700" cap="flat" cmpd="sng">
             <a:solidFill>
               <a:srgbClr val="000000"/>
             </a:solidFill>
             <a:prstDash val="solid"/>
             <a:round/>
-            <a:headEnd len="sm" w="sm" type="none"/>
-            <a:tailEnd len="sm" w="sm" type="none"/>
+            <a:headEnd type="none" w="sm" len="sm"/>
+            <a:tailEnd type="none" w="sm" len="sm"/>
           </a:ln>
         </p:spPr>
       </p:sp>
       <p:sp>
         <p:nvSpPr>
           <p:cNvPr id="75" name="Google Shape;75;g2d036a45e36_1_23:notes"/>
-          <p:cNvSpPr txBox="1"/>
+          <p:cNvSpPr txBox="1">
+            <a:spLocks noGrp="1"/>
+          </p:cNvSpPr>
           <p:nvPr>
-            <p:ph idx="1" type="body"/>
+            <p:ph type="body" idx="1"/>
           </p:nvPr>
         </p:nvSpPr>
         <p:spPr>
@@ -777,12 +800,12 @@
           </a:ln>
         </p:spPr>
         <p:txBody>
-          <a:bodyPr anchorCtr="0" anchor="t" bIns="45700" lIns="91425" spcFirstLastPara="1" rIns="91425" wrap="square" tIns="45700">
+          <a:bodyPr spcFirstLastPara="1" wrap="square" lIns="91425" tIns="45700" rIns="91425" bIns="45700" anchor="t" anchorCtr="0">
             <a:noAutofit/>
           </a:bodyPr>
           <a:lstStyle/>
           <a:p>
-            <a:pPr indent="0" lvl="0" marL="0" rtl="0" algn="l">
+            <a:pPr marL="0" lvl="0" indent="0" algn="l" rtl="0">
               <a:spcBef>
                 <a:spcPts val="0"/>
               </a:spcBef>
@@ -791,9 +814,6 @@
               </a:spcAft>
               <a:buNone/>
             </a:pPr>
-            <a:r>
-              <a:t/>
-            </a:r>
             <a:endParaRPr/>
           </a:p>
         </p:txBody>
@@ -801,9 +821,11 @@
       <p:sp>
         <p:nvSpPr>
           <p:cNvPr id="76" name="Google Shape;76;g2d036a45e36_1_23:notes"/>
-          <p:cNvSpPr txBox="1"/>
+          <p:cNvSpPr txBox="1">
+            <a:spLocks noGrp="1"/>
+          </p:cNvSpPr>
           <p:nvPr>
-            <p:ph idx="12" type="sldNum"/>
+            <p:ph type="sldNum" idx="12"/>
           </p:nvPr>
         </p:nvSpPr>
         <p:spPr>
@@ -820,12 +842,12 @@
           </a:ln>
         </p:spPr>
         <p:txBody>
-          <a:bodyPr anchorCtr="0" anchor="b" bIns="45700" lIns="91425" spcFirstLastPara="1" rIns="91425" wrap="square" tIns="45700">
+          <a:bodyPr spcFirstLastPara="1" wrap="square" lIns="91425" tIns="45700" rIns="91425" bIns="45700" anchor="b" anchorCtr="0">
             <a:noAutofit/>
           </a:bodyPr>
           <a:lstStyle/>
           <a:p>
-            <a:pPr indent="0" lvl="0" marL="0" rtl="0" algn="r">
+            <a:pPr marL="0" lvl="0" indent="0" algn="r" rtl="0">
               <a:spcBef>
                 <a:spcPts val="0"/>
               </a:spcBef>
@@ -836,7 +858,7 @@
             </a:pPr>
             <a:fld id="{00000000-1234-1234-1234-123412341234}" type="slidenum">
               <a:rPr lang="en"/>
-              <a:t>‹#›</a:t>
+              <a:t>1</a:t>
             </a:fld>
             <a:endParaRPr/>
           </a:p>
@@ -851,11 +873,11 @@
 </file>
 
 <file path=ppt/notesSlides/notesSlide2.xml><?xml version="1.0" encoding="utf-8"?>
-<p:notes xmlns:a="http://schemas.openxmlformats.org/drawingml/2006/main" xmlns:r="http://schemas.openxmlformats.org/officeDocument/2006/relationships" xmlns:mc="http://schemas.openxmlformats.org/markup-compatibility/2006" xmlns:mv="urn:schemas-microsoft-com:mac:vml" xmlns:p="http://schemas.openxmlformats.org/presentationml/2006/main" xmlns:c="http://schemas.openxmlformats.org/drawingml/2006/chart" xmlns:dgm="http://schemas.openxmlformats.org/drawingml/2006/diagram" xmlns:o="urn:schemas-microsoft-com:office:office" xmlns:v="urn:schemas-microsoft-com:vml" xmlns:pvml="urn:schemas-microsoft-com:office:powerpoint" xmlns:com="http://schemas.openxmlformats.org/drawingml/2006/compatibility" xmlns:p14="http://schemas.microsoft.com/office/powerpoint/2010/main" xmlns:p15="http://schemas.microsoft.com/office/powerpoint/2012/main" xmlns:ahyp="http://schemas.microsoft.com/office/drawing/2018/hyperlinkcolor" showMasterPhAnim="0" showMasterSp="0">
+<p:notes xmlns:a="http://schemas.openxmlformats.org/drawingml/2006/main" xmlns:r="http://schemas.openxmlformats.org/officeDocument/2006/relationships" xmlns:p="http://schemas.openxmlformats.org/presentationml/2006/main" showMasterSp="0" showMasterPhAnim="0">
   <p:cSld>
     <p:spTree>
       <p:nvGrpSpPr>
-        <p:cNvPr id="82" name="Shape 82"/>
+        <p:cNvPr id="1" name="Shape 82"/>
         <p:cNvGrpSpPr/>
         <p:nvPr/>
       </p:nvGrpSpPr>
@@ -870,9 +892,11 @@
       <p:sp>
         <p:nvSpPr>
           <p:cNvPr id="83" name="Google Shape;83;g2d036a45e36_1_34:notes"/>
-          <p:cNvSpPr txBox="1"/>
+          <p:cNvSpPr txBox="1">
+            <a:spLocks noGrp="1"/>
+          </p:cNvSpPr>
           <p:nvPr>
-            <p:ph idx="1" type="body"/>
+            <p:ph type="body" idx="1"/>
           </p:nvPr>
         </p:nvSpPr>
         <p:spPr>
@@ -885,12 +909,12 @@
           </a:prstGeom>
         </p:spPr>
         <p:txBody>
-          <a:bodyPr anchorCtr="0" anchor="t" bIns="91425" lIns="91425" spcFirstLastPara="1" rIns="91425" wrap="square" tIns="91425">
+          <a:bodyPr spcFirstLastPara="1" wrap="square" lIns="91425" tIns="91425" rIns="91425" bIns="91425" anchor="t" anchorCtr="0">
             <a:noAutofit/>
           </a:bodyPr>
           <a:lstStyle/>
           <a:p>
-            <a:pPr indent="0" lvl="0" marL="0" rtl="0" algn="l">
+            <a:pPr marL="0" lvl="0" indent="0" algn="l" rtl="0">
               <a:spcBef>
                 <a:spcPts val="0"/>
               </a:spcBef>
@@ -899,9 +923,6 @@
               </a:spcAft>
               <a:buNone/>
             </a:pPr>
-            <a:r>
-              <a:t/>
-            </a:r>
             <a:endParaRPr/>
           </a:p>
         </p:txBody>
@@ -909,9 +930,11 @@
       <p:sp>
         <p:nvSpPr>
           <p:cNvPr id="84" name="Google Shape;84;g2d036a45e36_1_34:notes"/>
-          <p:cNvSpPr/>
+          <p:cNvSpPr>
+            <a:spLocks noGrp="1" noRot="1" noChangeAspect="1"/>
+          </p:cNvSpPr>
           <p:nvPr>
-            <p:ph idx="2" type="sldImg"/>
+            <p:ph type="sldImg" idx="2"/>
           </p:nvPr>
         </p:nvSpPr>
         <p:spPr>
@@ -920,9 +943,13 @@
             <a:ext cx="5486400" cy="3086100"/>
           </a:xfrm>
           <a:custGeom>
-            <a:rect b="b" l="l" r="r" t="t"/>
+            <a:avLst/>
+            <a:gdLst/>
+            <a:ahLst/>
+            <a:cxnLst/>
+            <a:rect l="l" t="t" r="r" b="b"/>
             <a:pathLst>
-              <a:path extrusionOk="0" h="120000" w="120000">
+              <a:path w="120000" h="120000" extrusionOk="0">
                 <a:moveTo>
                   <a:pt x="0" y="0"/>
                 </a:moveTo>
@@ -950,11 +977,11 @@
 </file>
 
 <file path=ppt/notesSlides/notesSlide3.xml><?xml version="1.0" encoding="utf-8"?>
-<p:notes xmlns:a="http://schemas.openxmlformats.org/drawingml/2006/main" xmlns:r="http://schemas.openxmlformats.org/officeDocument/2006/relationships" xmlns:mc="http://schemas.openxmlformats.org/markup-compatibility/2006" xmlns:mv="urn:schemas-microsoft-com:mac:vml" xmlns:p="http://schemas.openxmlformats.org/presentationml/2006/main" xmlns:c="http://schemas.openxmlformats.org/drawingml/2006/chart" xmlns:dgm="http://schemas.openxmlformats.org/drawingml/2006/diagram" xmlns:o="urn:schemas-microsoft-com:office:office" xmlns:v="urn:schemas-microsoft-com:vml" xmlns:pvml="urn:schemas-microsoft-com:office:powerpoint" xmlns:com="http://schemas.openxmlformats.org/drawingml/2006/compatibility" xmlns:p14="http://schemas.microsoft.com/office/powerpoint/2010/main" xmlns:p15="http://schemas.microsoft.com/office/powerpoint/2012/main" xmlns:ahyp="http://schemas.microsoft.com/office/drawing/2018/hyperlinkcolor" showMasterPhAnim="0" showMasterSp="0">
+<p:notes xmlns:a="http://schemas.openxmlformats.org/drawingml/2006/main" xmlns:r="http://schemas.openxmlformats.org/officeDocument/2006/relationships" xmlns:p="http://schemas.openxmlformats.org/presentationml/2006/main" showMasterSp="0" showMasterPhAnim="0">
   <p:cSld>
     <p:spTree>
       <p:nvGrpSpPr>
-        <p:cNvPr id="88" name="Shape 88"/>
+        <p:cNvPr id="1" name="Shape 88"/>
         <p:cNvGrpSpPr/>
         <p:nvPr/>
       </p:nvGrpSpPr>
@@ -969,9 +996,11 @@
       <p:sp>
         <p:nvSpPr>
           <p:cNvPr id="89" name="Google Shape;89;g2d036a45e14_0_2:notes"/>
-          <p:cNvSpPr txBox="1"/>
+          <p:cNvSpPr txBox="1">
+            <a:spLocks noGrp="1"/>
+          </p:cNvSpPr>
           <p:nvPr>
-            <p:ph idx="1" type="body"/>
+            <p:ph type="body" idx="1"/>
           </p:nvPr>
         </p:nvSpPr>
         <p:spPr>
@@ -984,12 +1013,12 @@
           </a:prstGeom>
         </p:spPr>
         <p:txBody>
-          <a:bodyPr anchorCtr="0" anchor="t" bIns="91425" lIns="91425" spcFirstLastPara="1" rIns="91425" wrap="square" tIns="91425">
+          <a:bodyPr spcFirstLastPara="1" wrap="square" lIns="91425" tIns="91425" rIns="91425" bIns="91425" anchor="t" anchorCtr="0">
             <a:noAutofit/>
           </a:bodyPr>
           <a:lstStyle/>
           <a:p>
-            <a:pPr indent="0" lvl="0" marL="0" rtl="0" algn="l">
+            <a:pPr marL="0" lvl="0" indent="0" algn="l" rtl="0">
               <a:spcBef>
                 <a:spcPts val="0"/>
               </a:spcBef>
@@ -998,9 +1027,6 @@
               </a:spcAft>
               <a:buNone/>
             </a:pPr>
-            <a:r>
-              <a:t/>
-            </a:r>
             <a:endParaRPr/>
           </a:p>
         </p:txBody>
@@ -1008,9 +1034,11 @@
       <p:sp>
         <p:nvSpPr>
           <p:cNvPr id="90" name="Google Shape;90;g2d036a45e14_0_2:notes"/>
-          <p:cNvSpPr/>
+          <p:cNvSpPr>
+            <a:spLocks noGrp="1" noRot="1" noChangeAspect="1"/>
+          </p:cNvSpPr>
           <p:nvPr>
-            <p:ph idx="2" type="sldImg"/>
+            <p:ph type="sldImg" idx="2"/>
           </p:nvPr>
         </p:nvSpPr>
         <p:spPr>
@@ -1019,9 +1047,13 @@
             <a:ext cx="5486400" cy="3086100"/>
           </a:xfrm>
           <a:custGeom>
-            <a:rect b="b" l="l" r="r" t="t"/>
+            <a:avLst/>
+            <a:gdLst/>
+            <a:ahLst/>
+            <a:cxnLst/>
+            <a:rect l="l" t="t" r="r" b="b"/>
             <a:pathLst>
-              <a:path extrusionOk="0" h="120000" w="120000">
+              <a:path w="120000" h="120000" extrusionOk="0">
                 <a:moveTo>
                   <a:pt x="0" y="0"/>
                 </a:moveTo>
@@ -1049,11 +1081,11 @@
 </file>
 
 <file path=ppt/notesSlides/notesSlide4.xml><?xml version="1.0" encoding="utf-8"?>
-<p:notes xmlns:a="http://schemas.openxmlformats.org/drawingml/2006/main" xmlns:r="http://schemas.openxmlformats.org/officeDocument/2006/relationships" xmlns:mc="http://schemas.openxmlformats.org/markup-compatibility/2006" xmlns:mv="urn:schemas-microsoft-com:mac:vml" xmlns:p="http://schemas.openxmlformats.org/presentationml/2006/main" xmlns:c="http://schemas.openxmlformats.org/drawingml/2006/chart" xmlns:dgm="http://schemas.openxmlformats.org/drawingml/2006/diagram" xmlns:o="urn:schemas-microsoft-com:office:office" xmlns:v="urn:schemas-microsoft-com:vml" xmlns:pvml="urn:schemas-microsoft-com:office:powerpoint" xmlns:com="http://schemas.openxmlformats.org/drawingml/2006/compatibility" xmlns:p14="http://schemas.microsoft.com/office/powerpoint/2010/main" xmlns:p15="http://schemas.microsoft.com/office/powerpoint/2012/main" xmlns:ahyp="http://schemas.microsoft.com/office/drawing/2018/hyperlinkcolor" showMasterPhAnim="0" showMasterSp="0">
+<p:notes xmlns:a="http://schemas.openxmlformats.org/drawingml/2006/main" xmlns:r="http://schemas.openxmlformats.org/officeDocument/2006/relationships" xmlns:p="http://schemas.openxmlformats.org/presentationml/2006/main" showMasterSp="0" showMasterPhAnim="0">
   <p:cSld>
     <p:spTree>
       <p:nvGrpSpPr>
-        <p:cNvPr id="94" name="Shape 94"/>
+        <p:cNvPr id="1" name="Shape 94"/>
         <p:cNvGrpSpPr/>
         <p:nvPr/>
       </p:nvGrpSpPr>
@@ -1068,9 +1100,11 @@
       <p:sp>
         <p:nvSpPr>
           <p:cNvPr id="95" name="Google Shape;95;g2d036a45e14_0_12:notes"/>
-          <p:cNvSpPr txBox="1"/>
+          <p:cNvSpPr txBox="1">
+            <a:spLocks noGrp="1"/>
+          </p:cNvSpPr>
           <p:nvPr>
-            <p:ph idx="1" type="body"/>
+            <p:ph type="body" idx="1"/>
           </p:nvPr>
         </p:nvSpPr>
         <p:spPr>
@@ -1083,12 +1117,12 @@
           </a:prstGeom>
         </p:spPr>
         <p:txBody>
-          <a:bodyPr anchorCtr="0" anchor="t" bIns="91425" lIns="91425" spcFirstLastPara="1" rIns="91425" wrap="square" tIns="91425">
+          <a:bodyPr spcFirstLastPara="1" wrap="square" lIns="91425" tIns="91425" rIns="91425" bIns="91425" anchor="t" anchorCtr="0">
             <a:noAutofit/>
           </a:bodyPr>
           <a:lstStyle/>
           <a:p>
-            <a:pPr indent="0" lvl="0" marL="0" rtl="0" algn="l">
+            <a:pPr marL="0" lvl="0" indent="0" algn="l" rtl="0">
               <a:spcBef>
                 <a:spcPts val="0"/>
               </a:spcBef>
@@ -1097,9 +1131,6 @@
               </a:spcAft>
               <a:buNone/>
             </a:pPr>
-            <a:r>
-              <a:t/>
-            </a:r>
             <a:endParaRPr/>
           </a:p>
         </p:txBody>
@@ -1107,9 +1138,11 @@
       <p:sp>
         <p:nvSpPr>
           <p:cNvPr id="96" name="Google Shape;96;g2d036a45e14_0_12:notes"/>
-          <p:cNvSpPr/>
+          <p:cNvSpPr>
+            <a:spLocks noGrp="1" noRot="1" noChangeAspect="1"/>
+          </p:cNvSpPr>
           <p:nvPr>
-            <p:ph idx="2" type="sldImg"/>
+            <p:ph type="sldImg" idx="2"/>
           </p:nvPr>
         </p:nvSpPr>
         <p:spPr>
@@ -1118,9 +1151,13 @@
             <a:ext cx="5486400" cy="3086100"/>
           </a:xfrm>
           <a:custGeom>
-            <a:rect b="b" l="l" r="r" t="t"/>
+            <a:avLst/>
+            <a:gdLst/>
+            <a:ahLst/>
+            <a:cxnLst/>
+            <a:rect l="l" t="t" r="r" b="b"/>
             <a:pathLst>
-              <a:path extrusionOk="0" h="120000" w="120000">
+              <a:path w="120000" h="120000" extrusionOk="0">
                 <a:moveTo>
                   <a:pt x="0" y="0"/>
                 </a:moveTo>
@@ -1148,11 +1185,11 @@
 </file>
 
 <file path=ppt/notesSlides/notesSlide5.xml><?xml version="1.0" encoding="utf-8"?>
-<p:notes xmlns:a="http://schemas.openxmlformats.org/drawingml/2006/main" xmlns:r="http://schemas.openxmlformats.org/officeDocument/2006/relationships" xmlns:mc="http://schemas.openxmlformats.org/markup-compatibility/2006" xmlns:mv="urn:schemas-microsoft-com:mac:vml" xmlns:p="http://schemas.openxmlformats.org/presentationml/2006/main" xmlns:c="http://schemas.openxmlformats.org/drawingml/2006/chart" xmlns:dgm="http://schemas.openxmlformats.org/drawingml/2006/diagram" xmlns:o="urn:schemas-microsoft-com:office:office" xmlns:v="urn:schemas-microsoft-com:vml" xmlns:pvml="urn:schemas-microsoft-com:office:powerpoint" xmlns:com="http://schemas.openxmlformats.org/drawingml/2006/compatibility" xmlns:p14="http://schemas.microsoft.com/office/powerpoint/2010/main" xmlns:p15="http://schemas.microsoft.com/office/powerpoint/2012/main" xmlns:ahyp="http://schemas.microsoft.com/office/drawing/2018/hyperlinkcolor" showMasterPhAnim="0" showMasterSp="0">
+<p:notes xmlns:a="http://schemas.openxmlformats.org/drawingml/2006/main" xmlns:r="http://schemas.openxmlformats.org/officeDocument/2006/relationships" xmlns:p="http://schemas.openxmlformats.org/presentationml/2006/main" showMasterSp="0" showMasterPhAnim="0">
   <p:cSld>
     <p:spTree>
       <p:nvGrpSpPr>
-        <p:cNvPr id="100" name="Shape 100"/>
+        <p:cNvPr id="1" name="Shape 100"/>
         <p:cNvGrpSpPr/>
         <p:nvPr/>
       </p:nvGrpSpPr>
@@ -1167,9 +1204,11 @@
       <p:sp>
         <p:nvSpPr>
           <p:cNvPr id="101" name="Google Shape;101;g2d036a45e36_2_0:notes"/>
-          <p:cNvSpPr txBox="1"/>
+          <p:cNvSpPr txBox="1">
+            <a:spLocks noGrp="1"/>
+          </p:cNvSpPr>
           <p:nvPr>
-            <p:ph idx="1" type="body"/>
+            <p:ph type="body" idx="1"/>
           </p:nvPr>
         </p:nvSpPr>
         <p:spPr>
@@ -1182,12 +1221,12 @@
           </a:prstGeom>
         </p:spPr>
         <p:txBody>
-          <a:bodyPr anchorCtr="0" anchor="t" bIns="91425" lIns="91425" spcFirstLastPara="1" rIns="91425" wrap="square" tIns="91425">
+          <a:bodyPr spcFirstLastPara="1" wrap="square" lIns="91425" tIns="91425" rIns="91425" bIns="91425" anchor="t" anchorCtr="0">
             <a:noAutofit/>
           </a:bodyPr>
           <a:lstStyle/>
           <a:p>
-            <a:pPr indent="0" lvl="0" marL="0" rtl="0" algn="l">
+            <a:pPr marL="0" lvl="0" indent="0" algn="l" rtl="0">
               <a:spcBef>
                 <a:spcPts val="0"/>
               </a:spcBef>
@@ -1196,9 +1235,6 @@
               </a:spcAft>
               <a:buNone/>
             </a:pPr>
-            <a:r>
-              <a:t/>
-            </a:r>
             <a:endParaRPr/>
           </a:p>
         </p:txBody>
@@ -1206,9 +1242,11 @@
       <p:sp>
         <p:nvSpPr>
           <p:cNvPr id="102" name="Google Shape;102;g2d036a45e36_2_0:notes"/>
-          <p:cNvSpPr/>
+          <p:cNvSpPr>
+            <a:spLocks noGrp="1" noRot="1" noChangeAspect="1"/>
+          </p:cNvSpPr>
           <p:nvPr>
-            <p:ph idx="2" type="sldImg"/>
+            <p:ph type="sldImg" idx="2"/>
           </p:nvPr>
         </p:nvSpPr>
         <p:spPr>
@@ -1217,9 +1255,13 @@
             <a:ext cx="5486400" cy="3086100"/>
           </a:xfrm>
           <a:custGeom>
-            <a:rect b="b" l="l" r="r" t="t"/>
+            <a:avLst/>
+            <a:gdLst/>
+            <a:ahLst/>
+            <a:cxnLst/>
+            <a:rect l="l" t="t" r="r" b="b"/>
             <a:pathLst>
-              <a:path extrusionOk="0" h="120000" w="120000">
+              <a:path w="120000" h="120000" extrusionOk="0">
                 <a:moveTo>
                   <a:pt x="0" y="0"/>
                 </a:moveTo>
@@ -1247,11 +1289,11 @@
 </file>
 
 <file path=ppt/notesSlides/notesSlide6.xml><?xml version="1.0" encoding="utf-8"?>
-<p:notes xmlns:a="http://schemas.openxmlformats.org/drawingml/2006/main" xmlns:r="http://schemas.openxmlformats.org/officeDocument/2006/relationships" xmlns:mc="http://schemas.openxmlformats.org/markup-compatibility/2006" xmlns:mv="urn:schemas-microsoft-com:mac:vml" xmlns:p="http://schemas.openxmlformats.org/presentationml/2006/main" xmlns:c="http://schemas.openxmlformats.org/drawingml/2006/chart" xmlns:dgm="http://schemas.openxmlformats.org/drawingml/2006/diagram" xmlns:o="urn:schemas-microsoft-com:office:office" xmlns:v="urn:schemas-microsoft-com:vml" xmlns:pvml="urn:schemas-microsoft-com:office:powerpoint" xmlns:com="http://schemas.openxmlformats.org/drawingml/2006/compatibility" xmlns:p14="http://schemas.microsoft.com/office/powerpoint/2010/main" xmlns:p15="http://schemas.microsoft.com/office/powerpoint/2012/main" xmlns:ahyp="http://schemas.microsoft.com/office/drawing/2018/hyperlinkcolor" showMasterPhAnim="0" showMasterSp="0">
+<p:notes xmlns:a="http://schemas.openxmlformats.org/drawingml/2006/main" xmlns:r="http://schemas.openxmlformats.org/officeDocument/2006/relationships" xmlns:p="http://schemas.openxmlformats.org/presentationml/2006/main" showMasterSp="0" showMasterPhAnim="0">
   <p:cSld>
     <p:spTree>
       <p:nvGrpSpPr>
-        <p:cNvPr id="106" name="Shape 106"/>
+        <p:cNvPr id="1" name="Shape 106"/>
         <p:cNvGrpSpPr/>
         <p:nvPr/>
       </p:nvGrpSpPr>
@@ -1266,9 +1308,11 @@
       <p:sp>
         <p:nvSpPr>
           <p:cNvPr id="107" name="Google Shape;107;g2d036a45e14_0_7:notes"/>
-          <p:cNvSpPr txBox="1"/>
+          <p:cNvSpPr txBox="1">
+            <a:spLocks noGrp="1"/>
+          </p:cNvSpPr>
           <p:nvPr>
-            <p:ph idx="1" type="body"/>
+            <p:ph type="body" idx="1"/>
           </p:nvPr>
         </p:nvSpPr>
         <p:spPr>
@@ -1281,12 +1325,12 @@
           </a:prstGeom>
         </p:spPr>
         <p:txBody>
-          <a:bodyPr anchorCtr="0" anchor="t" bIns="91425" lIns="91425" spcFirstLastPara="1" rIns="91425" wrap="square" tIns="91425">
+          <a:bodyPr spcFirstLastPara="1" wrap="square" lIns="91425" tIns="91425" rIns="91425" bIns="91425" anchor="t" anchorCtr="0">
             <a:noAutofit/>
           </a:bodyPr>
           <a:lstStyle/>
           <a:p>
-            <a:pPr indent="0" lvl="0" marL="0" rtl="0" algn="l">
+            <a:pPr marL="0" lvl="0" indent="0" algn="l" rtl="0">
               <a:spcBef>
                 <a:spcPts val="0"/>
               </a:spcBef>
@@ -1295,9 +1339,6 @@
               </a:spcAft>
               <a:buNone/>
             </a:pPr>
-            <a:r>
-              <a:t/>
-            </a:r>
             <a:endParaRPr/>
           </a:p>
         </p:txBody>
@@ -1305,9 +1346,11 @@
       <p:sp>
         <p:nvSpPr>
           <p:cNvPr id="108" name="Google Shape;108;g2d036a45e14_0_7:notes"/>
-          <p:cNvSpPr/>
+          <p:cNvSpPr>
+            <a:spLocks noGrp="1" noRot="1" noChangeAspect="1"/>
+          </p:cNvSpPr>
           <p:nvPr>
-            <p:ph idx="2" type="sldImg"/>
+            <p:ph type="sldImg" idx="2"/>
           </p:nvPr>
         </p:nvSpPr>
         <p:spPr>
@@ -1316,9 +1359,13 @@
             <a:ext cx="5486400" cy="3086100"/>
           </a:xfrm>
           <a:custGeom>
-            <a:rect b="b" l="l" r="r" t="t"/>
+            <a:avLst/>
+            <a:gdLst/>
+            <a:ahLst/>
+            <a:cxnLst/>
+            <a:rect l="l" t="t" r="r" b="b"/>
             <a:pathLst>
-              <a:path extrusionOk="0" h="120000" w="120000">
+              <a:path w="120000" h="120000" extrusionOk="0">
                 <a:moveTo>
                   <a:pt x="0" y="0"/>
                 </a:moveTo>
@@ -1346,11 +1393,11 @@
 </file>
 
 <file path=ppt/notesSlides/notesSlide7.xml><?xml version="1.0" encoding="utf-8"?>
-<p:notes xmlns:a="http://schemas.openxmlformats.org/drawingml/2006/main" xmlns:r="http://schemas.openxmlformats.org/officeDocument/2006/relationships" xmlns:mc="http://schemas.openxmlformats.org/markup-compatibility/2006" xmlns:mv="urn:schemas-microsoft-com:mac:vml" xmlns:p="http://schemas.openxmlformats.org/presentationml/2006/main" xmlns:c="http://schemas.openxmlformats.org/drawingml/2006/chart" xmlns:dgm="http://schemas.openxmlformats.org/drawingml/2006/diagram" xmlns:o="urn:schemas-microsoft-com:office:office" xmlns:v="urn:schemas-microsoft-com:vml" xmlns:pvml="urn:schemas-microsoft-com:office:powerpoint" xmlns:com="http://schemas.openxmlformats.org/drawingml/2006/compatibility" xmlns:p14="http://schemas.microsoft.com/office/powerpoint/2010/main" xmlns:p15="http://schemas.microsoft.com/office/powerpoint/2012/main" xmlns:ahyp="http://schemas.microsoft.com/office/drawing/2018/hyperlinkcolor" showMasterPhAnim="0" showMasterSp="0">
+<p:notes xmlns:a="http://schemas.openxmlformats.org/drawingml/2006/main" xmlns:r="http://schemas.openxmlformats.org/officeDocument/2006/relationships" xmlns:p="http://schemas.openxmlformats.org/presentationml/2006/main" showMasterSp="0" showMasterPhAnim="0">
   <p:cSld>
     <p:spTree>
       <p:nvGrpSpPr>
-        <p:cNvPr id="112" name="Shape 112"/>
+        <p:cNvPr id="1" name="Shape 112"/>
         <p:cNvGrpSpPr/>
         <p:nvPr/>
       </p:nvGrpSpPr>
@@ -1365,9 +1412,11 @@
       <p:sp>
         <p:nvSpPr>
           <p:cNvPr id="113" name="Google Shape;113;g2d036a45e36_2_5:notes"/>
-          <p:cNvSpPr txBox="1"/>
+          <p:cNvSpPr txBox="1">
+            <a:spLocks noGrp="1"/>
+          </p:cNvSpPr>
           <p:nvPr>
-            <p:ph idx="1" type="body"/>
+            <p:ph type="body" idx="1"/>
           </p:nvPr>
         </p:nvSpPr>
         <p:spPr>
@@ -1380,12 +1429,12 @@
           </a:prstGeom>
         </p:spPr>
         <p:txBody>
-          <a:bodyPr anchorCtr="0" anchor="t" bIns="91425" lIns="91425" spcFirstLastPara="1" rIns="91425" wrap="square" tIns="91425">
+          <a:bodyPr spcFirstLastPara="1" wrap="square" lIns="91425" tIns="91425" rIns="91425" bIns="91425" anchor="t" anchorCtr="0">
             <a:noAutofit/>
           </a:bodyPr>
           <a:lstStyle/>
           <a:p>
-            <a:pPr indent="0" lvl="0" marL="0" rtl="0" algn="l">
+            <a:pPr marL="0" lvl="0" indent="0" algn="l" rtl="0">
               <a:spcBef>
                 <a:spcPts val="0"/>
               </a:spcBef>
@@ -1394,9 +1443,6 @@
               </a:spcAft>
               <a:buNone/>
             </a:pPr>
-            <a:r>
-              <a:t/>
-            </a:r>
             <a:endParaRPr/>
           </a:p>
         </p:txBody>
@@ -1404,9 +1450,11 @@
       <p:sp>
         <p:nvSpPr>
           <p:cNvPr id="114" name="Google Shape;114;g2d036a45e36_2_5:notes"/>
-          <p:cNvSpPr/>
+          <p:cNvSpPr>
+            <a:spLocks noGrp="1" noRot="1" noChangeAspect="1"/>
+          </p:cNvSpPr>
           <p:nvPr>
-            <p:ph idx="2" type="sldImg"/>
+            <p:ph type="sldImg" idx="2"/>
           </p:nvPr>
         </p:nvSpPr>
         <p:spPr>
@@ -1415,9 +1463,13 @@
             <a:ext cx="5486400" cy="3086100"/>
           </a:xfrm>
           <a:custGeom>
-            <a:rect b="b" l="l" r="r" t="t"/>
+            <a:avLst/>
+            <a:gdLst/>
+            <a:ahLst/>
+            <a:cxnLst/>
+            <a:rect l="l" t="t" r="r" b="b"/>
             <a:pathLst>
-              <a:path extrusionOk="0" h="120000" w="120000">
+              <a:path w="120000" h="120000" extrusionOk="0">
                 <a:moveTo>
                   <a:pt x="0" y="0"/>
                 </a:moveTo>
@@ -1445,11 +1497,11 @@
 </file>
 
 <file path=ppt/slideLayouts/slideLayout1.xml><?xml version="1.0" encoding="utf-8"?>
-<p:sldLayout xmlns:a="http://schemas.openxmlformats.org/drawingml/2006/main" xmlns:r="http://schemas.openxmlformats.org/officeDocument/2006/relationships" xmlns:mc="http://schemas.openxmlformats.org/markup-compatibility/2006" xmlns:mv="urn:schemas-microsoft-com:mac:vml" xmlns:p="http://schemas.openxmlformats.org/presentationml/2006/main" xmlns:c="http://schemas.openxmlformats.org/drawingml/2006/chart" xmlns:dgm="http://schemas.openxmlformats.org/drawingml/2006/diagram" xmlns:o="urn:schemas-microsoft-com:office:office" xmlns:v="urn:schemas-microsoft-com:vml" xmlns:pvml="urn:schemas-microsoft-com:office:powerpoint" xmlns:com="http://schemas.openxmlformats.org/drawingml/2006/compatibility" xmlns:p14="http://schemas.microsoft.com/office/powerpoint/2010/main" xmlns:p15="http://schemas.microsoft.com/office/powerpoint/2012/main" xmlns:ahyp="http://schemas.microsoft.com/office/drawing/2018/hyperlinkcolor" matchingName="Title slide" type="title">
+<p:sldLayout xmlns:a="http://schemas.openxmlformats.org/drawingml/2006/main" xmlns:r="http://schemas.openxmlformats.org/officeDocument/2006/relationships" xmlns:p="http://schemas.openxmlformats.org/presentationml/2006/main" matchingName="Title slide" type="title">
   <p:cSld name="TITLE">
     <p:spTree>
       <p:nvGrpSpPr>
-        <p:cNvPr id="9" name="Shape 9"/>
+        <p:cNvPr id="1" name="Shape 9"/>
         <p:cNvGrpSpPr/>
         <p:nvPr/>
       </p:nvGrpSpPr>
@@ -1464,7 +1516,9 @@
       <p:sp>
         <p:nvSpPr>
           <p:cNvPr id="10" name="Google Shape;10;p2"/>
-          <p:cNvSpPr txBox="1"/>
+          <p:cNvSpPr txBox="1">
+            <a:spLocks noGrp="1"/>
+          </p:cNvSpPr>
           <p:nvPr>
             <p:ph type="ctrTitle"/>
           </p:nvPr>
@@ -1479,7 +1533,7 @@
           </a:prstGeom>
         </p:spPr>
         <p:txBody>
-          <a:bodyPr anchorCtr="0" anchor="b" bIns="91425" lIns="91425" spcFirstLastPara="1" rIns="91425" wrap="square" tIns="91425">
+          <a:bodyPr spcFirstLastPara="1" wrap="square" lIns="91425" tIns="91425" rIns="91425" bIns="91425" anchor="b" anchorCtr="0">
             <a:normAutofit/>
           </a:bodyPr>
           <a:lstStyle>
@@ -1583,15 +1637,19 @@
               <a:defRPr sz="5200"/>
             </a:lvl9pPr>
           </a:lstStyle>
-          <a:p/>
+          <a:p>
+            <a:endParaRPr/>
+          </a:p>
         </p:txBody>
       </p:sp>
       <p:sp>
         <p:nvSpPr>
           <p:cNvPr id="11" name="Google Shape;11;p2"/>
-          <p:cNvSpPr txBox="1"/>
+          <p:cNvSpPr txBox="1">
+            <a:spLocks noGrp="1"/>
+          </p:cNvSpPr>
           <p:nvPr>
-            <p:ph idx="1" type="subTitle"/>
+            <p:ph type="subTitle" idx="1"/>
           </p:nvPr>
         </p:nvSpPr>
         <p:spPr>
@@ -1604,7 +1662,7 @@
           </a:prstGeom>
         </p:spPr>
         <p:txBody>
-          <a:bodyPr anchorCtr="0" anchor="t" bIns="91425" lIns="91425" spcFirstLastPara="1" rIns="91425" wrap="square" tIns="91425">
+          <a:bodyPr spcFirstLastPara="1" wrap="square" lIns="91425" tIns="91425" rIns="91425" bIns="91425" anchor="t" anchorCtr="0">
             <a:normAutofit/>
           </a:bodyPr>
           <a:lstStyle>
@@ -1735,15 +1793,19 @@
               <a:defRPr sz="2800"/>
             </a:lvl9pPr>
           </a:lstStyle>
-          <a:p/>
+          <a:p>
+            <a:endParaRPr/>
+          </a:p>
         </p:txBody>
       </p:sp>
       <p:sp>
         <p:nvSpPr>
           <p:cNvPr id="12" name="Google Shape;12;p2"/>
-          <p:cNvSpPr txBox="1"/>
+          <p:cNvSpPr txBox="1">
+            <a:spLocks noGrp="1"/>
+          </p:cNvSpPr>
           <p:nvPr>
-            <p:ph idx="12" type="sldNum"/>
+            <p:ph type="sldNum" idx="12"/>
           </p:nvPr>
         </p:nvSpPr>
         <p:spPr>
@@ -1756,7 +1818,7 @@
           </a:prstGeom>
         </p:spPr>
         <p:txBody>
-          <a:bodyPr anchorCtr="0" anchor="ctr" bIns="91425" lIns="91425" spcFirstLastPara="1" rIns="91425" wrap="square" tIns="91425">
+          <a:bodyPr spcFirstLastPara="1" wrap="square" lIns="91425" tIns="91425" rIns="91425" bIns="91425" anchor="ctr" anchorCtr="0">
             <a:normAutofit/>
           </a:bodyPr>
           <a:lstStyle>
@@ -1798,7 +1860,7 @@
             </a:lvl9pPr>
           </a:lstStyle>
           <a:p>
-            <a:pPr indent="0" lvl="0" marL="0" rtl="0" algn="r">
+            <a:pPr marL="0" lvl="0" indent="0" algn="r" rtl="0">
               <a:spcBef>
                 <a:spcPts val="0"/>
               </a:spcBef>
@@ -1824,11 +1886,11 @@
 </file>
 
 <file path=ppt/slideLayouts/slideLayout10.xml><?xml version="1.0" encoding="utf-8"?>
-<p:sldLayout xmlns:a="http://schemas.openxmlformats.org/drawingml/2006/main" xmlns:r="http://schemas.openxmlformats.org/officeDocument/2006/relationships" xmlns:mc="http://schemas.openxmlformats.org/markup-compatibility/2006" xmlns:mv="urn:schemas-microsoft-com:mac:vml" xmlns:p="http://schemas.openxmlformats.org/presentationml/2006/main" xmlns:c="http://schemas.openxmlformats.org/drawingml/2006/chart" xmlns:dgm="http://schemas.openxmlformats.org/drawingml/2006/diagram" xmlns:o="urn:schemas-microsoft-com:office:office" xmlns:v="urn:schemas-microsoft-com:vml" xmlns:pvml="urn:schemas-microsoft-com:office:powerpoint" xmlns:com="http://schemas.openxmlformats.org/drawingml/2006/compatibility" xmlns:p14="http://schemas.microsoft.com/office/powerpoint/2010/main" xmlns:p15="http://schemas.microsoft.com/office/powerpoint/2012/main" xmlns:ahyp="http://schemas.microsoft.com/office/drawing/2018/hyperlinkcolor" matchingName="Big number">
+<p:sldLayout xmlns:a="http://schemas.openxmlformats.org/drawingml/2006/main" xmlns:r="http://schemas.openxmlformats.org/officeDocument/2006/relationships" xmlns:p="http://schemas.openxmlformats.org/presentationml/2006/main" matchingName="Big number">
   <p:cSld name="BIG_NUMBER">
     <p:spTree>
       <p:nvGrpSpPr>
-        <p:cNvPr id="44" name="Shape 44"/>
+        <p:cNvPr id="1" name="Shape 44"/>
         <p:cNvGrpSpPr/>
         <p:nvPr/>
       </p:nvGrpSpPr>
@@ -1843,9 +1905,11 @@
       <p:sp>
         <p:nvSpPr>
           <p:cNvPr id="45" name="Google Shape;45;p11"/>
-          <p:cNvSpPr txBox="1"/>
+          <p:cNvSpPr txBox="1">
+            <a:spLocks noGrp="1"/>
+          </p:cNvSpPr>
           <p:nvPr>
-            <p:ph hasCustomPrompt="1" type="title"/>
+            <p:ph type="title" hasCustomPrompt="1"/>
           </p:nvPr>
         </p:nvSpPr>
         <p:spPr>
@@ -1858,7 +1922,7 @@
           </a:prstGeom>
         </p:spPr>
         <p:txBody>
-          <a:bodyPr anchorCtr="0" anchor="b" bIns="91425" lIns="91425" spcFirstLastPara="1" rIns="91425" wrap="square" tIns="91425">
+          <a:bodyPr spcFirstLastPara="1" wrap="square" lIns="91425" tIns="91425" rIns="91425" bIns="91425" anchor="b" anchorCtr="0">
             <a:normAutofit/>
           </a:bodyPr>
           <a:lstStyle>
@@ -1972,9 +2036,11 @@
       <p:sp>
         <p:nvSpPr>
           <p:cNvPr id="46" name="Google Shape;46;p11"/>
-          <p:cNvSpPr txBox="1"/>
+          <p:cNvSpPr txBox="1">
+            <a:spLocks noGrp="1"/>
+          </p:cNvSpPr>
           <p:nvPr>
-            <p:ph idx="1" type="body"/>
+            <p:ph type="body" idx="1"/>
           </p:nvPr>
         </p:nvSpPr>
         <p:spPr>
@@ -1987,11 +2053,11 @@
           </a:prstGeom>
         </p:spPr>
         <p:txBody>
-          <a:bodyPr anchorCtr="0" anchor="t" bIns="91425" lIns="91425" spcFirstLastPara="1" rIns="91425" wrap="square" tIns="91425">
+          <a:bodyPr spcFirstLastPara="1" wrap="square" lIns="91425" tIns="91425" rIns="91425" bIns="91425" anchor="t" anchorCtr="0">
             <a:normAutofit/>
           </a:bodyPr>
           <a:lstStyle>
-            <a:lvl1pPr indent="-342900" lvl="0" marL="457200" algn="ctr">
+            <a:lvl1pPr marL="457200" lvl="0" indent="-342900" algn="ctr">
               <a:spcBef>
                 <a:spcPts val="0"/>
               </a:spcBef>
@@ -2002,7 +2068,7 @@
               <a:buChar char="●"/>
               <a:defRPr/>
             </a:lvl1pPr>
-            <a:lvl2pPr indent="-317500" lvl="1" marL="914400" algn="ctr">
+            <a:lvl2pPr marL="914400" lvl="1" indent="-317500" algn="ctr">
               <a:spcBef>
                 <a:spcPts val="0"/>
               </a:spcBef>
@@ -2013,7 +2079,7 @@
               <a:buChar char="○"/>
               <a:defRPr/>
             </a:lvl2pPr>
-            <a:lvl3pPr indent="-317500" lvl="2" marL="1371600" algn="ctr">
+            <a:lvl3pPr marL="1371600" lvl="2" indent="-317500" algn="ctr">
               <a:spcBef>
                 <a:spcPts val="0"/>
               </a:spcBef>
@@ -2024,7 +2090,7 @@
               <a:buChar char="■"/>
               <a:defRPr/>
             </a:lvl3pPr>
-            <a:lvl4pPr indent="-317500" lvl="3" marL="1828800" algn="ctr">
+            <a:lvl4pPr marL="1828800" lvl="3" indent="-317500" algn="ctr">
               <a:spcBef>
                 <a:spcPts val="0"/>
               </a:spcBef>
@@ -2035,7 +2101,7 @@
               <a:buChar char="●"/>
               <a:defRPr/>
             </a:lvl4pPr>
-            <a:lvl5pPr indent="-317500" lvl="4" marL="2286000" algn="ctr">
+            <a:lvl5pPr marL="2286000" lvl="4" indent="-317500" algn="ctr">
               <a:spcBef>
                 <a:spcPts val="0"/>
               </a:spcBef>
@@ -2046,7 +2112,7 @@
               <a:buChar char="○"/>
               <a:defRPr/>
             </a:lvl5pPr>
-            <a:lvl6pPr indent="-317500" lvl="5" marL="2743200" algn="ctr">
+            <a:lvl6pPr marL="2743200" lvl="5" indent="-317500" algn="ctr">
               <a:spcBef>
                 <a:spcPts val="0"/>
               </a:spcBef>
@@ -2057,7 +2123,7 @@
               <a:buChar char="■"/>
               <a:defRPr/>
             </a:lvl6pPr>
-            <a:lvl7pPr indent="-317500" lvl="6" marL="3200400" algn="ctr">
+            <a:lvl7pPr marL="3200400" lvl="6" indent="-317500" algn="ctr">
               <a:spcBef>
                 <a:spcPts val="0"/>
               </a:spcBef>
@@ -2068,7 +2134,7 @@
               <a:buChar char="●"/>
               <a:defRPr/>
             </a:lvl7pPr>
-            <a:lvl8pPr indent="-317500" lvl="7" marL="3657600" algn="ctr">
+            <a:lvl8pPr marL="3657600" lvl="7" indent="-317500" algn="ctr">
               <a:spcBef>
                 <a:spcPts val="0"/>
               </a:spcBef>
@@ -2079,7 +2145,7 @@
               <a:buChar char="○"/>
               <a:defRPr/>
             </a:lvl8pPr>
-            <a:lvl9pPr indent="-317500" lvl="8" marL="4114800" algn="ctr">
+            <a:lvl9pPr marL="4114800" lvl="8" indent="-317500" algn="ctr">
               <a:spcBef>
                 <a:spcPts val="0"/>
               </a:spcBef>
@@ -2091,15 +2157,19 @@
               <a:defRPr/>
             </a:lvl9pPr>
           </a:lstStyle>
-          <a:p/>
+          <a:p>
+            <a:endParaRPr/>
+          </a:p>
         </p:txBody>
       </p:sp>
       <p:sp>
         <p:nvSpPr>
           <p:cNvPr id="47" name="Google Shape;47;p11"/>
-          <p:cNvSpPr txBox="1"/>
+          <p:cNvSpPr txBox="1">
+            <a:spLocks noGrp="1"/>
+          </p:cNvSpPr>
           <p:nvPr>
-            <p:ph idx="12" type="sldNum"/>
+            <p:ph type="sldNum" idx="12"/>
           </p:nvPr>
         </p:nvSpPr>
         <p:spPr>
@@ -2112,7 +2182,7 @@
           </a:prstGeom>
         </p:spPr>
         <p:txBody>
-          <a:bodyPr anchorCtr="0" anchor="ctr" bIns="91425" lIns="91425" spcFirstLastPara="1" rIns="91425" wrap="square" tIns="91425">
+          <a:bodyPr spcFirstLastPara="1" wrap="square" lIns="91425" tIns="91425" rIns="91425" bIns="91425" anchor="ctr" anchorCtr="0">
             <a:normAutofit/>
           </a:bodyPr>
           <a:lstStyle>
@@ -2154,7 +2224,7 @@
             </a:lvl9pPr>
           </a:lstStyle>
           <a:p>
-            <a:pPr indent="0" lvl="0" marL="0" rtl="0" algn="r">
+            <a:pPr marL="0" lvl="0" indent="0" algn="r" rtl="0">
               <a:spcBef>
                 <a:spcPts val="0"/>
               </a:spcBef>
@@ -2180,11 +2250,11 @@
 </file>
 
 <file path=ppt/slideLayouts/slideLayout11.xml><?xml version="1.0" encoding="utf-8"?>
-<p:sldLayout xmlns:a="http://schemas.openxmlformats.org/drawingml/2006/main" xmlns:r="http://schemas.openxmlformats.org/officeDocument/2006/relationships" xmlns:mc="http://schemas.openxmlformats.org/markup-compatibility/2006" xmlns:mv="urn:schemas-microsoft-com:mac:vml" xmlns:p="http://schemas.openxmlformats.org/presentationml/2006/main" xmlns:c="http://schemas.openxmlformats.org/drawingml/2006/chart" xmlns:dgm="http://schemas.openxmlformats.org/drawingml/2006/diagram" xmlns:o="urn:schemas-microsoft-com:office:office" xmlns:v="urn:schemas-microsoft-com:vml" xmlns:pvml="urn:schemas-microsoft-com:office:powerpoint" xmlns:com="http://schemas.openxmlformats.org/drawingml/2006/compatibility" xmlns:p14="http://schemas.microsoft.com/office/powerpoint/2010/main" xmlns:p15="http://schemas.microsoft.com/office/powerpoint/2012/main" xmlns:ahyp="http://schemas.microsoft.com/office/drawing/2018/hyperlinkcolor" matchingName="Blank" type="blank">
+<p:sldLayout xmlns:a="http://schemas.openxmlformats.org/drawingml/2006/main" xmlns:r="http://schemas.openxmlformats.org/officeDocument/2006/relationships" xmlns:p="http://schemas.openxmlformats.org/presentationml/2006/main" matchingName="Blank" type="blank">
   <p:cSld name="BLANK">
     <p:spTree>
       <p:nvGrpSpPr>
-        <p:cNvPr id="48" name="Shape 48"/>
+        <p:cNvPr id="1" name="Shape 48"/>
         <p:cNvGrpSpPr/>
         <p:nvPr/>
       </p:nvGrpSpPr>
@@ -2199,9 +2269,11 @@
       <p:sp>
         <p:nvSpPr>
           <p:cNvPr id="49" name="Google Shape;49;p12"/>
-          <p:cNvSpPr txBox="1"/>
+          <p:cNvSpPr txBox="1">
+            <a:spLocks noGrp="1"/>
+          </p:cNvSpPr>
           <p:nvPr>
-            <p:ph idx="12" type="sldNum"/>
+            <p:ph type="sldNum" idx="12"/>
           </p:nvPr>
         </p:nvSpPr>
         <p:spPr>
@@ -2214,7 +2286,7 @@
           </a:prstGeom>
         </p:spPr>
         <p:txBody>
-          <a:bodyPr anchorCtr="0" anchor="ctr" bIns="91425" lIns="91425" spcFirstLastPara="1" rIns="91425" wrap="square" tIns="91425">
+          <a:bodyPr spcFirstLastPara="1" wrap="square" lIns="91425" tIns="91425" rIns="91425" bIns="91425" anchor="ctr" anchorCtr="0">
             <a:normAutofit/>
           </a:bodyPr>
           <a:lstStyle>
@@ -2256,7 +2328,7 @@
             </a:lvl9pPr>
           </a:lstStyle>
           <a:p>
-            <a:pPr indent="0" lvl="0" marL="0" rtl="0" algn="r">
+            <a:pPr marL="0" lvl="0" indent="0" algn="r" rtl="0">
               <a:spcBef>
                 <a:spcPts val="0"/>
               </a:spcBef>
@@ -2282,11 +2354,11 @@
 </file>
 
 <file path=ppt/slideLayouts/slideLayout12.xml><?xml version="1.0" encoding="utf-8"?>
-<p:sldLayout xmlns:a="http://schemas.openxmlformats.org/drawingml/2006/main" xmlns:r="http://schemas.openxmlformats.org/officeDocument/2006/relationships" xmlns:mc="http://schemas.openxmlformats.org/markup-compatibility/2006" xmlns:mv="urn:schemas-microsoft-com:mac:vml" xmlns:p="http://schemas.openxmlformats.org/presentationml/2006/main" xmlns:c="http://schemas.openxmlformats.org/drawingml/2006/chart" xmlns:dgm="http://schemas.openxmlformats.org/drawingml/2006/diagram" xmlns:o="urn:schemas-microsoft-com:office:office" xmlns:v="urn:schemas-microsoft-com:vml" xmlns:pvml="urn:schemas-microsoft-com:office:powerpoint" xmlns:com="http://schemas.openxmlformats.org/drawingml/2006/compatibility" xmlns:p14="http://schemas.microsoft.com/office/powerpoint/2010/main" xmlns:p15="http://schemas.microsoft.com/office/powerpoint/2012/main" xmlns:ahyp="http://schemas.microsoft.com/office/drawing/2018/hyperlinkcolor" matchingName="Title Slide" type="title">
+<p:sldLayout xmlns:a="http://schemas.openxmlformats.org/drawingml/2006/main" xmlns:r="http://schemas.openxmlformats.org/officeDocument/2006/relationships" xmlns:p="http://schemas.openxmlformats.org/presentationml/2006/main" matchingName="Title Slide" type="title">
   <p:cSld name="TITLE">
     <p:spTree>
       <p:nvGrpSpPr>
-        <p:cNvPr id="56" name="Shape 56"/>
+        <p:cNvPr id="1" name="Shape 56"/>
         <p:cNvGrpSpPr/>
         <p:nvPr/>
       </p:nvGrpSpPr>
@@ -2301,7 +2373,9 @@
       <p:sp>
         <p:nvSpPr>
           <p:cNvPr id="57" name="Google Shape;57;p14"/>
-          <p:cNvSpPr txBox="1"/>
+          <p:cNvSpPr txBox="1">
+            <a:spLocks noGrp="1"/>
+          </p:cNvSpPr>
           <p:nvPr>
             <p:ph type="ctrTitle"/>
           </p:nvPr>
@@ -2320,7 +2394,7 @@
           </a:ln>
         </p:spPr>
         <p:txBody>
-          <a:bodyPr anchorCtr="0" anchor="b" bIns="34275" lIns="68575" spcFirstLastPara="1" rIns="68575" wrap="square" tIns="34275">
+          <a:bodyPr spcFirstLastPara="1" wrap="square" lIns="68575" tIns="34275" rIns="68575" bIns="34275" anchor="b" anchorCtr="0">
             <a:normAutofit/>
           </a:bodyPr>
           <a:lstStyle>
@@ -2435,15 +2509,19 @@
               <a:defRPr/>
             </a:lvl9pPr>
           </a:lstStyle>
-          <a:p/>
+          <a:p>
+            <a:endParaRPr/>
+          </a:p>
         </p:txBody>
       </p:sp>
       <p:sp>
         <p:nvSpPr>
           <p:cNvPr id="58" name="Google Shape;58;p14"/>
-          <p:cNvSpPr txBox="1"/>
+          <p:cNvSpPr txBox="1">
+            <a:spLocks noGrp="1"/>
+          </p:cNvSpPr>
           <p:nvPr>
-            <p:ph idx="1" type="subTitle"/>
+            <p:ph type="subTitle" idx="1"/>
           </p:nvPr>
         </p:nvSpPr>
         <p:spPr>
@@ -2460,7 +2538,7 @@
           </a:ln>
         </p:spPr>
         <p:txBody>
-          <a:bodyPr anchorCtr="0" anchor="t" bIns="34275" lIns="68575" spcFirstLastPara="1" rIns="68575" wrap="square" tIns="34275">
+          <a:bodyPr spcFirstLastPara="1" wrap="square" lIns="68575" tIns="34275" rIns="68575" bIns="34275" anchor="t" anchorCtr="0">
             <a:normAutofit/>
           </a:bodyPr>
           <a:lstStyle>
@@ -2618,15 +2696,19 @@
               <a:defRPr sz="1200"/>
             </a:lvl9pPr>
           </a:lstStyle>
-          <a:p/>
+          <a:p>
+            <a:endParaRPr/>
+          </a:p>
         </p:txBody>
       </p:sp>
       <p:sp>
         <p:nvSpPr>
           <p:cNvPr id="59" name="Google Shape;59;p14"/>
-          <p:cNvSpPr txBox="1"/>
+          <p:cNvSpPr txBox="1">
+            <a:spLocks noGrp="1"/>
+          </p:cNvSpPr>
           <p:nvPr>
-            <p:ph idx="10" type="dt"/>
+            <p:ph type="dt" idx="10"/>
           </p:nvPr>
         </p:nvSpPr>
         <p:spPr>
@@ -2643,7 +2725,7 @@
           </a:ln>
         </p:spPr>
         <p:txBody>
-          <a:bodyPr anchorCtr="0" anchor="ctr" bIns="34275" lIns="68575" spcFirstLastPara="1" rIns="68575" wrap="square" tIns="34275">
+          <a:bodyPr spcFirstLastPara="1" wrap="square" lIns="68575" tIns="34275" rIns="68575" bIns="34275" anchor="ctr" anchorCtr="0">
             <a:noAutofit/>
           </a:bodyPr>
           <a:lstStyle>
@@ -2747,15 +2829,19 @@
               <a:defRPr/>
             </a:lvl9pPr>
           </a:lstStyle>
-          <a:p/>
+          <a:p>
+            <a:endParaRPr/>
+          </a:p>
         </p:txBody>
       </p:sp>
       <p:sp>
         <p:nvSpPr>
           <p:cNvPr id="60" name="Google Shape;60;p14"/>
-          <p:cNvSpPr txBox="1"/>
+          <p:cNvSpPr txBox="1">
+            <a:spLocks noGrp="1"/>
+          </p:cNvSpPr>
           <p:nvPr>
-            <p:ph idx="11" type="ftr"/>
+            <p:ph type="ftr" idx="11"/>
           </p:nvPr>
         </p:nvSpPr>
         <p:spPr>
@@ -2772,7 +2858,7 @@
           </a:ln>
         </p:spPr>
         <p:txBody>
-          <a:bodyPr anchorCtr="0" anchor="ctr" bIns="34275" lIns="68575" spcFirstLastPara="1" rIns="68575" wrap="square" tIns="34275">
+          <a:bodyPr spcFirstLastPara="1" wrap="square" lIns="68575" tIns="34275" rIns="68575" bIns="34275" anchor="ctr" anchorCtr="0">
             <a:noAutofit/>
           </a:bodyPr>
           <a:lstStyle>
@@ -2876,15 +2962,19 @@
               <a:defRPr/>
             </a:lvl9pPr>
           </a:lstStyle>
-          <a:p/>
+          <a:p>
+            <a:endParaRPr/>
+          </a:p>
         </p:txBody>
       </p:sp>
       <p:sp>
         <p:nvSpPr>
           <p:cNvPr id="61" name="Google Shape;61;p14"/>
-          <p:cNvSpPr txBox="1"/>
+          <p:cNvSpPr txBox="1">
+            <a:spLocks noGrp="1"/>
+          </p:cNvSpPr>
           <p:nvPr>
-            <p:ph idx="12" type="sldNum"/>
+            <p:ph type="sldNum" idx="12"/>
           </p:nvPr>
         </p:nvSpPr>
         <p:spPr>
@@ -2901,67 +2991,67 @@
           </a:ln>
         </p:spPr>
         <p:txBody>
-          <a:bodyPr anchorCtr="0" anchor="ctr" bIns="34275" lIns="68575" spcFirstLastPara="1" rIns="68575" wrap="square" tIns="34275">
+          <a:bodyPr spcFirstLastPara="1" wrap="square" lIns="68575" tIns="34275" rIns="68575" bIns="34275" anchor="ctr" anchorCtr="0">
             <a:noAutofit/>
           </a:bodyPr>
           <a:lstStyle>
-            <a:lvl1pPr indent="0" lvl="0" marL="0" algn="r">
+            <a:lvl1pPr marL="0" lvl="0" indent="0" algn="r">
               <a:spcBef>
                 <a:spcPts val="0"/>
               </a:spcBef>
               <a:buNone/>
               <a:defRPr/>
             </a:lvl1pPr>
-            <a:lvl2pPr indent="0" lvl="1" marL="0" algn="r">
+            <a:lvl2pPr marL="0" lvl="1" indent="0" algn="r">
               <a:spcBef>
                 <a:spcPts val="0"/>
               </a:spcBef>
               <a:buNone/>
               <a:defRPr/>
             </a:lvl2pPr>
-            <a:lvl3pPr indent="0" lvl="2" marL="0" algn="r">
+            <a:lvl3pPr marL="0" lvl="2" indent="0" algn="r">
               <a:spcBef>
                 <a:spcPts val="0"/>
               </a:spcBef>
               <a:buNone/>
               <a:defRPr/>
             </a:lvl3pPr>
-            <a:lvl4pPr indent="0" lvl="3" marL="0" algn="r">
+            <a:lvl4pPr marL="0" lvl="3" indent="0" algn="r">
               <a:spcBef>
                 <a:spcPts val="0"/>
               </a:spcBef>
               <a:buNone/>
               <a:defRPr/>
             </a:lvl4pPr>
-            <a:lvl5pPr indent="0" lvl="4" marL="0" algn="r">
+            <a:lvl5pPr marL="0" lvl="4" indent="0" algn="r">
               <a:spcBef>
                 <a:spcPts val="0"/>
               </a:spcBef>
               <a:buNone/>
               <a:defRPr/>
             </a:lvl5pPr>
-            <a:lvl6pPr indent="0" lvl="5" marL="0" algn="r">
+            <a:lvl6pPr marL="0" lvl="5" indent="0" algn="r">
               <a:spcBef>
                 <a:spcPts val="0"/>
               </a:spcBef>
               <a:buNone/>
               <a:defRPr/>
             </a:lvl6pPr>
-            <a:lvl7pPr indent="0" lvl="6" marL="0" algn="r">
+            <a:lvl7pPr marL="0" lvl="6" indent="0" algn="r">
               <a:spcBef>
                 <a:spcPts val="0"/>
               </a:spcBef>
               <a:buNone/>
               <a:defRPr/>
             </a:lvl7pPr>
-            <a:lvl8pPr indent="0" lvl="7" marL="0" algn="r">
+            <a:lvl8pPr marL="0" lvl="7" indent="0" algn="r">
               <a:spcBef>
                 <a:spcPts val="0"/>
               </a:spcBef>
               <a:buNone/>
               <a:defRPr/>
             </a:lvl8pPr>
-            <a:lvl9pPr indent="0" lvl="8" marL="0" algn="r">
+            <a:lvl9pPr marL="0" lvl="8" indent="0" algn="r">
               <a:spcBef>
                 <a:spcPts val="0"/>
               </a:spcBef>
@@ -2970,7 +3060,7 @@
             </a:lvl9pPr>
           </a:lstStyle>
           <a:p>
-            <a:pPr indent="0" lvl="0" marL="0" rtl="0" algn="r">
+            <a:pPr marL="0" lvl="0" indent="0" algn="r" rtl="0">
               <a:spcBef>
                 <a:spcPts val="0"/>
               </a:spcBef>
@@ -2996,11 +3086,11 @@
 </file>
 
 <file path=ppt/slideLayouts/slideLayout13.xml><?xml version="1.0" encoding="utf-8"?>
-<p:sldLayout xmlns:a="http://schemas.openxmlformats.org/drawingml/2006/main" xmlns:r="http://schemas.openxmlformats.org/officeDocument/2006/relationships" xmlns:mc="http://schemas.openxmlformats.org/markup-compatibility/2006" xmlns:mv="urn:schemas-microsoft-com:mac:vml" xmlns:p="http://schemas.openxmlformats.org/presentationml/2006/main" xmlns:c="http://schemas.openxmlformats.org/drawingml/2006/chart" xmlns:dgm="http://schemas.openxmlformats.org/drawingml/2006/diagram" xmlns:o="urn:schemas-microsoft-com:office:office" xmlns:v="urn:schemas-microsoft-com:vml" xmlns:pvml="urn:schemas-microsoft-com:office:powerpoint" xmlns:com="http://schemas.openxmlformats.org/drawingml/2006/compatibility" xmlns:p14="http://schemas.microsoft.com/office/powerpoint/2010/main" xmlns:p15="http://schemas.microsoft.com/office/powerpoint/2012/main" xmlns:ahyp="http://schemas.microsoft.com/office/drawing/2018/hyperlinkcolor" matchingName="Title and Content" type="obj">
+<p:sldLayout xmlns:a="http://schemas.openxmlformats.org/drawingml/2006/main" xmlns:r="http://schemas.openxmlformats.org/officeDocument/2006/relationships" xmlns:p="http://schemas.openxmlformats.org/presentationml/2006/main" matchingName="Title and Content" type="obj">
   <p:cSld name="OBJECT">
     <p:spTree>
       <p:nvGrpSpPr>
-        <p:cNvPr id="62" name="Shape 62"/>
+        <p:cNvPr id="1" name="Shape 62"/>
         <p:cNvGrpSpPr/>
         <p:nvPr/>
       </p:nvGrpSpPr>
@@ -3015,7 +3105,9 @@
       <p:sp>
         <p:nvSpPr>
           <p:cNvPr id="63" name="Google Shape;63;p15"/>
-          <p:cNvSpPr txBox="1"/>
+          <p:cNvSpPr txBox="1">
+            <a:spLocks noGrp="1"/>
+          </p:cNvSpPr>
           <p:nvPr>
             <p:ph type="title"/>
           </p:nvPr>
@@ -3034,7 +3126,7 @@
           </a:ln>
         </p:spPr>
         <p:txBody>
-          <a:bodyPr anchorCtr="0" anchor="ctr" bIns="34275" lIns="68575" spcFirstLastPara="1" rIns="68575" wrap="square" tIns="34275">
+          <a:bodyPr spcFirstLastPara="1" wrap="square" lIns="68575" tIns="34275" rIns="68575" bIns="34275" anchor="ctr" anchorCtr="0">
             <a:normAutofit/>
           </a:bodyPr>
           <a:lstStyle>
@@ -3149,15 +3241,19 @@
               <a:defRPr/>
             </a:lvl9pPr>
           </a:lstStyle>
-          <a:p/>
+          <a:p>
+            <a:endParaRPr/>
+          </a:p>
         </p:txBody>
       </p:sp>
       <p:sp>
         <p:nvSpPr>
           <p:cNvPr id="64" name="Google Shape;64;p15"/>
-          <p:cNvSpPr txBox="1"/>
+          <p:cNvSpPr txBox="1">
+            <a:spLocks noGrp="1"/>
+          </p:cNvSpPr>
           <p:nvPr>
-            <p:ph idx="1" type="body"/>
+            <p:ph type="body" idx="1"/>
           </p:nvPr>
         </p:nvSpPr>
         <p:spPr>
@@ -3174,11 +3270,11 @@
           </a:ln>
         </p:spPr>
         <p:txBody>
-          <a:bodyPr anchorCtr="0" anchor="t" bIns="34275" lIns="68575" spcFirstLastPara="1" rIns="68575" wrap="square" tIns="34275">
+          <a:bodyPr spcFirstLastPara="1" wrap="square" lIns="68575" tIns="34275" rIns="68575" bIns="34275" anchor="t" anchorCtr="0">
             <a:normAutofit/>
           </a:bodyPr>
           <a:lstStyle>
-            <a:lvl1pPr indent="-317500" lvl="0" marL="457200" algn="l">
+            <a:lvl1pPr marL="457200" lvl="0" indent="-317500" algn="l">
               <a:lnSpc>
                 <a:spcPct val="90000"/>
               </a:lnSpc>
@@ -3195,7 +3291,7 @@
               <a:buChar char="•"/>
               <a:defRPr/>
             </a:lvl1pPr>
-            <a:lvl2pPr indent="-317500" lvl="1" marL="914400" algn="l">
+            <a:lvl2pPr marL="914400" lvl="1" indent="-317500" algn="l">
               <a:lnSpc>
                 <a:spcPct val="90000"/>
               </a:lnSpc>
@@ -3212,7 +3308,7 @@
               <a:buChar char="•"/>
               <a:defRPr/>
             </a:lvl2pPr>
-            <a:lvl3pPr indent="-317500" lvl="2" marL="1371600" algn="l">
+            <a:lvl3pPr marL="1371600" lvl="2" indent="-317500" algn="l">
               <a:lnSpc>
                 <a:spcPct val="90000"/>
               </a:lnSpc>
@@ -3229,7 +3325,7 @@
               <a:buChar char="•"/>
               <a:defRPr/>
             </a:lvl3pPr>
-            <a:lvl4pPr indent="-317500" lvl="3" marL="1828800" algn="l">
+            <a:lvl4pPr marL="1828800" lvl="3" indent="-317500" algn="l">
               <a:lnSpc>
                 <a:spcPct val="90000"/>
               </a:lnSpc>
@@ -3246,7 +3342,7 @@
               <a:buChar char="•"/>
               <a:defRPr/>
             </a:lvl4pPr>
-            <a:lvl5pPr indent="-317500" lvl="4" marL="2286000" algn="l">
+            <a:lvl5pPr marL="2286000" lvl="4" indent="-317500" algn="l">
               <a:lnSpc>
                 <a:spcPct val="90000"/>
               </a:lnSpc>
@@ -3263,7 +3359,7 @@
               <a:buChar char="•"/>
               <a:defRPr/>
             </a:lvl5pPr>
-            <a:lvl6pPr indent="-317500" lvl="5" marL="2743200" algn="l">
+            <a:lvl6pPr marL="2743200" lvl="5" indent="-317500" algn="l">
               <a:lnSpc>
                 <a:spcPct val="90000"/>
               </a:lnSpc>
@@ -3280,7 +3376,7 @@
               <a:buChar char="•"/>
               <a:defRPr/>
             </a:lvl6pPr>
-            <a:lvl7pPr indent="-317500" lvl="6" marL="3200400" algn="l">
+            <a:lvl7pPr marL="3200400" lvl="6" indent="-317500" algn="l">
               <a:lnSpc>
                 <a:spcPct val="90000"/>
               </a:lnSpc>
@@ -3297,7 +3393,7 @@
               <a:buChar char="•"/>
               <a:defRPr/>
             </a:lvl7pPr>
-            <a:lvl8pPr indent="-317500" lvl="7" marL="3657600" algn="l">
+            <a:lvl8pPr marL="3657600" lvl="7" indent="-317500" algn="l">
               <a:lnSpc>
                 <a:spcPct val="90000"/>
               </a:lnSpc>
@@ -3314,7 +3410,7 @@
               <a:buChar char="•"/>
               <a:defRPr/>
             </a:lvl8pPr>
-            <a:lvl9pPr indent="-317500" lvl="8" marL="4114800" algn="l">
+            <a:lvl9pPr marL="4114800" lvl="8" indent="-317500" algn="l">
               <a:lnSpc>
                 <a:spcPct val="90000"/>
               </a:lnSpc>
@@ -3332,15 +3428,19 @@
               <a:defRPr/>
             </a:lvl9pPr>
           </a:lstStyle>
-          <a:p/>
+          <a:p>
+            <a:endParaRPr/>
+          </a:p>
         </p:txBody>
       </p:sp>
       <p:sp>
         <p:nvSpPr>
           <p:cNvPr id="65" name="Google Shape;65;p15"/>
-          <p:cNvSpPr txBox="1"/>
+          <p:cNvSpPr txBox="1">
+            <a:spLocks noGrp="1"/>
+          </p:cNvSpPr>
           <p:nvPr>
-            <p:ph idx="10" type="dt"/>
+            <p:ph type="dt" idx="10"/>
           </p:nvPr>
         </p:nvSpPr>
         <p:spPr>
@@ -3357,7 +3457,7 @@
           </a:ln>
         </p:spPr>
         <p:txBody>
-          <a:bodyPr anchorCtr="0" anchor="ctr" bIns="34275" lIns="68575" spcFirstLastPara="1" rIns="68575" wrap="square" tIns="34275">
+          <a:bodyPr spcFirstLastPara="1" wrap="square" lIns="68575" tIns="34275" rIns="68575" bIns="34275" anchor="ctr" anchorCtr="0">
             <a:noAutofit/>
           </a:bodyPr>
           <a:lstStyle>
@@ -3461,15 +3561,19 @@
               <a:defRPr/>
             </a:lvl9pPr>
           </a:lstStyle>
-          <a:p/>
+          <a:p>
+            <a:endParaRPr/>
+          </a:p>
         </p:txBody>
       </p:sp>
       <p:sp>
         <p:nvSpPr>
           <p:cNvPr id="66" name="Google Shape;66;p15"/>
-          <p:cNvSpPr txBox="1"/>
+          <p:cNvSpPr txBox="1">
+            <a:spLocks noGrp="1"/>
+          </p:cNvSpPr>
           <p:nvPr>
-            <p:ph idx="11" type="ftr"/>
+            <p:ph type="ftr" idx="11"/>
           </p:nvPr>
         </p:nvSpPr>
         <p:spPr>
@@ -3486,7 +3590,7 @@
           </a:ln>
         </p:spPr>
         <p:txBody>
-          <a:bodyPr anchorCtr="0" anchor="ctr" bIns="34275" lIns="68575" spcFirstLastPara="1" rIns="68575" wrap="square" tIns="34275">
+          <a:bodyPr spcFirstLastPara="1" wrap="square" lIns="68575" tIns="34275" rIns="68575" bIns="34275" anchor="ctr" anchorCtr="0">
             <a:noAutofit/>
           </a:bodyPr>
           <a:lstStyle>
@@ -3590,15 +3694,19 @@
               <a:defRPr/>
             </a:lvl9pPr>
           </a:lstStyle>
-          <a:p/>
+          <a:p>
+            <a:endParaRPr/>
+          </a:p>
         </p:txBody>
       </p:sp>
       <p:sp>
         <p:nvSpPr>
           <p:cNvPr id="67" name="Google Shape;67;p15"/>
-          <p:cNvSpPr txBox="1"/>
+          <p:cNvSpPr txBox="1">
+            <a:spLocks noGrp="1"/>
+          </p:cNvSpPr>
           <p:nvPr>
-            <p:ph idx="12" type="sldNum"/>
+            <p:ph type="sldNum" idx="12"/>
           </p:nvPr>
         </p:nvSpPr>
         <p:spPr>
@@ -3615,67 +3723,67 @@
           </a:ln>
         </p:spPr>
         <p:txBody>
-          <a:bodyPr anchorCtr="0" anchor="ctr" bIns="34275" lIns="68575" spcFirstLastPara="1" rIns="68575" wrap="square" tIns="34275">
+          <a:bodyPr spcFirstLastPara="1" wrap="square" lIns="68575" tIns="34275" rIns="68575" bIns="34275" anchor="ctr" anchorCtr="0">
             <a:noAutofit/>
           </a:bodyPr>
           <a:lstStyle>
-            <a:lvl1pPr indent="0" lvl="0" marL="0" algn="r">
+            <a:lvl1pPr marL="0" lvl="0" indent="0" algn="r">
               <a:spcBef>
                 <a:spcPts val="0"/>
               </a:spcBef>
               <a:buNone/>
               <a:defRPr/>
             </a:lvl1pPr>
-            <a:lvl2pPr indent="0" lvl="1" marL="0" algn="r">
+            <a:lvl2pPr marL="0" lvl="1" indent="0" algn="r">
               <a:spcBef>
                 <a:spcPts val="0"/>
               </a:spcBef>
               <a:buNone/>
               <a:defRPr/>
             </a:lvl2pPr>
-            <a:lvl3pPr indent="0" lvl="2" marL="0" algn="r">
+            <a:lvl3pPr marL="0" lvl="2" indent="0" algn="r">
               <a:spcBef>
                 <a:spcPts val="0"/>
               </a:spcBef>
               <a:buNone/>
               <a:defRPr/>
             </a:lvl3pPr>
-            <a:lvl4pPr indent="0" lvl="3" marL="0" algn="r">
+            <a:lvl4pPr marL="0" lvl="3" indent="0" algn="r">
               <a:spcBef>
                 <a:spcPts val="0"/>
               </a:spcBef>
               <a:buNone/>
               <a:defRPr/>
             </a:lvl4pPr>
-            <a:lvl5pPr indent="0" lvl="4" marL="0" algn="r">
+            <a:lvl5pPr marL="0" lvl="4" indent="0" algn="r">
               <a:spcBef>
                 <a:spcPts val="0"/>
               </a:spcBef>
               <a:buNone/>
               <a:defRPr/>
             </a:lvl5pPr>
-            <a:lvl6pPr indent="0" lvl="5" marL="0" algn="r">
+            <a:lvl6pPr marL="0" lvl="5" indent="0" algn="r">
               <a:spcBef>
                 <a:spcPts val="0"/>
               </a:spcBef>
               <a:buNone/>
               <a:defRPr/>
             </a:lvl6pPr>
-            <a:lvl7pPr indent="0" lvl="6" marL="0" algn="r">
+            <a:lvl7pPr marL="0" lvl="6" indent="0" algn="r">
               <a:spcBef>
                 <a:spcPts val="0"/>
               </a:spcBef>
               <a:buNone/>
               <a:defRPr/>
             </a:lvl7pPr>
-            <a:lvl8pPr indent="0" lvl="7" marL="0" algn="r">
+            <a:lvl8pPr marL="0" lvl="7" indent="0" algn="r">
               <a:spcBef>
                 <a:spcPts val="0"/>
               </a:spcBef>
               <a:buNone/>
               <a:defRPr/>
             </a:lvl8pPr>
-            <a:lvl9pPr indent="0" lvl="8" marL="0" algn="r">
+            <a:lvl9pPr marL="0" lvl="8" indent="0" algn="r">
               <a:spcBef>
                 <a:spcPts val="0"/>
               </a:spcBef>
@@ -3684,7 +3792,7 @@
             </a:lvl9pPr>
           </a:lstStyle>
           <a:p>
-            <a:pPr indent="0" lvl="0" marL="0" rtl="0" algn="r">
+            <a:pPr marL="0" lvl="0" indent="0" algn="r" rtl="0">
               <a:spcBef>
                 <a:spcPts val="0"/>
               </a:spcBef>
@@ -3703,7 +3811,7 @@
       </p:sp>
       <p:pic>
         <p:nvPicPr>
-          <p:cNvPr descr="A white horse with blue mane&#10;&#10;Description automatically generated with low confidence" id="68" name="Google Shape;68;p15"/>
+          <p:cNvPr id="68" name="Google Shape;68;p15" descr="A white horse with blue mane&#10;&#10;Description automatically generated with low confidence"/>
           <p:cNvPicPr preferRelativeResize="0"/>
           <p:nvPr/>
         </p:nvPicPr>
@@ -3711,7 +3819,7 @@
           <a:blip r:embed="rId2">
             <a:alphaModFix/>
           </a:blip>
-          <a:srcRect b="0" l="0" r="0" t="0"/>
+          <a:srcRect/>
           <a:stretch/>
         </p:blipFill>
         <p:spPr>
@@ -3737,11 +3845,11 @@
 </file>
 
 <file path=ppt/slideLayouts/slideLayout14.xml><?xml version="1.0" encoding="utf-8"?>
-<p:sldLayout xmlns:a="http://schemas.openxmlformats.org/drawingml/2006/main" xmlns:r="http://schemas.openxmlformats.org/officeDocument/2006/relationships" xmlns:mc="http://schemas.openxmlformats.org/markup-compatibility/2006" xmlns:mv="urn:schemas-microsoft-com:mac:vml" xmlns:p="http://schemas.openxmlformats.org/presentationml/2006/main" xmlns:c="http://schemas.openxmlformats.org/drawingml/2006/chart" xmlns:dgm="http://schemas.openxmlformats.org/drawingml/2006/diagram" xmlns:o="urn:schemas-microsoft-com:office:office" xmlns:v="urn:schemas-microsoft-com:vml" xmlns:pvml="urn:schemas-microsoft-com:office:powerpoint" xmlns:com="http://schemas.openxmlformats.org/drawingml/2006/compatibility" xmlns:p14="http://schemas.microsoft.com/office/powerpoint/2010/main" xmlns:p15="http://schemas.microsoft.com/office/powerpoint/2012/main" xmlns:ahyp="http://schemas.microsoft.com/office/drawing/2018/hyperlinkcolor" matchingName="Blank" type="blank">
+<p:sldLayout xmlns:a="http://schemas.openxmlformats.org/drawingml/2006/main" xmlns:r="http://schemas.openxmlformats.org/officeDocument/2006/relationships" xmlns:p="http://schemas.openxmlformats.org/presentationml/2006/main" matchingName="Blank" type="blank">
   <p:cSld name="BLANK">
     <p:spTree>
       <p:nvGrpSpPr>
-        <p:cNvPr id="69" name="Shape 69"/>
+        <p:cNvPr id="1" name="Shape 69"/>
         <p:cNvGrpSpPr/>
         <p:nvPr/>
       </p:nvGrpSpPr>
@@ -3756,9 +3864,11 @@
       <p:sp>
         <p:nvSpPr>
           <p:cNvPr id="70" name="Google Shape;70;p16"/>
-          <p:cNvSpPr txBox="1"/>
+          <p:cNvSpPr txBox="1">
+            <a:spLocks noGrp="1"/>
+          </p:cNvSpPr>
           <p:nvPr>
-            <p:ph idx="10" type="dt"/>
+            <p:ph type="dt" idx="10"/>
           </p:nvPr>
         </p:nvSpPr>
         <p:spPr>
@@ -3775,7 +3885,7 @@
           </a:ln>
         </p:spPr>
         <p:txBody>
-          <a:bodyPr anchorCtr="0" anchor="ctr" bIns="34275" lIns="68575" spcFirstLastPara="1" rIns="68575" wrap="square" tIns="34275">
+          <a:bodyPr spcFirstLastPara="1" wrap="square" lIns="68575" tIns="34275" rIns="68575" bIns="34275" anchor="ctr" anchorCtr="0">
             <a:noAutofit/>
           </a:bodyPr>
           <a:lstStyle>
@@ -3879,15 +3989,19 @@
               <a:defRPr/>
             </a:lvl9pPr>
           </a:lstStyle>
-          <a:p/>
+          <a:p>
+            <a:endParaRPr/>
+          </a:p>
         </p:txBody>
       </p:sp>
       <p:sp>
         <p:nvSpPr>
           <p:cNvPr id="71" name="Google Shape;71;p16"/>
-          <p:cNvSpPr txBox="1"/>
+          <p:cNvSpPr txBox="1">
+            <a:spLocks noGrp="1"/>
+          </p:cNvSpPr>
           <p:nvPr>
-            <p:ph idx="11" type="ftr"/>
+            <p:ph type="ftr" idx="11"/>
           </p:nvPr>
         </p:nvSpPr>
         <p:spPr>
@@ -3904,7 +4018,7 @@
           </a:ln>
         </p:spPr>
         <p:txBody>
-          <a:bodyPr anchorCtr="0" anchor="ctr" bIns="34275" lIns="68575" spcFirstLastPara="1" rIns="68575" wrap="square" tIns="34275">
+          <a:bodyPr spcFirstLastPara="1" wrap="square" lIns="68575" tIns="34275" rIns="68575" bIns="34275" anchor="ctr" anchorCtr="0">
             <a:noAutofit/>
           </a:bodyPr>
           <a:lstStyle>
@@ -4008,15 +4122,19 @@
               <a:defRPr/>
             </a:lvl9pPr>
           </a:lstStyle>
-          <a:p/>
+          <a:p>
+            <a:endParaRPr/>
+          </a:p>
         </p:txBody>
       </p:sp>
       <p:sp>
         <p:nvSpPr>
           <p:cNvPr id="72" name="Google Shape;72;p16"/>
-          <p:cNvSpPr txBox="1"/>
+          <p:cNvSpPr txBox="1">
+            <a:spLocks noGrp="1"/>
+          </p:cNvSpPr>
           <p:nvPr>
-            <p:ph idx="12" type="sldNum"/>
+            <p:ph type="sldNum" idx="12"/>
           </p:nvPr>
         </p:nvSpPr>
         <p:spPr>
@@ -4033,67 +4151,67 @@
           </a:ln>
         </p:spPr>
         <p:txBody>
-          <a:bodyPr anchorCtr="0" anchor="ctr" bIns="34275" lIns="68575" spcFirstLastPara="1" rIns="68575" wrap="square" tIns="34275">
+          <a:bodyPr spcFirstLastPara="1" wrap="square" lIns="68575" tIns="34275" rIns="68575" bIns="34275" anchor="ctr" anchorCtr="0">
             <a:noAutofit/>
           </a:bodyPr>
           <a:lstStyle>
-            <a:lvl1pPr indent="0" lvl="0" marL="0" algn="r">
+            <a:lvl1pPr marL="0" lvl="0" indent="0" algn="r">
               <a:spcBef>
                 <a:spcPts val="0"/>
               </a:spcBef>
               <a:buNone/>
               <a:defRPr/>
             </a:lvl1pPr>
-            <a:lvl2pPr indent="0" lvl="1" marL="0" algn="r">
+            <a:lvl2pPr marL="0" lvl="1" indent="0" algn="r">
               <a:spcBef>
                 <a:spcPts val="0"/>
               </a:spcBef>
               <a:buNone/>
               <a:defRPr/>
             </a:lvl2pPr>
-            <a:lvl3pPr indent="0" lvl="2" marL="0" algn="r">
+            <a:lvl3pPr marL="0" lvl="2" indent="0" algn="r">
               <a:spcBef>
                 <a:spcPts val="0"/>
               </a:spcBef>
               <a:buNone/>
               <a:defRPr/>
             </a:lvl3pPr>
-            <a:lvl4pPr indent="0" lvl="3" marL="0" algn="r">
+            <a:lvl4pPr marL="0" lvl="3" indent="0" algn="r">
               <a:spcBef>
                 <a:spcPts val="0"/>
               </a:spcBef>
               <a:buNone/>
               <a:defRPr/>
             </a:lvl4pPr>
-            <a:lvl5pPr indent="0" lvl="4" marL="0" algn="r">
+            <a:lvl5pPr marL="0" lvl="4" indent="0" algn="r">
               <a:spcBef>
                 <a:spcPts val="0"/>
               </a:spcBef>
               <a:buNone/>
               <a:defRPr/>
             </a:lvl5pPr>
-            <a:lvl6pPr indent="0" lvl="5" marL="0" algn="r">
+            <a:lvl6pPr marL="0" lvl="5" indent="0" algn="r">
               <a:spcBef>
                 <a:spcPts val="0"/>
               </a:spcBef>
               <a:buNone/>
               <a:defRPr/>
             </a:lvl6pPr>
-            <a:lvl7pPr indent="0" lvl="6" marL="0" algn="r">
+            <a:lvl7pPr marL="0" lvl="6" indent="0" algn="r">
               <a:spcBef>
                 <a:spcPts val="0"/>
               </a:spcBef>
               <a:buNone/>
               <a:defRPr/>
             </a:lvl7pPr>
-            <a:lvl8pPr indent="0" lvl="7" marL="0" algn="r">
+            <a:lvl8pPr marL="0" lvl="7" indent="0" algn="r">
               <a:spcBef>
                 <a:spcPts val="0"/>
               </a:spcBef>
               <a:buNone/>
               <a:defRPr/>
             </a:lvl8pPr>
-            <a:lvl9pPr indent="0" lvl="8" marL="0" algn="r">
+            <a:lvl9pPr marL="0" lvl="8" indent="0" algn="r">
               <a:spcBef>
                 <a:spcPts val="0"/>
               </a:spcBef>
@@ -4102,7 +4220,7 @@
             </a:lvl9pPr>
           </a:lstStyle>
           <a:p>
-            <a:pPr indent="0" lvl="0" marL="0" rtl="0" algn="r">
+            <a:pPr marL="0" lvl="0" indent="0" algn="r" rtl="0">
               <a:spcBef>
                 <a:spcPts val="0"/>
               </a:spcBef>
@@ -4128,11 +4246,11 @@
 </file>
 
 <file path=ppt/slideLayouts/slideLayout2.xml><?xml version="1.0" encoding="utf-8"?>
-<p:sldLayout xmlns:a="http://schemas.openxmlformats.org/drawingml/2006/main" xmlns:r="http://schemas.openxmlformats.org/officeDocument/2006/relationships" xmlns:mc="http://schemas.openxmlformats.org/markup-compatibility/2006" xmlns:mv="urn:schemas-microsoft-com:mac:vml" xmlns:p="http://schemas.openxmlformats.org/presentationml/2006/main" xmlns:c="http://schemas.openxmlformats.org/drawingml/2006/chart" xmlns:dgm="http://schemas.openxmlformats.org/drawingml/2006/diagram" xmlns:o="urn:schemas-microsoft-com:office:office" xmlns:v="urn:schemas-microsoft-com:vml" xmlns:pvml="urn:schemas-microsoft-com:office:powerpoint" xmlns:com="http://schemas.openxmlformats.org/drawingml/2006/compatibility" xmlns:p14="http://schemas.microsoft.com/office/powerpoint/2010/main" xmlns:p15="http://schemas.microsoft.com/office/powerpoint/2012/main" xmlns:ahyp="http://schemas.microsoft.com/office/drawing/2018/hyperlinkcolor" matchingName="Section header" type="secHead">
+<p:sldLayout xmlns:a="http://schemas.openxmlformats.org/drawingml/2006/main" xmlns:r="http://schemas.openxmlformats.org/officeDocument/2006/relationships" xmlns:p="http://schemas.openxmlformats.org/presentationml/2006/main" matchingName="Section header" type="secHead">
   <p:cSld name="SECTION_HEADER">
     <p:spTree>
       <p:nvGrpSpPr>
-        <p:cNvPr id="13" name="Shape 13"/>
+        <p:cNvPr id="1" name="Shape 13"/>
         <p:cNvGrpSpPr/>
         <p:nvPr/>
       </p:nvGrpSpPr>
@@ -4147,7 +4265,9 @@
       <p:sp>
         <p:nvSpPr>
           <p:cNvPr id="14" name="Google Shape;14;p3"/>
-          <p:cNvSpPr txBox="1"/>
+          <p:cNvSpPr txBox="1">
+            <a:spLocks noGrp="1"/>
+          </p:cNvSpPr>
           <p:nvPr>
             <p:ph type="title"/>
           </p:nvPr>
@@ -4162,7 +4282,7 @@
           </a:prstGeom>
         </p:spPr>
         <p:txBody>
-          <a:bodyPr anchorCtr="0" anchor="ctr" bIns="91425" lIns="91425" spcFirstLastPara="1" rIns="91425" wrap="square" tIns="91425">
+          <a:bodyPr spcFirstLastPara="1" wrap="square" lIns="91425" tIns="91425" rIns="91425" bIns="91425" anchor="ctr" anchorCtr="0">
             <a:normAutofit/>
           </a:bodyPr>
           <a:lstStyle>
@@ -4266,15 +4386,19 @@
               <a:defRPr sz="3600"/>
             </a:lvl9pPr>
           </a:lstStyle>
-          <a:p/>
+          <a:p>
+            <a:endParaRPr/>
+          </a:p>
         </p:txBody>
       </p:sp>
       <p:sp>
         <p:nvSpPr>
           <p:cNvPr id="15" name="Google Shape;15;p3"/>
-          <p:cNvSpPr txBox="1"/>
+          <p:cNvSpPr txBox="1">
+            <a:spLocks noGrp="1"/>
+          </p:cNvSpPr>
           <p:nvPr>
-            <p:ph idx="12" type="sldNum"/>
+            <p:ph type="sldNum" idx="12"/>
           </p:nvPr>
         </p:nvSpPr>
         <p:spPr>
@@ -4287,7 +4411,7 @@
           </a:prstGeom>
         </p:spPr>
         <p:txBody>
-          <a:bodyPr anchorCtr="0" anchor="ctr" bIns="91425" lIns="91425" spcFirstLastPara="1" rIns="91425" wrap="square" tIns="91425">
+          <a:bodyPr spcFirstLastPara="1" wrap="square" lIns="91425" tIns="91425" rIns="91425" bIns="91425" anchor="ctr" anchorCtr="0">
             <a:normAutofit/>
           </a:bodyPr>
           <a:lstStyle>
@@ -4329,7 +4453,7 @@
             </a:lvl9pPr>
           </a:lstStyle>
           <a:p>
-            <a:pPr indent="0" lvl="0" marL="0" rtl="0" algn="r">
+            <a:pPr marL="0" lvl="0" indent="0" algn="r" rtl="0">
               <a:spcBef>
                 <a:spcPts val="0"/>
               </a:spcBef>
@@ -4355,11 +4479,11 @@
 </file>
 
 <file path=ppt/slideLayouts/slideLayout3.xml><?xml version="1.0" encoding="utf-8"?>
-<p:sldLayout xmlns:a="http://schemas.openxmlformats.org/drawingml/2006/main" xmlns:r="http://schemas.openxmlformats.org/officeDocument/2006/relationships" xmlns:mc="http://schemas.openxmlformats.org/markup-compatibility/2006" xmlns:mv="urn:schemas-microsoft-com:mac:vml" xmlns:p="http://schemas.openxmlformats.org/presentationml/2006/main" xmlns:c="http://schemas.openxmlformats.org/drawingml/2006/chart" xmlns:dgm="http://schemas.openxmlformats.org/drawingml/2006/diagram" xmlns:o="urn:schemas-microsoft-com:office:office" xmlns:v="urn:schemas-microsoft-com:vml" xmlns:pvml="urn:schemas-microsoft-com:office:powerpoint" xmlns:com="http://schemas.openxmlformats.org/drawingml/2006/compatibility" xmlns:p14="http://schemas.microsoft.com/office/powerpoint/2010/main" xmlns:p15="http://schemas.microsoft.com/office/powerpoint/2012/main" xmlns:ahyp="http://schemas.microsoft.com/office/drawing/2018/hyperlinkcolor" matchingName="Title and body" type="tx">
+<p:sldLayout xmlns:a="http://schemas.openxmlformats.org/drawingml/2006/main" xmlns:r="http://schemas.openxmlformats.org/officeDocument/2006/relationships" xmlns:p="http://schemas.openxmlformats.org/presentationml/2006/main" matchingName="Title and body" type="tx">
   <p:cSld name="TITLE_AND_BODY">
     <p:spTree>
       <p:nvGrpSpPr>
-        <p:cNvPr id="16" name="Shape 16"/>
+        <p:cNvPr id="1" name="Shape 16"/>
         <p:cNvGrpSpPr/>
         <p:nvPr/>
       </p:nvGrpSpPr>
@@ -4374,7 +4498,9 @@
       <p:sp>
         <p:nvSpPr>
           <p:cNvPr id="17" name="Google Shape;17;p4"/>
-          <p:cNvSpPr txBox="1"/>
+          <p:cNvSpPr txBox="1">
+            <a:spLocks noGrp="1"/>
+          </p:cNvSpPr>
           <p:nvPr>
             <p:ph type="title"/>
           </p:nvPr>
@@ -4389,7 +4515,7 @@
           </a:prstGeom>
         </p:spPr>
         <p:txBody>
-          <a:bodyPr anchorCtr="0" anchor="t" bIns="91425" lIns="91425" spcFirstLastPara="1" rIns="91425" wrap="square" tIns="91425">
+          <a:bodyPr spcFirstLastPara="1" wrap="square" lIns="91425" tIns="91425" rIns="91425" bIns="91425" anchor="t" anchorCtr="0">
             <a:normAutofit/>
           </a:bodyPr>
           <a:lstStyle>
@@ -4493,15 +4619,19 @@
               <a:defRPr/>
             </a:lvl9pPr>
           </a:lstStyle>
-          <a:p/>
+          <a:p>
+            <a:endParaRPr/>
+          </a:p>
         </p:txBody>
       </p:sp>
       <p:sp>
         <p:nvSpPr>
           <p:cNvPr id="18" name="Google Shape;18;p4"/>
-          <p:cNvSpPr txBox="1"/>
+          <p:cNvSpPr txBox="1">
+            <a:spLocks noGrp="1"/>
+          </p:cNvSpPr>
           <p:nvPr>
-            <p:ph idx="1" type="body"/>
+            <p:ph type="body" idx="1"/>
           </p:nvPr>
         </p:nvSpPr>
         <p:spPr>
@@ -4514,11 +4644,11 @@
           </a:prstGeom>
         </p:spPr>
         <p:txBody>
-          <a:bodyPr anchorCtr="0" anchor="t" bIns="91425" lIns="91425" spcFirstLastPara="1" rIns="91425" wrap="square" tIns="91425">
+          <a:bodyPr spcFirstLastPara="1" wrap="square" lIns="91425" tIns="91425" rIns="91425" bIns="91425" anchor="t" anchorCtr="0">
             <a:normAutofit/>
           </a:bodyPr>
           <a:lstStyle>
-            <a:lvl1pPr indent="-342900" lvl="0" marL="457200">
+            <a:lvl1pPr marL="457200" lvl="0" indent="-342900">
               <a:spcBef>
                 <a:spcPts val="0"/>
               </a:spcBef>
@@ -4529,7 +4659,7 @@
               <a:buChar char="●"/>
               <a:defRPr/>
             </a:lvl1pPr>
-            <a:lvl2pPr indent="-317500" lvl="1" marL="914400">
+            <a:lvl2pPr marL="914400" lvl="1" indent="-317500">
               <a:spcBef>
                 <a:spcPts val="0"/>
               </a:spcBef>
@@ -4540,7 +4670,7 @@
               <a:buChar char="○"/>
               <a:defRPr/>
             </a:lvl2pPr>
-            <a:lvl3pPr indent="-317500" lvl="2" marL="1371600">
+            <a:lvl3pPr marL="1371600" lvl="2" indent="-317500">
               <a:spcBef>
                 <a:spcPts val="0"/>
               </a:spcBef>
@@ -4551,7 +4681,7 @@
               <a:buChar char="■"/>
               <a:defRPr/>
             </a:lvl3pPr>
-            <a:lvl4pPr indent="-317500" lvl="3" marL="1828800">
+            <a:lvl4pPr marL="1828800" lvl="3" indent="-317500">
               <a:spcBef>
                 <a:spcPts val="0"/>
               </a:spcBef>
@@ -4562,7 +4692,7 @@
               <a:buChar char="●"/>
               <a:defRPr/>
             </a:lvl4pPr>
-            <a:lvl5pPr indent="-317500" lvl="4" marL="2286000">
+            <a:lvl5pPr marL="2286000" lvl="4" indent="-317500">
               <a:spcBef>
                 <a:spcPts val="0"/>
               </a:spcBef>
@@ -4573,7 +4703,7 @@
               <a:buChar char="○"/>
               <a:defRPr/>
             </a:lvl5pPr>
-            <a:lvl6pPr indent="-317500" lvl="5" marL="2743200">
+            <a:lvl6pPr marL="2743200" lvl="5" indent="-317500">
               <a:spcBef>
                 <a:spcPts val="0"/>
               </a:spcBef>
@@ -4584,7 +4714,7 @@
               <a:buChar char="■"/>
               <a:defRPr/>
             </a:lvl6pPr>
-            <a:lvl7pPr indent="-317500" lvl="6" marL="3200400">
+            <a:lvl7pPr marL="3200400" lvl="6" indent="-317500">
               <a:spcBef>
                 <a:spcPts val="0"/>
               </a:spcBef>
@@ -4595,7 +4725,7 @@
               <a:buChar char="●"/>
               <a:defRPr/>
             </a:lvl7pPr>
-            <a:lvl8pPr indent="-317500" lvl="7" marL="3657600">
+            <a:lvl8pPr marL="3657600" lvl="7" indent="-317500">
               <a:spcBef>
                 <a:spcPts val="0"/>
               </a:spcBef>
@@ -4606,7 +4736,7 @@
               <a:buChar char="○"/>
               <a:defRPr/>
             </a:lvl8pPr>
-            <a:lvl9pPr indent="-317500" lvl="8" marL="4114800">
+            <a:lvl9pPr marL="4114800" lvl="8" indent="-317500">
               <a:spcBef>
                 <a:spcPts val="0"/>
               </a:spcBef>
@@ -4618,15 +4748,19 @@
               <a:defRPr/>
             </a:lvl9pPr>
           </a:lstStyle>
-          <a:p/>
+          <a:p>
+            <a:endParaRPr/>
+          </a:p>
         </p:txBody>
       </p:sp>
       <p:sp>
         <p:nvSpPr>
           <p:cNvPr id="19" name="Google Shape;19;p4"/>
-          <p:cNvSpPr txBox="1"/>
+          <p:cNvSpPr txBox="1">
+            <a:spLocks noGrp="1"/>
+          </p:cNvSpPr>
           <p:nvPr>
-            <p:ph idx="12" type="sldNum"/>
+            <p:ph type="sldNum" idx="12"/>
           </p:nvPr>
         </p:nvSpPr>
         <p:spPr>
@@ -4639,7 +4773,7 @@
           </a:prstGeom>
         </p:spPr>
         <p:txBody>
-          <a:bodyPr anchorCtr="0" anchor="ctr" bIns="91425" lIns="91425" spcFirstLastPara="1" rIns="91425" wrap="square" tIns="91425">
+          <a:bodyPr spcFirstLastPara="1" wrap="square" lIns="91425" tIns="91425" rIns="91425" bIns="91425" anchor="ctr" anchorCtr="0">
             <a:normAutofit/>
           </a:bodyPr>
           <a:lstStyle>
@@ -4681,7 +4815,7 @@
             </a:lvl9pPr>
           </a:lstStyle>
           <a:p>
-            <a:pPr indent="0" lvl="0" marL="0" rtl="0" algn="r">
+            <a:pPr marL="0" lvl="0" indent="0" algn="r" rtl="0">
               <a:spcBef>
                 <a:spcPts val="0"/>
               </a:spcBef>
@@ -4707,11 +4841,11 @@
 </file>
 
 <file path=ppt/slideLayouts/slideLayout4.xml><?xml version="1.0" encoding="utf-8"?>
-<p:sldLayout xmlns:a="http://schemas.openxmlformats.org/drawingml/2006/main" xmlns:r="http://schemas.openxmlformats.org/officeDocument/2006/relationships" xmlns:mc="http://schemas.openxmlformats.org/markup-compatibility/2006" xmlns:mv="urn:schemas-microsoft-com:mac:vml" xmlns:p="http://schemas.openxmlformats.org/presentationml/2006/main" xmlns:c="http://schemas.openxmlformats.org/drawingml/2006/chart" xmlns:dgm="http://schemas.openxmlformats.org/drawingml/2006/diagram" xmlns:o="urn:schemas-microsoft-com:office:office" xmlns:v="urn:schemas-microsoft-com:vml" xmlns:pvml="urn:schemas-microsoft-com:office:powerpoint" xmlns:com="http://schemas.openxmlformats.org/drawingml/2006/compatibility" xmlns:p14="http://schemas.microsoft.com/office/powerpoint/2010/main" xmlns:p15="http://schemas.microsoft.com/office/powerpoint/2012/main" xmlns:ahyp="http://schemas.microsoft.com/office/drawing/2018/hyperlinkcolor" matchingName="Title and two columns" type="twoColTx">
+<p:sldLayout xmlns:a="http://schemas.openxmlformats.org/drawingml/2006/main" xmlns:r="http://schemas.openxmlformats.org/officeDocument/2006/relationships" xmlns:p="http://schemas.openxmlformats.org/presentationml/2006/main" matchingName="Title and two columns" type="twoColTx">
   <p:cSld name="TITLE_AND_TWO_COLUMNS">
     <p:spTree>
       <p:nvGrpSpPr>
-        <p:cNvPr id="20" name="Shape 20"/>
+        <p:cNvPr id="1" name="Shape 20"/>
         <p:cNvGrpSpPr/>
         <p:nvPr/>
       </p:nvGrpSpPr>
@@ -4726,7 +4860,9 @@
       <p:sp>
         <p:nvSpPr>
           <p:cNvPr id="21" name="Google Shape;21;p5"/>
-          <p:cNvSpPr txBox="1"/>
+          <p:cNvSpPr txBox="1">
+            <a:spLocks noGrp="1"/>
+          </p:cNvSpPr>
           <p:nvPr>
             <p:ph type="title"/>
           </p:nvPr>
@@ -4741,7 +4877,7 @@
           </a:prstGeom>
         </p:spPr>
         <p:txBody>
-          <a:bodyPr anchorCtr="0" anchor="t" bIns="91425" lIns="91425" spcFirstLastPara="1" rIns="91425" wrap="square" tIns="91425">
+          <a:bodyPr spcFirstLastPara="1" wrap="square" lIns="91425" tIns="91425" rIns="91425" bIns="91425" anchor="t" anchorCtr="0">
             <a:normAutofit/>
           </a:bodyPr>
           <a:lstStyle>
@@ -4845,15 +4981,19 @@
               <a:defRPr/>
             </a:lvl9pPr>
           </a:lstStyle>
-          <a:p/>
+          <a:p>
+            <a:endParaRPr/>
+          </a:p>
         </p:txBody>
       </p:sp>
       <p:sp>
         <p:nvSpPr>
           <p:cNvPr id="22" name="Google Shape;22;p5"/>
-          <p:cNvSpPr txBox="1"/>
+          <p:cNvSpPr txBox="1">
+            <a:spLocks noGrp="1"/>
+          </p:cNvSpPr>
           <p:nvPr>
-            <p:ph idx="1" type="body"/>
+            <p:ph type="body" idx="1"/>
           </p:nvPr>
         </p:nvSpPr>
         <p:spPr>
@@ -4866,11 +5006,11 @@
           </a:prstGeom>
         </p:spPr>
         <p:txBody>
-          <a:bodyPr anchorCtr="0" anchor="t" bIns="91425" lIns="91425" spcFirstLastPara="1" rIns="91425" wrap="square" tIns="91425">
+          <a:bodyPr spcFirstLastPara="1" wrap="square" lIns="91425" tIns="91425" rIns="91425" bIns="91425" anchor="t" anchorCtr="0">
             <a:normAutofit/>
           </a:bodyPr>
           <a:lstStyle>
-            <a:lvl1pPr indent="-317500" lvl="0" marL="457200">
+            <a:lvl1pPr marL="457200" lvl="0" indent="-317500">
               <a:spcBef>
                 <a:spcPts val="0"/>
               </a:spcBef>
@@ -4881,7 +5021,7 @@
               <a:buChar char="●"/>
               <a:defRPr sz="1400"/>
             </a:lvl1pPr>
-            <a:lvl2pPr indent="-304800" lvl="1" marL="914400">
+            <a:lvl2pPr marL="914400" lvl="1" indent="-304800">
               <a:spcBef>
                 <a:spcPts val="0"/>
               </a:spcBef>
@@ -4892,7 +5032,7 @@
               <a:buChar char="○"/>
               <a:defRPr sz="1200"/>
             </a:lvl2pPr>
-            <a:lvl3pPr indent="-304800" lvl="2" marL="1371600">
+            <a:lvl3pPr marL="1371600" lvl="2" indent="-304800">
               <a:spcBef>
                 <a:spcPts val="0"/>
               </a:spcBef>
@@ -4903,7 +5043,7 @@
               <a:buChar char="■"/>
               <a:defRPr sz="1200"/>
             </a:lvl3pPr>
-            <a:lvl4pPr indent="-304800" lvl="3" marL="1828800">
+            <a:lvl4pPr marL="1828800" lvl="3" indent="-304800">
               <a:spcBef>
                 <a:spcPts val="0"/>
               </a:spcBef>
@@ -4914,7 +5054,7 @@
               <a:buChar char="●"/>
               <a:defRPr sz="1200"/>
             </a:lvl4pPr>
-            <a:lvl5pPr indent="-304800" lvl="4" marL="2286000">
+            <a:lvl5pPr marL="2286000" lvl="4" indent="-304800">
               <a:spcBef>
                 <a:spcPts val="0"/>
               </a:spcBef>
@@ -4925,7 +5065,7 @@
               <a:buChar char="○"/>
               <a:defRPr sz="1200"/>
             </a:lvl5pPr>
-            <a:lvl6pPr indent="-304800" lvl="5" marL="2743200">
+            <a:lvl6pPr marL="2743200" lvl="5" indent="-304800">
               <a:spcBef>
                 <a:spcPts val="0"/>
               </a:spcBef>
@@ -4936,7 +5076,7 @@
               <a:buChar char="■"/>
               <a:defRPr sz="1200"/>
             </a:lvl6pPr>
-            <a:lvl7pPr indent="-304800" lvl="6" marL="3200400">
+            <a:lvl7pPr marL="3200400" lvl="6" indent="-304800">
               <a:spcBef>
                 <a:spcPts val="0"/>
               </a:spcBef>
@@ -4947,7 +5087,7 @@
               <a:buChar char="●"/>
               <a:defRPr sz="1200"/>
             </a:lvl7pPr>
-            <a:lvl8pPr indent="-304800" lvl="7" marL="3657600">
+            <a:lvl8pPr marL="3657600" lvl="7" indent="-304800">
               <a:spcBef>
                 <a:spcPts val="0"/>
               </a:spcBef>
@@ -4958,7 +5098,7 @@
               <a:buChar char="○"/>
               <a:defRPr sz="1200"/>
             </a:lvl8pPr>
-            <a:lvl9pPr indent="-304800" lvl="8" marL="4114800">
+            <a:lvl9pPr marL="4114800" lvl="8" indent="-304800">
               <a:spcBef>
                 <a:spcPts val="0"/>
               </a:spcBef>
@@ -4970,15 +5110,19 @@
               <a:defRPr sz="1200"/>
             </a:lvl9pPr>
           </a:lstStyle>
-          <a:p/>
+          <a:p>
+            <a:endParaRPr/>
+          </a:p>
         </p:txBody>
       </p:sp>
       <p:sp>
         <p:nvSpPr>
           <p:cNvPr id="23" name="Google Shape;23;p5"/>
-          <p:cNvSpPr txBox="1"/>
+          <p:cNvSpPr txBox="1">
+            <a:spLocks noGrp="1"/>
+          </p:cNvSpPr>
           <p:nvPr>
-            <p:ph idx="2" type="body"/>
+            <p:ph type="body" idx="2"/>
           </p:nvPr>
         </p:nvSpPr>
         <p:spPr>
@@ -4991,11 +5135,11 @@
           </a:prstGeom>
         </p:spPr>
         <p:txBody>
-          <a:bodyPr anchorCtr="0" anchor="t" bIns="91425" lIns="91425" spcFirstLastPara="1" rIns="91425" wrap="square" tIns="91425">
+          <a:bodyPr spcFirstLastPara="1" wrap="square" lIns="91425" tIns="91425" rIns="91425" bIns="91425" anchor="t" anchorCtr="0">
             <a:normAutofit/>
           </a:bodyPr>
           <a:lstStyle>
-            <a:lvl1pPr indent="-317500" lvl="0" marL="457200">
+            <a:lvl1pPr marL="457200" lvl="0" indent="-317500">
               <a:spcBef>
                 <a:spcPts val="0"/>
               </a:spcBef>
@@ -5006,7 +5150,7 @@
               <a:buChar char="●"/>
               <a:defRPr sz="1400"/>
             </a:lvl1pPr>
-            <a:lvl2pPr indent="-304800" lvl="1" marL="914400">
+            <a:lvl2pPr marL="914400" lvl="1" indent="-304800">
               <a:spcBef>
                 <a:spcPts val="0"/>
               </a:spcBef>
@@ -5017,7 +5161,7 @@
               <a:buChar char="○"/>
               <a:defRPr sz="1200"/>
             </a:lvl2pPr>
-            <a:lvl3pPr indent="-304800" lvl="2" marL="1371600">
+            <a:lvl3pPr marL="1371600" lvl="2" indent="-304800">
               <a:spcBef>
                 <a:spcPts val="0"/>
               </a:spcBef>
@@ -5028,7 +5172,7 @@
               <a:buChar char="■"/>
               <a:defRPr sz="1200"/>
             </a:lvl3pPr>
-            <a:lvl4pPr indent="-304800" lvl="3" marL="1828800">
+            <a:lvl4pPr marL="1828800" lvl="3" indent="-304800">
               <a:spcBef>
                 <a:spcPts val="0"/>
               </a:spcBef>
@@ -5039,7 +5183,7 @@
               <a:buChar char="●"/>
               <a:defRPr sz="1200"/>
             </a:lvl4pPr>
-            <a:lvl5pPr indent="-304800" lvl="4" marL="2286000">
+            <a:lvl5pPr marL="2286000" lvl="4" indent="-304800">
               <a:spcBef>
                 <a:spcPts val="0"/>
               </a:spcBef>
@@ -5050,7 +5194,7 @@
               <a:buChar char="○"/>
               <a:defRPr sz="1200"/>
             </a:lvl5pPr>
-            <a:lvl6pPr indent="-304800" lvl="5" marL="2743200">
+            <a:lvl6pPr marL="2743200" lvl="5" indent="-304800">
               <a:spcBef>
                 <a:spcPts val="0"/>
               </a:spcBef>
@@ -5061,7 +5205,7 @@
               <a:buChar char="■"/>
               <a:defRPr sz="1200"/>
             </a:lvl6pPr>
-            <a:lvl7pPr indent="-304800" lvl="6" marL="3200400">
+            <a:lvl7pPr marL="3200400" lvl="6" indent="-304800">
               <a:spcBef>
                 <a:spcPts val="0"/>
               </a:spcBef>
@@ -5072,7 +5216,7 @@
               <a:buChar char="●"/>
               <a:defRPr sz="1200"/>
             </a:lvl7pPr>
-            <a:lvl8pPr indent="-304800" lvl="7" marL="3657600">
+            <a:lvl8pPr marL="3657600" lvl="7" indent="-304800">
               <a:spcBef>
                 <a:spcPts val="0"/>
               </a:spcBef>
@@ -5083,7 +5227,7 @@
               <a:buChar char="○"/>
               <a:defRPr sz="1200"/>
             </a:lvl8pPr>
-            <a:lvl9pPr indent="-304800" lvl="8" marL="4114800">
+            <a:lvl9pPr marL="4114800" lvl="8" indent="-304800">
               <a:spcBef>
                 <a:spcPts val="0"/>
               </a:spcBef>
@@ -5095,15 +5239,19 @@
               <a:defRPr sz="1200"/>
             </a:lvl9pPr>
           </a:lstStyle>
-          <a:p/>
+          <a:p>
+            <a:endParaRPr/>
+          </a:p>
         </p:txBody>
       </p:sp>
       <p:sp>
         <p:nvSpPr>
           <p:cNvPr id="24" name="Google Shape;24;p5"/>
-          <p:cNvSpPr txBox="1"/>
+          <p:cNvSpPr txBox="1">
+            <a:spLocks noGrp="1"/>
+          </p:cNvSpPr>
           <p:nvPr>
-            <p:ph idx="12" type="sldNum"/>
+            <p:ph type="sldNum" idx="12"/>
           </p:nvPr>
         </p:nvSpPr>
         <p:spPr>
@@ -5116,7 +5264,7 @@
           </a:prstGeom>
         </p:spPr>
         <p:txBody>
-          <a:bodyPr anchorCtr="0" anchor="ctr" bIns="91425" lIns="91425" spcFirstLastPara="1" rIns="91425" wrap="square" tIns="91425">
+          <a:bodyPr spcFirstLastPara="1" wrap="square" lIns="91425" tIns="91425" rIns="91425" bIns="91425" anchor="ctr" anchorCtr="0">
             <a:normAutofit/>
           </a:bodyPr>
           <a:lstStyle>
@@ -5158,7 +5306,7 @@
             </a:lvl9pPr>
           </a:lstStyle>
           <a:p>
-            <a:pPr indent="0" lvl="0" marL="0" rtl="0" algn="r">
+            <a:pPr marL="0" lvl="0" indent="0" algn="r" rtl="0">
               <a:spcBef>
                 <a:spcPts val="0"/>
               </a:spcBef>
@@ -5184,11 +5332,11 @@
 </file>
 
 <file path=ppt/slideLayouts/slideLayout5.xml><?xml version="1.0" encoding="utf-8"?>
-<p:sldLayout xmlns:a="http://schemas.openxmlformats.org/drawingml/2006/main" xmlns:r="http://schemas.openxmlformats.org/officeDocument/2006/relationships" xmlns:mc="http://schemas.openxmlformats.org/markup-compatibility/2006" xmlns:mv="urn:schemas-microsoft-com:mac:vml" xmlns:p="http://schemas.openxmlformats.org/presentationml/2006/main" xmlns:c="http://schemas.openxmlformats.org/drawingml/2006/chart" xmlns:dgm="http://schemas.openxmlformats.org/drawingml/2006/diagram" xmlns:o="urn:schemas-microsoft-com:office:office" xmlns:v="urn:schemas-microsoft-com:vml" xmlns:pvml="urn:schemas-microsoft-com:office:powerpoint" xmlns:com="http://schemas.openxmlformats.org/drawingml/2006/compatibility" xmlns:p14="http://schemas.microsoft.com/office/powerpoint/2010/main" xmlns:p15="http://schemas.microsoft.com/office/powerpoint/2012/main" xmlns:ahyp="http://schemas.microsoft.com/office/drawing/2018/hyperlinkcolor" matchingName="Title only" type="titleOnly">
+<p:sldLayout xmlns:a="http://schemas.openxmlformats.org/drawingml/2006/main" xmlns:r="http://schemas.openxmlformats.org/officeDocument/2006/relationships" xmlns:p="http://schemas.openxmlformats.org/presentationml/2006/main" matchingName="Title only" type="titleOnly">
   <p:cSld name="TITLE_ONLY">
     <p:spTree>
       <p:nvGrpSpPr>
-        <p:cNvPr id="25" name="Shape 25"/>
+        <p:cNvPr id="1" name="Shape 25"/>
         <p:cNvGrpSpPr/>
         <p:nvPr/>
       </p:nvGrpSpPr>
@@ -5203,7 +5351,9 @@
       <p:sp>
         <p:nvSpPr>
           <p:cNvPr id="26" name="Google Shape;26;p6"/>
-          <p:cNvSpPr txBox="1"/>
+          <p:cNvSpPr txBox="1">
+            <a:spLocks noGrp="1"/>
+          </p:cNvSpPr>
           <p:nvPr>
             <p:ph type="title"/>
           </p:nvPr>
@@ -5218,7 +5368,7 @@
           </a:prstGeom>
         </p:spPr>
         <p:txBody>
-          <a:bodyPr anchorCtr="0" anchor="t" bIns="91425" lIns="91425" spcFirstLastPara="1" rIns="91425" wrap="square" tIns="91425">
+          <a:bodyPr spcFirstLastPara="1" wrap="square" lIns="91425" tIns="91425" rIns="91425" bIns="91425" anchor="t" anchorCtr="0">
             <a:normAutofit/>
           </a:bodyPr>
           <a:lstStyle>
@@ -5322,15 +5472,19 @@
               <a:defRPr/>
             </a:lvl9pPr>
           </a:lstStyle>
-          <a:p/>
+          <a:p>
+            <a:endParaRPr/>
+          </a:p>
         </p:txBody>
       </p:sp>
       <p:sp>
         <p:nvSpPr>
           <p:cNvPr id="27" name="Google Shape;27;p6"/>
-          <p:cNvSpPr txBox="1"/>
+          <p:cNvSpPr txBox="1">
+            <a:spLocks noGrp="1"/>
+          </p:cNvSpPr>
           <p:nvPr>
-            <p:ph idx="12" type="sldNum"/>
+            <p:ph type="sldNum" idx="12"/>
           </p:nvPr>
         </p:nvSpPr>
         <p:spPr>
@@ -5343,7 +5497,7 @@
           </a:prstGeom>
         </p:spPr>
         <p:txBody>
-          <a:bodyPr anchorCtr="0" anchor="ctr" bIns="91425" lIns="91425" spcFirstLastPara="1" rIns="91425" wrap="square" tIns="91425">
+          <a:bodyPr spcFirstLastPara="1" wrap="square" lIns="91425" tIns="91425" rIns="91425" bIns="91425" anchor="ctr" anchorCtr="0">
             <a:normAutofit/>
           </a:bodyPr>
           <a:lstStyle>
@@ -5385,7 +5539,7 @@
             </a:lvl9pPr>
           </a:lstStyle>
           <a:p>
-            <a:pPr indent="0" lvl="0" marL="0" rtl="0" algn="r">
+            <a:pPr marL="0" lvl="0" indent="0" algn="r" rtl="0">
               <a:spcBef>
                 <a:spcPts val="0"/>
               </a:spcBef>
@@ -5411,11 +5565,11 @@
 </file>
 
 <file path=ppt/slideLayouts/slideLayout6.xml><?xml version="1.0" encoding="utf-8"?>
-<p:sldLayout xmlns:a="http://schemas.openxmlformats.org/drawingml/2006/main" xmlns:r="http://schemas.openxmlformats.org/officeDocument/2006/relationships" xmlns:mc="http://schemas.openxmlformats.org/markup-compatibility/2006" xmlns:mv="urn:schemas-microsoft-com:mac:vml" xmlns:p="http://schemas.openxmlformats.org/presentationml/2006/main" xmlns:c="http://schemas.openxmlformats.org/drawingml/2006/chart" xmlns:dgm="http://schemas.openxmlformats.org/drawingml/2006/diagram" xmlns:o="urn:schemas-microsoft-com:office:office" xmlns:v="urn:schemas-microsoft-com:vml" xmlns:pvml="urn:schemas-microsoft-com:office:powerpoint" xmlns:com="http://schemas.openxmlformats.org/drawingml/2006/compatibility" xmlns:p14="http://schemas.microsoft.com/office/powerpoint/2010/main" xmlns:p15="http://schemas.microsoft.com/office/powerpoint/2012/main" xmlns:ahyp="http://schemas.microsoft.com/office/drawing/2018/hyperlinkcolor" matchingName="One column text">
+<p:sldLayout xmlns:a="http://schemas.openxmlformats.org/drawingml/2006/main" xmlns:r="http://schemas.openxmlformats.org/officeDocument/2006/relationships" xmlns:p="http://schemas.openxmlformats.org/presentationml/2006/main" matchingName="One column text">
   <p:cSld name="ONE_COLUMN_TEXT">
     <p:spTree>
       <p:nvGrpSpPr>
-        <p:cNvPr id="28" name="Shape 28"/>
+        <p:cNvPr id="1" name="Shape 28"/>
         <p:cNvGrpSpPr/>
         <p:nvPr/>
       </p:nvGrpSpPr>
@@ -5430,7 +5584,9 @@
       <p:sp>
         <p:nvSpPr>
           <p:cNvPr id="29" name="Google Shape;29;p7"/>
-          <p:cNvSpPr txBox="1"/>
+          <p:cNvSpPr txBox="1">
+            <a:spLocks noGrp="1"/>
+          </p:cNvSpPr>
           <p:nvPr>
             <p:ph type="title"/>
           </p:nvPr>
@@ -5445,7 +5601,7 @@
           </a:prstGeom>
         </p:spPr>
         <p:txBody>
-          <a:bodyPr anchorCtr="0" anchor="b" bIns="91425" lIns="91425" spcFirstLastPara="1" rIns="91425" wrap="square" tIns="91425">
+          <a:bodyPr spcFirstLastPara="1" wrap="square" lIns="91425" tIns="91425" rIns="91425" bIns="91425" anchor="b" anchorCtr="0">
             <a:normAutofit/>
           </a:bodyPr>
           <a:lstStyle>
@@ -5549,15 +5705,19 @@
               <a:defRPr sz="2400"/>
             </a:lvl9pPr>
           </a:lstStyle>
-          <a:p/>
+          <a:p>
+            <a:endParaRPr/>
+          </a:p>
         </p:txBody>
       </p:sp>
       <p:sp>
         <p:nvSpPr>
           <p:cNvPr id="30" name="Google Shape;30;p7"/>
-          <p:cNvSpPr txBox="1"/>
+          <p:cNvSpPr txBox="1">
+            <a:spLocks noGrp="1"/>
+          </p:cNvSpPr>
           <p:nvPr>
-            <p:ph idx="1" type="body"/>
+            <p:ph type="body" idx="1"/>
           </p:nvPr>
         </p:nvSpPr>
         <p:spPr>
@@ -5570,11 +5730,11 @@
           </a:prstGeom>
         </p:spPr>
         <p:txBody>
-          <a:bodyPr anchorCtr="0" anchor="t" bIns="91425" lIns="91425" spcFirstLastPara="1" rIns="91425" wrap="square" tIns="91425">
+          <a:bodyPr spcFirstLastPara="1" wrap="square" lIns="91425" tIns="91425" rIns="91425" bIns="91425" anchor="t" anchorCtr="0">
             <a:normAutofit/>
           </a:bodyPr>
           <a:lstStyle>
-            <a:lvl1pPr indent="-304800" lvl="0" marL="457200">
+            <a:lvl1pPr marL="457200" lvl="0" indent="-304800">
               <a:spcBef>
                 <a:spcPts val="0"/>
               </a:spcBef>
@@ -5585,7 +5745,7 @@
               <a:buChar char="●"/>
               <a:defRPr sz="1200"/>
             </a:lvl1pPr>
-            <a:lvl2pPr indent="-304800" lvl="1" marL="914400">
+            <a:lvl2pPr marL="914400" lvl="1" indent="-304800">
               <a:spcBef>
                 <a:spcPts val="0"/>
               </a:spcBef>
@@ -5596,7 +5756,7 @@
               <a:buChar char="○"/>
               <a:defRPr sz="1200"/>
             </a:lvl2pPr>
-            <a:lvl3pPr indent="-304800" lvl="2" marL="1371600">
+            <a:lvl3pPr marL="1371600" lvl="2" indent="-304800">
               <a:spcBef>
                 <a:spcPts val="0"/>
               </a:spcBef>
@@ -5607,7 +5767,7 @@
               <a:buChar char="■"/>
               <a:defRPr sz="1200"/>
             </a:lvl3pPr>
-            <a:lvl4pPr indent="-304800" lvl="3" marL="1828800">
+            <a:lvl4pPr marL="1828800" lvl="3" indent="-304800">
               <a:spcBef>
                 <a:spcPts val="0"/>
               </a:spcBef>
@@ -5618,7 +5778,7 @@
               <a:buChar char="●"/>
               <a:defRPr sz="1200"/>
             </a:lvl4pPr>
-            <a:lvl5pPr indent="-304800" lvl="4" marL="2286000">
+            <a:lvl5pPr marL="2286000" lvl="4" indent="-304800">
               <a:spcBef>
                 <a:spcPts val="0"/>
               </a:spcBef>
@@ -5629,7 +5789,7 @@
               <a:buChar char="○"/>
               <a:defRPr sz="1200"/>
             </a:lvl5pPr>
-            <a:lvl6pPr indent="-304800" lvl="5" marL="2743200">
+            <a:lvl6pPr marL="2743200" lvl="5" indent="-304800">
               <a:spcBef>
                 <a:spcPts val="0"/>
               </a:spcBef>
@@ -5640,7 +5800,7 @@
               <a:buChar char="■"/>
               <a:defRPr sz="1200"/>
             </a:lvl6pPr>
-            <a:lvl7pPr indent="-304800" lvl="6" marL="3200400">
+            <a:lvl7pPr marL="3200400" lvl="6" indent="-304800">
               <a:spcBef>
                 <a:spcPts val="0"/>
               </a:spcBef>
@@ -5651,7 +5811,7 @@
               <a:buChar char="●"/>
               <a:defRPr sz="1200"/>
             </a:lvl7pPr>
-            <a:lvl8pPr indent="-304800" lvl="7" marL="3657600">
+            <a:lvl8pPr marL="3657600" lvl="7" indent="-304800">
               <a:spcBef>
                 <a:spcPts val="0"/>
               </a:spcBef>
@@ -5662,7 +5822,7 @@
               <a:buChar char="○"/>
               <a:defRPr sz="1200"/>
             </a:lvl8pPr>
-            <a:lvl9pPr indent="-304800" lvl="8" marL="4114800">
+            <a:lvl9pPr marL="4114800" lvl="8" indent="-304800">
               <a:spcBef>
                 <a:spcPts val="0"/>
               </a:spcBef>
@@ -5674,15 +5834,19 @@
               <a:defRPr sz="1200"/>
             </a:lvl9pPr>
           </a:lstStyle>
-          <a:p/>
+          <a:p>
+            <a:endParaRPr/>
+          </a:p>
         </p:txBody>
       </p:sp>
       <p:sp>
         <p:nvSpPr>
           <p:cNvPr id="31" name="Google Shape;31;p7"/>
-          <p:cNvSpPr txBox="1"/>
+          <p:cNvSpPr txBox="1">
+            <a:spLocks noGrp="1"/>
+          </p:cNvSpPr>
           <p:nvPr>
-            <p:ph idx="12" type="sldNum"/>
+            <p:ph type="sldNum" idx="12"/>
           </p:nvPr>
         </p:nvSpPr>
         <p:spPr>
@@ -5695,7 +5859,7 @@
           </a:prstGeom>
         </p:spPr>
         <p:txBody>
-          <a:bodyPr anchorCtr="0" anchor="ctr" bIns="91425" lIns="91425" spcFirstLastPara="1" rIns="91425" wrap="square" tIns="91425">
+          <a:bodyPr spcFirstLastPara="1" wrap="square" lIns="91425" tIns="91425" rIns="91425" bIns="91425" anchor="ctr" anchorCtr="0">
             <a:normAutofit/>
           </a:bodyPr>
           <a:lstStyle>
@@ -5737,7 +5901,7 @@
             </a:lvl9pPr>
           </a:lstStyle>
           <a:p>
-            <a:pPr indent="0" lvl="0" marL="0" rtl="0" algn="r">
+            <a:pPr marL="0" lvl="0" indent="0" algn="r" rtl="0">
               <a:spcBef>
                 <a:spcPts val="0"/>
               </a:spcBef>
@@ -5763,11 +5927,11 @@
 </file>
 
 <file path=ppt/slideLayouts/slideLayout7.xml><?xml version="1.0" encoding="utf-8"?>
-<p:sldLayout xmlns:a="http://schemas.openxmlformats.org/drawingml/2006/main" xmlns:r="http://schemas.openxmlformats.org/officeDocument/2006/relationships" xmlns:mc="http://schemas.openxmlformats.org/markup-compatibility/2006" xmlns:mv="urn:schemas-microsoft-com:mac:vml" xmlns:p="http://schemas.openxmlformats.org/presentationml/2006/main" xmlns:c="http://schemas.openxmlformats.org/drawingml/2006/chart" xmlns:dgm="http://schemas.openxmlformats.org/drawingml/2006/diagram" xmlns:o="urn:schemas-microsoft-com:office:office" xmlns:v="urn:schemas-microsoft-com:vml" xmlns:pvml="urn:schemas-microsoft-com:office:powerpoint" xmlns:com="http://schemas.openxmlformats.org/drawingml/2006/compatibility" xmlns:p14="http://schemas.microsoft.com/office/powerpoint/2010/main" xmlns:p15="http://schemas.microsoft.com/office/powerpoint/2012/main" xmlns:ahyp="http://schemas.microsoft.com/office/drawing/2018/hyperlinkcolor" matchingName="Main point">
+<p:sldLayout xmlns:a="http://schemas.openxmlformats.org/drawingml/2006/main" xmlns:r="http://schemas.openxmlformats.org/officeDocument/2006/relationships" xmlns:p="http://schemas.openxmlformats.org/presentationml/2006/main" matchingName="Main point">
   <p:cSld name="MAIN_POINT">
     <p:spTree>
       <p:nvGrpSpPr>
-        <p:cNvPr id="32" name="Shape 32"/>
+        <p:cNvPr id="1" name="Shape 32"/>
         <p:cNvGrpSpPr/>
         <p:nvPr/>
       </p:nvGrpSpPr>
@@ -5782,7 +5946,9 @@
       <p:sp>
         <p:nvSpPr>
           <p:cNvPr id="33" name="Google Shape;33;p8"/>
-          <p:cNvSpPr txBox="1"/>
+          <p:cNvSpPr txBox="1">
+            <a:spLocks noGrp="1"/>
+          </p:cNvSpPr>
           <p:nvPr>
             <p:ph type="title"/>
           </p:nvPr>
@@ -5797,7 +5963,7 @@
           </a:prstGeom>
         </p:spPr>
         <p:txBody>
-          <a:bodyPr anchorCtr="0" anchor="ctr" bIns="91425" lIns="91425" spcFirstLastPara="1" rIns="91425" wrap="square" tIns="91425">
+          <a:bodyPr spcFirstLastPara="1" wrap="square" lIns="91425" tIns="91425" rIns="91425" bIns="91425" anchor="ctr" anchorCtr="0">
             <a:normAutofit/>
           </a:bodyPr>
           <a:lstStyle>
@@ -5901,15 +6067,19 @@
               <a:defRPr sz="4800"/>
             </a:lvl9pPr>
           </a:lstStyle>
-          <a:p/>
+          <a:p>
+            <a:endParaRPr/>
+          </a:p>
         </p:txBody>
       </p:sp>
       <p:sp>
         <p:nvSpPr>
           <p:cNvPr id="34" name="Google Shape;34;p8"/>
-          <p:cNvSpPr txBox="1"/>
+          <p:cNvSpPr txBox="1">
+            <a:spLocks noGrp="1"/>
+          </p:cNvSpPr>
           <p:nvPr>
-            <p:ph idx="12" type="sldNum"/>
+            <p:ph type="sldNum" idx="12"/>
           </p:nvPr>
         </p:nvSpPr>
         <p:spPr>
@@ -5922,7 +6092,7 @@
           </a:prstGeom>
         </p:spPr>
         <p:txBody>
-          <a:bodyPr anchorCtr="0" anchor="ctr" bIns="91425" lIns="91425" spcFirstLastPara="1" rIns="91425" wrap="square" tIns="91425">
+          <a:bodyPr spcFirstLastPara="1" wrap="square" lIns="91425" tIns="91425" rIns="91425" bIns="91425" anchor="ctr" anchorCtr="0">
             <a:normAutofit/>
           </a:bodyPr>
           <a:lstStyle>
@@ -5964,7 +6134,7 @@
             </a:lvl9pPr>
           </a:lstStyle>
           <a:p>
-            <a:pPr indent="0" lvl="0" marL="0" rtl="0" algn="r">
+            <a:pPr marL="0" lvl="0" indent="0" algn="r" rtl="0">
               <a:spcBef>
                 <a:spcPts val="0"/>
               </a:spcBef>
@@ -5990,11 +6160,11 @@
 </file>
 
 <file path=ppt/slideLayouts/slideLayout8.xml><?xml version="1.0" encoding="utf-8"?>
-<p:sldLayout xmlns:a="http://schemas.openxmlformats.org/drawingml/2006/main" xmlns:r="http://schemas.openxmlformats.org/officeDocument/2006/relationships" xmlns:mc="http://schemas.openxmlformats.org/markup-compatibility/2006" xmlns:mv="urn:schemas-microsoft-com:mac:vml" xmlns:p="http://schemas.openxmlformats.org/presentationml/2006/main" xmlns:c="http://schemas.openxmlformats.org/drawingml/2006/chart" xmlns:dgm="http://schemas.openxmlformats.org/drawingml/2006/diagram" xmlns:o="urn:schemas-microsoft-com:office:office" xmlns:v="urn:schemas-microsoft-com:vml" xmlns:pvml="urn:schemas-microsoft-com:office:powerpoint" xmlns:com="http://schemas.openxmlformats.org/drawingml/2006/compatibility" xmlns:p14="http://schemas.microsoft.com/office/powerpoint/2010/main" xmlns:p15="http://schemas.microsoft.com/office/powerpoint/2012/main" xmlns:ahyp="http://schemas.microsoft.com/office/drawing/2018/hyperlinkcolor" matchingName="Section title and description">
+<p:sldLayout xmlns:a="http://schemas.openxmlformats.org/drawingml/2006/main" xmlns:r="http://schemas.openxmlformats.org/officeDocument/2006/relationships" xmlns:p="http://schemas.openxmlformats.org/presentationml/2006/main" matchingName="Section title and description">
   <p:cSld name="SECTION_TITLE_AND_DESCRIPTION">
     <p:spTree>
       <p:nvGrpSpPr>
-        <p:cNvPr id="35" name="Shape 35"/>
+        <p:cNvPr id="1" name="Shape 35"/>
         <p:cNvGrpSpPr/>
         <p:nvPr/>
       </p:nvGrpSpPr>
@@ -6028,12 +6198,12 @@
           </a:ln>
         </p:spPr>
         <p:txBody>
-          <a:bodyPr anchorCtr="0" anchor="ctr" bIns="91425" lIns="91425" spcFirstLastPara="1" rIns="91425" wrap="square" tIns="91425">
+          <a:bodyPr spcFirstLastPara="1" wrap="square" lIns="91425" tIns="91425" rIns="91425" bIns="91425" anchor="ctr" anchorCtr="0">
             <a:noAutofit/>
           </a:bodyPr>
           <a:lstStyle/>
           <a:p>
-            <a:pPr indent="0" lvl="0" marL="0" rtl="0" algn="l">
+            <a:pPr marL="0" lvl="0" indent="0" algn="l" rtl="0">
               <a:spcBef>
                 <a:spcPts val="0"/>
               </a:spcBef>
@@ -6042,9 +6212,6 @@
               </a:spcAft>
               <a:buNone/>
             </a:pPr>
-            <a:r>
-              <a:t/>
-            </a:r>
             <a:endParaRPr/>
           </a:p>
         </p:txBody>
@@ -6052,7 +6219,9 @@
       <p:sp>
         <p:nvSpPr>
           <p:cNvPr id="37" name="Google Shape;37;p9"/>
-          <p:cNvSpPr txBox="1"/>
+          <p:cNvSpPr txBox="1">
+            <a:spLocks noGrp="1"/>
+          </p:cNvSpPr>
           <p:nvPr>
             <p:ph type="title"/>
           </p:nvPr>
@@ -6067,7 +6236,7 @@
           </a:prstGeom>
         </p:spPr>
         <p:txBody>
-          <a:bodyPr anchorCtr="0" anchor="b" bIns="91425" lIns="91425" spcFirstLastPara="1" rIns="91425" wrap="square" tIns="91425">
+          <a:bodyPr spcFirstLastPara="1" wrap="square" lIns="91425" tIns="91425" rIns="91425" bIns="91425" anchor="b" anchorCtr="0">
             <a:normAutofit/>
           </a:bodyPr>
           <a:lstStyle>
@@ -6171,15 +6340,19 @@
               <a:defRPr sz="4200"/>
             </a:lvl9pPr>
           </a:lstStyle>
-          <a:p/>
+          <a:p>
+            <a:endParaRPr/>
+          </a:p>
         </p:txBody>
       </p:sp>
       <p:sp>
         <p:nvSpPr>
           <p:cNvPr id="38" name="Google Shape;38;p9"/>
-          <p:cNvSpPr txBox="1"/>
+          <p:cNvSpPr txBox="1">
+            <a:spLocks noGrp="1"/>
+          </p:cNvSpPr>
           <p:nvPr>
-            <p:ph idx="1" type="subTitle"/>
+            <p:ph type="subTitle" idx="1"/>
           </p:nvPr>
         </p:nvSpPr>
         <p:spPr>
@@ -6192,7 +6365,7 @@
           </a:prstGeom>
         </p:spPr>
         <p:txBody>
-          <a:bodyPr anchorCtr="0" anchor="t" bIns="91425" lIns="91425" spcFirstLastPara="1" rIns="91425" wrap="square" tIns="91425">
+          <a:bodyPr spcFirstLastPara="1" wrap="square" lIns="91425" tIns="91425" rIns="91425" bIns="91425" anchor="t" anchorCtr="0">
             <a:normAutofit/>
           </a:bodyPr>
           <a:lstStyle>
@@ -6323,15 +6496,19 @@
               <a:defRPr sz="2100"/>
             </a:lvl9pPr>
           </a:lstStyle>
-          <a:p/>
+          <a:p>
+            <a:endParaRPr/>
+          </a:p>
         </p:txBody>
       </p:sp>
       <p:sp>
         <p:nvSpPr>
           <p:cNvPr id="39" name="Google Shape;39;p9"/>
-          <p:cNvSpPr txBox="1"/>
+          <p:cNvSpPr txBox="1">
+            <a:spLocks noGrp="1"/>
+          </p:cNvSpPr>
           <p:nvPr>
-            <p:ph idx="2" type="body"/>
+            <p:ph type="body" idx="2"/>
           </p:nvPr>
         </p:nvSpPr>
         <p:spPr>
@@ -6344,11 +6521,11 @@
           </a:prstGeom>
         </p:spPr>
         <p:txBody>
-          <a:bodyPr anchorCtr="0" anchor="ctr" bIns="91425" lIns="91425" spcFirstLastPara="1" rIns="91425" wrap="square" tIns="91425">
+          <a:bodyPr spcFirstLastPara="1" wrap="square" lIns="91425" tIns="91425" rIns="91425" bIns="91425" anchor="ctr" anchorCtr="0">
             <a:normAutofit/>
           </a:bodyPr>
           <a:lstStyle>
-            <a:lvl1pPr indent="-342900" lvl="0" marL="457200">
+            <a:lvl1pPr marL="457200" lvl="0" indent="-342900">
               <a:spcBef>
                 <a:spcPts val="0"/>
               </a:spcBef>
@@ -6359,7 +6536,7 @@
               <a:buChar char="●"/>
               <a:defRPr/>
             </a:lvl1pPr>
-            <a:lvl2pPr indent="-317500" lvl="1" marL="914400">
+            <a:lvl2pPr marL="914400" lvl="1" indent="-317500">
               <a:spcBef>
                 <a:spcPts val="0"/>
               </a:spcBef>
@@ -6370,7 +6547,7 @@
               <a:buChar char="○"/>
               <a:defRPr/>
             </a:lvl2pPr>
-            <a:lvl3pPr indent="-317500" lvl="2" marL="1371600">
+            <a:lvl3pPr marL="1371600" lvl="2" indent="-317500">
               <a:spcBef>
                 <a:spcPts val="0"/>
               </a:spcBef>
@@ -6381,7 +6558,7 @@
               <a:buChar char="■"/>
               <a:defRPr/>
             </a:lvl3pPr>
-            <a:lvl4pPr indent="-317500" lvl="3" marL="1828800">
+            <a:lvl4pPr marL="1828800" lvl="3" indent="-317500">
               <a:spcBef>
                 <a:spcPts val="0"/>
               </a:spcBef>
@@ -6392,7 +6569,7 @@
               <a:buChar char="●"/>
               <a:defRPr/>
             </a:lvl4pPr>
-            <a:lvl5pPr indent="-317500" lvl="4" marL="2286000">
+            <a:lvl5pPr marL="2286000" lvl="4" indent="-317500">
               <a:spcBef>
                 <a:spcPts val="0"/>
               </a:spcBef>
@@ -6403,7 +6580,7 @@
               <a:buChar char="○"/>
               <a:defRPr/>
             </a:lvl5pPr>
-            <a:lvl6pPr indent="-317500" lvl="5" marL="2743200">
+            <a:lvl6pPr marL="2743200" lvl="5" indent="-317500">
               <a:spcBef>
                 <a:spcPts val="0"/>
               </a:spcBef>
@@ -6414,7 +6591,7 @@
               <a:buChar char="■"/>
               <a:defRPr/>
             </a:lvl6pPr>
-            <a:lvl7pPr indent="-317500" lvl="6" marL="3200400">
+            <a:lvl7pPr marL="3200400" lvl="6" indent="-317500">
               <a:spcBef>
                 <a:spcPts val="0"/>
               </a:spcBef>
@@ -6425,7 +6602,7 @@
               <a:buChar char="●"/>
               <a:defRPr/>
             </a:lvl7pPr>
-            <a:lvl8pPr indent="-317500" lvl="7" marL="3657600">
+            <a:lvl8pPr marL="3657600" lvl="7" indent="-317500">
               <a:spcBef>
                 <a:spcPts val="0"/>
               </a:spcBef>
@@ -6436,7 +6613,7 @@
               <a:buChar char="○"/>
               <a:defRPr/>
             </a:lvl8pPr>
-            <a:lvl9pPr indent="-317500" lvl="8" marL="4114800">
+            <a:lvl9pPr marL="4114800" lvl="8" indent="-317500">
               <a:spcBef>
                 <a:spcPts val="0"/>
               </a:spcBef>
@@ -6448,15 +6625,19 @@
               <a:defRPr/>
             </a:lvl9pPr>
           </a:lstStyle>
-          <a:p/>
+          <a:p>
+            <a:endParaRPr/>
+          </a:p>
         </p:txBody>
       </p:sp>
       <p:sp>
         <p:nvSpPr>
           <p:cNvPr id="40" name="Google Shape;40;p9"/>
-          <p:cNvSpPr txBox="1"/>
+          <p:cNvSpPr txBox="1">
+            <a:spLocks noGrp="1"/>
+          </p:cNvSpPr>
           <p:nvPr>
-            <p:ph idx="12" type="sldNum"/>
+            <p:ph type="sldNum" idx="12"/>
           </p:nvPr>
         </p:nvSpPr>
         <p:spPr>
@@ -6469,7 +6650,7 @@
           </a:prstGeom>
         </p:spPr>
         <p:txBody>
-          <a:bodyPr anchorCtr="0" anchor="ctr" bIns="91425" lIns="91425" spcFirstLastPara="1" rIns="91425" wrap="square" tIns="91425">
+          <a:bodyPr spcFirstLastPara="1" wrap="square" lIns="91425" tIns="91425" rIns="91425" bIns="91425" anchor="ctr" anchorCtr="0">
             <a:normAutofit/>
           </a:bodyPr>
           <a:lstStyle>
@@ -6511,7 +6692,7 @@
             </a:lvl9pPr>
           </a:lstStyle>
           <a:p>
-            <a:pPr indent="0" lvl="0" marL="0" rtl="0" algn="r">
+            <a:pPr marL="0" lvl="0" indent="0" algn="r" rtl="0">
               <a:spcBef>
                 <a:spcPts val="0"/>
               </a:spcBef>
@@ -6537,11 +6718,11 @@
 </file>
 
 <file path=ppt/slideLayouts/slideLayout9.xml><?xml version="1.0" encoding="utf-8"?>
-<p:sldLayout xmlns:a="http://schemas.openxmlformats.org/drawingml/2006/main" xmlns:r="http://schemas.openxmlformats.org/officeDocument/2006/relationships" xmlns:mc="http://schemas.openxmlformats.org/markup-compatibility/2006" xmlns:mv="urn:schemas-microsoft-com:mac:vml" xmlns:p="http://schemas.openxmlformats.org/presentationml/2006/main" xmlns:c="http://schemas.openxmlformats.org/drawingml/2006/chart" xmlns:dgm="http://schemas.openxmlformats.org/drawingml/2006/diagram" xmlns:o="urn:schemas-microsoft-com:office:office" xmlns:v="urn:schemas-microsoft-com:vml" xmlns:pvml="urn:schemas-microsoft-com:office:powerpoint" xmlns:com="http://schemas.openxmlformats.org/drawingml/2006/compatibility" xmlns:p14="http://schemas.microsoft.com/office/powerpoint/2010/main" xmlns:p15="http://schemas.microsoft.com/office/powerpoint/2012/main" xmlns:ahyp="http://schemas.microsoft.com/office/drawing/2018/hyperlinkcolor" matchingName="Caption">
+<p:sldLayout xmlns:a="http://schemas.openxmlformats.org/drawingml/2006/main" xmlns:r="http://schemas.openxmlformats.org/officeDocument/2006/relationships" xmlns:p="http://schemas.openxmlformats.org/presentationml/2006/main" matchingName="Caption">
   <p:cSld name="CAPTION_ONLY">
     <p:spTree>
       <p:nvGrpSpPr>
-        <p:cNvPr id="41" name="Shape 41"/>
+        <p:cNvPr id="1" name="Shape 41"/>
         <p:cNvGrpSpPr/>
         <p:nvPr/>
       </p:nvGrpSpPr>
@@ -6556,9 +6737,11 @@
       <p:sp>
         <p:nvSpPr>
           <p:cNvPr id="42" name="Google Shape;42;p10"/>
-          <p:cNvSpPr txBox="1"/>
+          <p:cNvSpPr txBox="1">
+            <a:spLocks noGrp="1"/>
+          </p:cNvSpPr>
           <p:nvPr>
-            <p:ph idx="1" type="body"/>
+            <p:ph type="body" idx="1"/>
           </p:nvPr>
         </p:nvSpPr>
         <p:spPr>
@@ -6571,11 +6754,11 @@
           </a:prstGeom>
         </p:spPr>
         <p:txBody>
-          <a:bodyPr anchorCtr="0" anchor="ctr" bIns="91425" lIns="91425" spcFirstLastPara="1" rIns="91425" wrap="square" tIns="91425">
+          <a:bodyPr spcFirstLastPara="1" wrap="square" lIns="91425" tIns="91425" rIns="91425" bIns="91425" anchor="ctr" anchorCtr="0">
             <a:normAutofit/>
           </a:bodyPr>
           <a:lstStyle>
-            <a:lvl1pPr indent="-228600" lvl="0" marL="457200">
+            <a:lvl1pPr marL="457200" lvl="0" indent="-228600">
               <a:lnSpc>
                 <a:spcPct val="100000"/>
               </a:lnSpc>
@@ -6590,15 +6773,19 @@
               <a:defRPr/>
             </a:lvl1pPr>
           </a:lstStyle>
-          <a:p/>
+          <a:p>
+            <a:endParaRPr/>
+          </a:p>
         </p:txBody>
       </p:sp>
       <p:sp>
         <p:nvSpPr>
           <p:cNvPr id="43" name="Google Shape;43;p10"/>
-          <p:cNvSpPr txBox="1"/>
+          <p:cNvSpPr txBox="1">
+            <a:spLocks noGrp="1"/>
+          </p:cNvSpPr>
           <p:nvPr>
-            <p:ph idx="12" type="sldNum"/>
+            <p:ph type="sldNum" idx="12"/>
           </p:nvPr>
         </p:nvSpPr>
         <p:spPr>
@@ -6611,7 +6798,7 @@
           </a:prstGeom>
         </p:spPr>
         <p:txBody>
-          <a:bodyPr anchorCtr="0" anchor="ctr" bIns="91425" lIns="91425" spcFirstLastPara="1" rIns="91425" wrap="square" tIns="91425">
+          <a:bodyPr spcFirstLastPara="1" wrap="square" lIns="91425" tIns="91425" rIns="91425" bIns="91425" anchor="ctr" anchorCtr="0">
             <a:normAutofit/>
           </a:bodyPr>
           <a:lstStyle>
@@ -6653,7 +6840,7 @@
             </a:lvl9pPr>
           </a:lstStyle>
           <a:p>
-            <a:pPr indent="0" lvl="0" marL="0" rtl="0" algn="r">
+            <a:pPr marL="0" lvl="0" indent="0" algn="r" rtl="0">
               <a:spcBef>
                 <a:spcPts val="0"/>
               </a:spcBef>
@@ -6679,18 +6866,19 @@
 </file>
 
 <file path=ppt/slideMasters/slideMaster1.xml><?xml version="1.0" encoding="utf-8"?>
-<p:sldMaster xmlns:a="http://schemas.openxmlformats.org/drawingml/2006/main" xmlns:r="http://schemas.openxmlformats.org/officeDocument/2006/relationships" xmlns:mc="http://schemas.openxmlformats.org/markup-compatibility/2006" xmlns:mv="urn:schemas-microsoft-com:mac:vml" xmlns:p="http://schemas.openxmlformats.org/presentationml/2006/main" xmlns:c="http://schemas.openxmlformats.org/drawingml/2006/chart" xmlns:dgm="http://schemas.openxmlformats.org/drawingml/2006/diagram" xmlns:o="urn:schemas-microsoft-com:office:office" xmlns:v="urn:schemas-microsoft-com:vml" xmlns:pvml="urn:schemas-microsoft-com:office:powerpoint" xmlns:com="http://schemas.openxmlformats.org/drawingml/2006/compatibility" xmlns:p14="http://schemas.microsoft.com/office/powerpoint/2010/main" xmlns:p15="http://schemas.microsoft.com/office/powerpoint/2012/main" xmlns:ahyp="http://schemas.microsoft.com/office/drawing/2018/hyperlinkcolor">
+<p:sldMaster xmlns:a="http://schemas.openxmlformats.org/drawingml/2006/main" xmlns:r="http://schemas.openxmlformats.org/officeDocument/2006/relationships" xmlns:p="http://schemas.openxmlformats.org/presentationml/2006/main">
   <p:cSld name="simple-light-2">
     <p:bg>
       <p:bgPr>
         <a:solidFill>
           <a:schemeClr val="lt1"/>
         </a:solidFill>
+        <a:effectLst/>
       </p:bgPr>
     </p:bg>
     <p:spTree>
       <p:nvGrpSpPr>
-        <p:cNvPr id="5" name="Shape 5"/>
+        <p:cNvPr id="1" name="Shape 5"/>
         <p:cNvGrpSpPr/>
         <p:nvPr/>
       </p:nvGrpSpPr>
@@ -6705,7 +6893,9 @@
       <p:sp>
         <p:nvSpPr>
           <p:cNvPr id="6" name="Google Shape;6;p1"/>
-          <p:cNvSpPr txBox="1"/>
+          <p:cNvSpPr txBox="1">
+            <a:spLocks noGrp="1"/>
+          </p:cNvSpPr>
           <p:nvPr>
             <p:ph type="title"/>
           </p:nvPr>
@@ -6724,7 +6914,7 @@
           </a:ln>
         </p:spPr>
         <p:txBody>
-          <a:bodyPr anchorCtr="0" anchor="t" bIns="91425" lIns="91425" spcFirstLastPara="1" rIns="91425" wrap="square" tIns="91425">
+          <a:bodyPr spcFirstLastPara="1" wrap="square" lIns="91425" tIns="91425" rIns="91425" bIns="91425" anchor="t" anchorCtr="0">
             <a:normAutofit/>
           </a:bodyPr>
           <a:lstStyle>
@@ -6891,15 +7081,19 @@
               </a:defRPr>
             </a:lvl9pPr>
           </a:lstStyle>
-          <a:p/>
+          <a:p>
+            <a:endParaRPr/>
+          </a:p>
         </p:txBody>
       </p:sp>
       <p:sp>
         <p:nvSpPr>
           <p:cNvPr id="7" name="Google Shape;7;p1"/>
-          <p:cNvSpPr txBox="1"/>
+          <p:cNvSpPr txBox="1">
+            <a:spLocks noGrp="1"/>
+          </p:cNvSpPr>
           <p:nvPr>
-            <p:ph idx="1" type="body"/>
+            <p:ph type="body" idx="1"/>
           </p:nvPr>
         </p:nvSpPr>
         <p:spPr>
@@ -6916,11 +7110,11 @@
           </a:ln>
         </p:spPr>
         <p:txBody>
-          <a:bodyPr anchorCtr="0" anchor="t" bIns="91425" lIns="91425" spcFirstLastPara="1" rIns="91425" wrap="square" tIns="91425">
+          <a:bodyPr spcFirstLastPara="1" wrap="square" lIns="91425" tIns="91425" rIns="91425" bIns="91425" anchor="t" anchorCtr="0">
             <a:normAutofit/>
           </a:bodyPr>
           <a:lstStyle>
-            <a:lvl1pPr indent="-342900" lvl="0" marL="457200">
+            <a:lvl1pPr marL="457200" lvl="0" indent="-342900">
               <a:lnSpc>
                 <a:spcPct val="115000"/>
               </a:lnSpc>
@@ -6941,7 +7135,7 @@
                 </a:solidFill>
               </a:defRPr>
             </a:lvl1pPr>
-            <a:lvl2pPr indent="-317500" lvl="1" marL="914400">
+            <a:lvl2pPr marL="914400" lvl="1" indent="-317500">
               <a:lnSpc>
                 <a:spcPct val="115000"/>
               </a:lnSpc>
@@ -6962,7 +7156,7 @@
                 </a:solidFill>
               </a:defRPr>
             </a:lvl2pPr>
-            <a:lvl3pPr indent="-317500" lvl="2" marL="1371600">
+            <a:lvl3pPr marL="1371600" lvl="2" indent="-317500">
               <a:lnSpc>
                 <a:spcPct val="115000"/>
               </a:lnSpc>
@@ -6983,7 +7177,7 @@
                 </a:solidFill>
               </a:defRPr>
             </a:lvl3pPr>
-            <a:lvl4pPr indent="-317500" lvl="3" marL="1828800">
+            <a:lvl4pPr marL="1828800" lvl="3" indent="-317500">
               <a:lnSpc>
                 <a:spcPct val="115000"/>
               </a:lnSpc>
@@ -7004,7 +7198,7 @@
                 </a:solidFill>
               </a:defRPr>
             </a:lvl4pPr>
-            <a:lvl5pPr indent="-317500" lvl="4" marL="2286000">
+            <a:lvl5pPr marL="2286000" lvl="4" indent="-317500">
               <a:lnSpc>
                 <a:spcPct val="115000"/>
               </a:lnSpc>
@@ -7025,7 +7219,7 @@
                 </a:solidFill>
               </a:defRPr>
             </a:lvl5pPr>
-            <a:lvl6pPr indent="-317500" lvl="5" marL="2743200">
+            <a:lvl6pPr marL="2743200" lvl="5" indent="-317500">
               <a:lnSpc>
                 <a:spcPct val="115000"/>
               </a:lnSpc>
@@ -7046,7 +7240,7 @@
                 </a:solidFill>
               </a:defRPr>
             </a:lvl6pPr>
-            <a:lvl7pPr indent="-317500" lvl="6" marL="3200400">
+            <a:lvl7pPr marL="3200400" lvl="6" indent="-317500">
               <a:lnSpc>
                 <a:spcPct val="115000"/>
               </a:lnSpc>
@@ -7067,7 +7261,7 @@
                 </a:solidFill>
               </a:defRPr>
             </a:lvl7pPr>
-            <a:lvl8pPr indent="-317500" lvl="7" marL="3657600">
+            <a:lvl8pPr marL="3657600" lvl="7" indent="-317500">
               <a:lnSpc>
                 <a:spcPct val="115000"/>
               </a:lnSpc>
@@ -7088,7 +7282,7 @@
                 </a:solidFill>
               </a:defRPr>
             </a:lvl8pPr>
-            <a:lvl9pPr indent="-317500" lvl="8" marL="4114800">
+            <a:lvl9pPr marL="4114800" lvl="8" indent="-317500">
               <a:lnSpc>
                 <a:spcPct val="115000"/>
               </a:lnSpc>
@@ -7110,15 +7304,19 @@
               </a:defRPr>
             </a:lvl9pPr>
           </a:lstStyle>
-          <a:p/>
+          <a:p>
+            <a:endParaRPr/>
+          </a:p>
         </p:txBody>
       </p:sp>
       <p:sp>
         <p:nvSpPr>
           <p:cNvPr id="8" name="Google Shape;8;p1"/>
-          <p:cNvSpPr txBox="1"/>
+          <p:cNvSpPr txBox="1">
+            <a:spLocks noGrp="1"/>
+          </p:cNvSpPr>
           <p:nvPr>
-            <p:ph idx="12" type="sldNum"/>
+            <p:ph type="sldNum" idx="12"/>
           </p:nvPr>
         </p:nvSpPr>
         <p:spPr>
@@ -7135,7 +7333,7 @@
           </a:ln>
         </p:spPr>
         <p:txBody>
-          <a:bodyPr anchorCtr="0" anchor="ctr" bIns="91425" lIns="91425" spcFirstLastPara="1" rIns="91425" wrap="square" tIns="91425">
+          <a:bodyPr spcFirstLastPara="1" wrap="square" lIns="91425" tIns="91425" rIns="91425" bIns="91425" anchor="ctr" anchorCtr="0">
             <a:normAutofit/>
           </a:bodyPr>
           <a:lstStyle>
@@ -7213,7 +7411,7 @@
             </a:lvl9pPr>
           </a:lstStyle>
           <a:p>
-            <a:pPr indent="0" lvl="0" marL="0" rtl="0" algn="r">
+            <a:pPr marL="0" lvl="0" indent="0" algn="r" rtl="0">
               <a:spcBef>
                 <a:spcPts val="0"/>
               </a:spcBef>
@@ -7232,7 +7430,7 @@
       </p:sp>
     </p:spTree>
   </p:cSld>
-  <p:clrMap accent1="accent1" accent2="accent2" accent3="accent3" accent4="accent4" accent5="accent5" accent6="accent6" bg1="lt1" bg2="dk2" tx1="dk1" tx2="lt2" folHlink="folHlink" hlink="hlink"/>
+  <p:clrMap bg1="lt1" tx1="dk1" bg2="dk2" tx2="lt2" accent1="accent1" accent2="accent2" accent3="accent3" accent4="accent4" accent5="accent5" accent6="accent6" hlink="hlink" folHlink="folHlink"/>
   <p:sldLayoutIdLst>
     <p:sldLayoutId id="2147483648" r:id="rId1"/>
     <p:sldLayoutId id="2147483649" r:id="rId2"/>
@@ -7246,10 +7444,10 @@
     <p:sldLayoutId id="2147483657" r:id="rId10"/>
     <p:sldLayoutId id="2147483658" r:id="rId11"/>
   </p:sldLayoutIdLst>
-  <p:hf dt="0" ftr="0" hdr="0" sldNum="0"/>
+  <p:hf sldNum="0" hdr="0" ftr="0" dt="0"/>
   <p:txStyles>
     <p:titleStyle>
-      <a:defPPr lvl="0" marR="0" rtl="0" algn="l">
+      <a:defPPr marR="0" lvl="0" algn="l" rtl="0">
         <a:lnSpc>
           <a:spcPct val="100000"/>
         </a:lnSpc>
@@ -7260,7 +7458,7 @@
           <a:spcPts val="0"/>
         </a:spcAft>
       </a:defPPr>
-      <a:lvl1pPr lvl="0" marR="0" rtl="0" algn="l">
+      <a:lvl1pPr marR="0" lvl="0" algn="l" rtl="0">
         <a:lnSpc>
           <a:spcPct val="100000"/>
         </a:lnSpc>
@@ -7274,7 +7472,7 @@
           <a:srgbClr val="000000"/>
         </a:buClr>
         <a:buFont typeface="Arial"/>
-        <a:defRPr b="0" i="0" sz="1400" u="none" cap="none" strike="noStrike">
+        <a:defRPr sz="1400" b="0" i="0" u="none" strike="noStrike" cap="none">
           <a:solidFill>
             <a:srgbClr val="000000"/>
           </a:solidFill>
@@ -7284,7 +7482,7 @@
           <a:sym typeface="Arial"/>
         </a:defRPr>
       </a:lvl1pPr>
-      <a:lvl2pPr lvl="1" marR="0" rtl="0" algn="l">
+      <a:lvl2pPr marR="0" lvl="1" algn="l" rtl="0">
         <a:lnSpc>
           <a:spcPct val="100000"/>
         </a:lnSpc>
@@ -7298,7 +7496,7 @@
           <a:srgbClr val="000000"/>
         </a:buClr>
         <a:buFont typeface="Arial"/>
-        <a:defRPr b="0" i="0" sz="1400" u="none" cap="none" strike="noStrike">
+        <a:defRPr sz="1400" b="0" i="0" u="none" strike="noStrike" cap="none">
           <a:solidFill>
             <a:srgbClr val="000000"/>
           </a:solidFill>
@@ -7308,7 +7506,7 @@
           <a:sym typeface="Arial"/>
         </a:defRPr>
       </a:lvl2pPr>
-      <a:lvl3pPr lvl="2" marR="0" rtl="0" algn="l">
+      <a:lvl3pPr marR="0" lvl="2" algn="l" rtl="0">
         <a:lnSpc>
           <a:spcPct val="100000"/>
         </a:lnSpc>
@@ -7322,7 +7520,7 @@
           <a:srgbClr val="000000"/>
         </a:buClr>
         <a:buFont typeface="Arial"/>
-        <a:defRPr b="0" i="0" sz="1400" u="none" cap="none" strike="noStrike">
+        <a:defRPr sz="1400" b="0" i="0" u="none" strike="noStrike" cap="none">
           <a:solidFill>
             <a:srgbClr val="000000"/>
           </a:solidFill>
@@ -7332,7 +7530,7 @@
           <a:sym typeface="Arial"/>
         </a:defRPr>
       </a:lvl3pPr>
-      <a:lvl4pPr lvl="3" marR="0" rtl="0" algn="l">
+      <a:lvl4pPr marR="0" lvl="3" algn="l" rtl="0">
         <a:lnSpc>
           <a:spcPct val="100000"/>
         </a:lnSpc>
@@ -7346,7 +7544,7 @@
           <a:srgbClr val="000000"/>
         </a:buClr>
         <a:buFont typeface="Arial"/>
-        <a:defRPr b="0" i="0" sz="1400" u="none" cap="none" strike="noStrike">
+        <a:defRPr sz="1400" b="0" i="0" u="none" strike="noStrike" cap="none">
           <a:solidFill>
             <a:srgbClr val="000000"/>
           </a:solidFill>
@@ -7356,7 +7554,7 @@
           <a:sym typeface="Arial"/>
         </a:defRPr>
       </a:lvl4pPr>
-      <a:lvl5pPr lvl="4" marR="0" rtl="0" algn="l">
+      <a:lvl5pPr marR="0" lvl="4" algn="l" rtl="0">
         <a:lnSpc>
           <a:spcPct val="100000"/>
         </a:lnSpc>
@@ -7370,7 +7568,7 @@
           <a:srgbClr val="000000"/>
         </a:buClr>
         <a:buFont typeface="Arial"/>
-        <a:defRPr b="0" i="0" sz="1400" u="none" cap="none" strike="noStrike">
+        <a:defRPr sz="1400" b="0" i="0" u="none" strike="noStrike" cap="none">
           <a:solidFill>
             <a:srgbClr val="000000"/>
           </a:solidFill>
@@ -7380,7 +7578,7 @@
           <a:sym typeface="Arial"/>
         </a:defRPr>
       </a:lvl5pPr>
-      <a:lvl6pPr lvl="5" marR="0" rtl="0" algn="l">
+      <a:lvl6pPr marR="0" lvl="5" algn="l" rtl="0">
         <a:lnSpc>
           <a:spcPct val="100000"/>
         </a:lnSpc>
@@ -7394,7 +7592,7 @@
           <a:srgbClr val="000000"/>
         </a:buClr>
         <a:buFont typeface="Arial"/>
-        <a:defRPr b="0" i="0" sz="1400" u="none" cap="none" strike="noStrike">
+        <a:defRPr sz="1400" b="0" i="0" u="none" strike="noStrike" cap="none">
           <a:solidFill>
             <a:srgbClr val="000000"/>
           </a:solidFill>
@@ -7404,7 +7602,7 @@
           <a:sym typeface="Arial"/>
         </a:defRPr>
       </a:lvl6pPr>
-      <a:lvl7pPr lvl="6" marR="0" rtl="0" algn="l">
+      <a:lvl7pPr marR="0" lvl="6" algn="l" rtl="0">
         <a:lnSpc>
           <a:spcPct val="100000"/>
         </a:lnSpc>
@@ -7418,7 +7616,7 @@
           <a:srgbClr val="000000"/>
         </a:buClr>
         <a:buFont typeface="Arial"/>
-        <a:defRPr b="0" i="0" sz="1400" u="none" cap="none" strike="noStrike">
+        <a:defRPr sz="1400" b="0" i="0" u="none" strike="noStrike" cap="none">
           <a:solidFill>
             <a:srgbClr val="000000"/>
           </a:solidFill>
@@ -7428,7 +7626,7 @@
           <a:sym typeface="Arial"/>
         </a:defRPr>
       </a:lvl7pPr>
-      <a:lvl8pPr lvl="7" marR="0" rtl="0" algn="l">
+      <a:lvl8pPr marR="0" lvl="7" algn="l" rtl="0">
         <a:lnSpc>
           <a:spcPct val="100000"/>
         </a:lnSpc>
@@ -7442,7 +7640,7 @@
           <a:srgbClr val="000000"/>
         </a:buClr>
         <a:buFont typeface="Arial"/>
-        <a:defRPr b="0" i="0" sz="1400" u="none" cap="none" strike="noStrike">
+        <a:defRPr sz="1400" b="0" i="0" u="none" strike="noStrike" cap="none">
           <a:solidFill>
             <a:srgbClr val="000000"/>
           </a:solidFill>
@@ -7452,7 +7650,7 @@
           <a:sym typeface="Arial"/>
         </a:defRPr>
       </a:lvl8pPr>
-      <a:lvl9pPr lvl="8" marR="0" rtl="0" algn="l">
+      <a:lvl9pPr marR="0" lvl="8" algn="l" rtl="0">
         <a:lnSpc>
           <a:spcPct val="100000"/>
         </a:lnSpc>
@@ -7466,7 +7664,7 @@
           <a:srgbClr val="000000"/>
         </a:buClr>
         <a:buFont typeface="Arial"/>
-        <a:defRPr b="0" i="0" sz="1400" u="none" cap="none" strike="noStrike">
+        <a:defRPr sz="1400" b="0" i="0" u="none" strike="noStrike" cap="none">
           <a:solidFill>
             <a:srgbClr val="000000"/>
           </a:solidFill>
@@ -7478,7 +7676,7 @@
       </a:lvl9pPr>
     </p:titleStyle>
     <p:bodyStyle>
-      <a:defPPr lvl="0" marR="0" rtl="0" algn="l">
+      <a:defPPr marR="0" lvl="0" algn="l" rtl="0">
         <a:lnSpc>
           <a:spcPct val="100000"/>
         </a:lnSpc>
@@ -7489,7 +7687,7 @@
           <a:spcPts val="0"/>
         </a:spcAft>
       </a:defPPr>
-      <a:lvl1pPr lvl="0" marR="0" rtl="0" algn="l">
+      <a:lvl1pPr marR="0" lvl="0" algn="l" rtl="0">
         <a:lnSpc>
           <a:spcPct val="100000"/>
         </a:lnSpc>
@@ -7503,7 +7701,7 @@
           <a:srgbClr val="000000"/>
         </a:buClr>
         <a:buFont typeface="Arial"/>
-        <a:defRPr b="0" i="0" sz="1400" u="none" cap="none" strike="noStrike">
+        <a:defRPr sz="1400" b="0" i="0" u="none" strike="noStrike" cap="none">
           <a:solidFill>
             <a:srgbClr val="000000"/>
           </a:solidFill>
@@ -7513,7 +7711,7 @@
           <a:sym typeface="Arial"/>
         </a:defRPr>
       </a:lvl1pPr>
-      <a:lvl2pPr lvl="1" marR="0" rtl="0" algn="l">
+      <a:lvl2pPr marR="0" lvl="1" algn="l" rtl="0">
         <a:lnSpc>
           <a:spcPct val="100000"/>
         </a:lnSpc>
@@ -7527,7 +7725,7 @@
           <a:srgbClr val="000000"/>
         </a:buClr>
         <a:buFont typeface="Arial"/>
-        <a:defRPr b="0" i="0" sz="1400" u="none" cap="none" strike="noStrike">
+        <a:defRPr sz="1400" b="0" i="0" u="none" strike="noStrike" cap="none">
           <a:solidFill>
             <a:srgbClr val="000000"/>
           </a:solidFill>
@@ -7537,7 +7735,7 @@
           <a:sym typeface="Arial"/>
         </a:defRPr>
       </a:lvl2pPr>
-      <a:lvl3pPr lvl="2" marR="0" rtl="0" algn="l">
+      <a:lvl3pPr marR="0" lvl="2" algn="l" rtl="0">
         <a:lnSpc>
           <a:spcPct val="100000"/>
         </a:lnSpc>
@@ -7551,7 +7749,7 @@
           <a:srgbClr val="000000"/>
         </a:buClr>
         <a:buFont typeface="Arial"/>
-        <a:defRPr b="0" i="0" sz="1400" u="none" cap="none" strike="noStrike">
+        <a:defRPr sz="1400" b="0" i="0" u="none" strike="noStrike" cap="none">
           <a:solidFill>
             <a:srgbClr val="000000"/>
           </a:solidFill>
@@ -7561,7 +7759,7 @@
           <a:sym typeface="Arial"/>
         </a:defRPr>
       </a:lvl3pPr>
-      <a:lvl4pPr lvl="3" marR="0" rtl="0" algn="l">
+      <a:lvl4pPr marR="0" lvl="3" algn="l" rtl="0">
         <a:lnSpc>
           <a:spcPct val="100000"/>
         </a:lnSpc>
@@ -7575,7 +7773,7 @@
           <a:srgbClr val="000000"/>
         </a:buClr>
         <a:buFont typeface="Arial"/>
-        <a:defRPr b="0" i="0" sz="1400" u="none" cap="none" strike="noStrike">
+        <a:defRPr sz="1400" b="0" i="0" u="none" strike="noStrike" cap="none">
           <a:solidFill>
             <a:srgbClr val="000000"/>
           </a:solidFill>
@@ -7585,7 +7783,7 @@
           <a:sym typeface="Arial"/>
         </a:defRPr>
       </a:lvl4pPr>
-      <a:lvl5pPr lvl="4" marR="0" rtl="0" algn="l">
+      <a:lvl5pPr marR="0" lvl="4" algn="l" rtl="0">
         <a:lnSpc>
           <a:spcPct val="100000"/>
         </a:lnSpc>
@@ -7599,7 +7797,7 @@
           <a:srgbClr val="000000"/>
         </a:buClr>
         <a:buFont typeface="Arial"/>
-        <a:defRPr b="0" i="0" sz="1400" u="none" cap="none" strike="noStrike">
+        <a:defRPr sz="1400" b="0" i="0" u="none" strike="noStrike" cap="none">
           <a:solidFill>
             <a:srgbClr val="000000"/>
           </a:solidFill>
@@ -7609,7 +7807,7 @@
           <a:sym typeface="Arial"/>
         </a:defRPr>
       </a:lvl5pPr>
-      <a:lvl6pPr lvl="5" marR="0" rtl="0" algn="l">
+      <a:lvl6pPr marR="0" lvl="5" algn="l" rtl="0">
         <a:lnSpc>
           <a:spcPct val="100000"/>
         </a:lnSpc>
@@ -7623,7 +7821,7 @@
           <a:srgbClr val="000000"/>
         </a:buClr>
         <a:buFont typeface="Arial"/>
-        <a:defRPr b="0" i="0" sz="1400" u="none" cap="none" strike="noStrike">
+        <a:defRPr sz="1400" b="0" i="0" u="none" strike="noStrike" cap="none">
           <a:solidFill>
             <a:srgbClr val="000000"/>
           </a:solidFill>
@@ -7633,7 +7831,7 @@
           <a:sym typeface="Arial"/>
         </a:defRPr>
       </a:lvl6pPr>
-      <a:lvl7pPr lvl="6" marR="0" rtl="0" algn="l">
+      <a:lvl7pPr marR="0" lvl="6" algn="l" rtl="0">
         <a:lnSpc>
           <a:spcPct val="100000"/>
         </a:lnSpc>
@@ -7647,7 +7845,7 @@
           <a:srgbClr val="000000"/>
         </a:buClr>
         <a:buFont typeface="Arial"/>
-        <a:defRPr b="0" i="0" sz="1400" u="none" cap="none" strike="noStrike">
+        <a:defRPr sz="1400" b="0" i="0" u="none" strike="noStrike" cap="none">
           <a:solidFill>
             <a:srgbClr val="000000"/>
           </a:solidFill>
@@ -7657,7 +7855,7 @@
           <a:sym typeface="Arial"/>
         </a:defRPr>
       </a:lvl7pPr>
-      <a:lvl8pPr lvl="7" marR="0" rtl="0" algn="l">
+      <a:lvl8pPr marR="0" lvl="7" algn="l" rtl="0">
         <a:lnSpc>
           <a:spcPct val="100000"/>
         </a:lnSpc>
@@ -7671,7 +7869,7 @@
           <a:srgbClr val="000000"/>
         </a:buClr>
         <a:buFont typeface="Arial"/>
-        <a:defRPr b="0" i="0" sz="1400" u="none" cap="none" strike="noStrike">
+        <a:defRPr sz="1400" b="0" i="0" u="none" strike="noStrike" cap="none">
           <a:solidFill>
             <a:srgbClr val="000000"/>
           </a:solidFill>
@@ -7681,7 +7879,7 @@
           <a:sym typeface="Arial"/>
         </a:defRPr>
       </a:lvl8pPr>
-      <a:lvl9pPr lvl="8" marR="0" rtl="0" algn="l">
+      <a:lvl9pPr marR="0" lvl="8" algn="l" rtl="0">
         <a:lnSpc>
           <a:spcPct val="100000"/>
         </a:lnSpc>
@@ -7695,7 +7893,7 @@
           <a:srgbClr val="000000"/>
         </a:buClr>
         <a:buFont typeface="Arial"/>
-        <a:defRPr b="0" i="0" sz="1400" u="none" cap="none" strike="noStrike">
+        <a:defRPr sz="1400" b="0" i="0" u="none" strike="noStrike" cap="none">
           <a:solidFill>
             <a:srgbClr val="000000"/>
           </a:solidFill>
@@ -7707,7 +7905,7 @@
       </a:lvl9pPr>
     </p:bodyStyle>
     <p:otherStyle>
-      <a:defPPr lvl="0" marR="0" rtl="0" algn="l">
+      <a:defPPr marR="0" lvl="0" algn="l" rtl="0">
         <a:lnSpc>
           <a:spcPct val="100000"/>
         </a:lnSpc>
@@ -7718,7 +7916,7 @@
           <a:spcPts val="0"/>
         </a:spcAft>
       </a:defPPr>
-      <a:lvl1pPr lvl="0" marR="0" rtl="0" algn="l">
+      <a:lvl1pPr marR="0" lvl="0" algn="l" rtl="0">
         <a:lnSpc>
           <a:spcPct val="100000"/>
         </a:lnSpc>
@@ -7732,7 +7930,7 @@
           <a:srgbClr val="000000"/>
         </a:buClr>
         <a:buFont typeface="Arial"/>
-        <a:defRPr b="0" i="0" sz="1400" u="none" cap="none" strike="noStrike">
+        <a:defRPr sz="1400" b="0" i="0" u="none" strike="noStrike" cap="none">
           <a:solidFill>
             <a:srgbClr val="000000"/>
           </a:solidFill>
@@ -7742,7 +7940,7 @@
           <a:sym typeface="Arial"/>
         </a:defRPr>
       </a:lvl1pPr>
-      <a:lvl2pPr lvl="1" marR="0" rtl="0" algn="l">
+      <a:lvl2pPr marR="0" lvl="1" algn="l" rtl="0">
         <a:lnSpc>
           <a:spcPct val="100000"/>
         </a:lnSpc>
@@ -7756,7 +7954,7 @@
           <a:srgbClr val="000000"/>
         </a:buClr>
         <a:buFont typeface="Arial"/>
-        <a:defRPr b="0" i="0" sz="1400" u="none" cap="none" strike="noStrike">
+        <a:defRPr sz="1400" b="0" i="0" u="none" strike="noStrike" cap="none">
           <a:solidFill>
             <a:srgbClr val="000000"/>
           </a:solidFill>
@@ -7766,7 +7964,7 @@
           <a:sym typeface="Arial"/>
         </a:defRPr>
       </a:lvl2pPr>
-      <a:lvl3pPr lvl="2" marR="0" rtl="0" algn="l">
+      <a:lvl3pPr marR="0" lvl="2" algn="l" rtl="0">
         <a:lnSpc>
           <a:spcPct val="100000"/>
         </a:lnSpc>
@@ -7780,7 +7978,7 @@
           <a:srgbClr val="000000"/>
         </a:buClr>
         <a:buFont typeface="Arial"/>
-        <a:defRPr b="0" i="0" sz="1400" u="none" cap="none" strike="noStrike">
+        <a:defRPr sz="1400" b="0" i="0" u="none" strike="noStrike" cap="none">
           <a:solidFill>
             <a:srgbClr val="000000"/>
           </a:solidFill>
@@ -7790,7 +7988,7 @@
           <a:sym typeface="Arial"/>
         </a:defRPr>
       </a:lvl3pPr>
-      <a:lvl4pPr lvl="3" marR="0" rtl="0" algn="l">
+      <a:lvl4pPr marR="0" lvl="3" algn="l" rtl="0">
         <a:lnSpc>
           <a:spcPct val="100000"/>
         </a:lnSpc>
@@ -7804,7 +8002,7 @@
           <a:srgbClr val="000000"/>
         </a:buClr>
         <a:buFont typeface="Arial"/>
-        <a:defRPr b="0" i="0" sz="1400" u="none" cap="none" strike="noStrike">
+        <a:defRPr sz="1400" b="0" i="0" u="none" strike="noStrike" cap="none">
           <a:solidFill>
             <a:srgbClr val="000000"/>
           </a:solidFill>
@@ -7814,7 +8012,7 @@
           <a:sym typeface="Arial"/>
         </a:defRPr>
       </a:lvl4pPr>
-      <a:lvl5pPr lvl="4" marR="0" rtl="0" algn="l">
+      <a:lvl5pPr marR="0" lvl="4" algn="l" rtl="0">
         <a:lnSpc>
           <a:spcPct val="100000"/>
         </a:lnSpc>
@@ -7828,7 +8026,7 @@
           <a:srgbClr val="000000"/>
         </a:buClr>
         <a:buFont typeface="Arial"/>
-        <a:defRPr b="0" i="0" sz="1400" u="none" cap="none" strike="noStrike">
+        <a:defRPr sz="1400" b="0" i="0" u="none" strike="noStrike" cap="none">
           <a:solidFill>
             <a:srgbClr val="000000"/>
           </a:solidFill>
@@ -7838,7 +8036,7 @@
           <a:sym typeface="Arial"/>
         </a:defRPr>
       </a:lvl5pPr>
-      <a:lvl6pPr lvl="5" marR="0" rtl="0" algn="l">
+      <a:lvl6pPr marR="0" lvl="5" algn="l" rtl="0">
         <a:lnSpc>
           <a:spcPct val="100000"/>
         </a:lnSpc>
@@ -7852,7 +8050,7 @@
           <a:srgbClr val="000000"/>
         </a:buClr>
         <a:buFont typeface="Arial"/>
-        <a:defRPr b="0" i="0" sz="1400" u="none" cap="none" strike="noStrike">
+        <a:defRPr sz="1400" b="0" i="0" u="none" strike="noStrike" cap="none">
           <a:solidFill>
             <a:srgbClr val="000000"/>
           </a:solidFill>
@@ -7862,7 +8060,7 @@
           <a:sym typeface="Arial"/>
         </a:defRPr>
       </a:lvl6pPr>
-      <a:lvl7pPr lvl="6" marR="0" rtl="0" algn="l">
+      <a:lvl7pPr marR="0" lvl="6" algn="l" rtl="0">
         <a:lnSpc>
           <a:spcPct val="100000"/>
         </a:lnSpc>
@@ -7876,7 +8074,7 @@
           <a:srgbClr val="000000"/>
         </a:buClr>
         <a:buFont typeface="Arial"/>
-        <a:defRPr b="0" i="0" sz="1400" u="none" cap="none" strike="noStrike">
+        <a:defRPr sz="1400" b="0" i="0" u="none" strike="noStrike" cap="none">
           <a:solidFill>
             <a:srgbClr val="000000"/>
           </a:solidFill>
@@ -7886,7 +8084,7 @@
           <a:sym typeface="Arial"/>
         </a:defRPr>
       </a:lvl7pPr>
-      <a:lvl8pPr lvl="7" marR="0" rtl="0" algn="l">
+      <a:lvl8pPr marR="0" lvl="7" algn="l" rtl="0">
         <a:lnSpc>
           <a:spcPct val="100000"/>
         </a:lnSpc>
@@ -7900,7 +8098,7 @@
           <a:srgbClr val="000000"/>
         </a:buClr>
         <a:buFont typeface="Arial"/>
-        <a:defRPr b="0" i="0" sz="1400" u="none" cap="none" strike="noStrike">
+        <a:defRPr sz="1400" b="0" i="0" u="none" strike="noStrike" cap="none">
           <a:solidFill>
             <a:srgbClr val="000000"/>
           </a:solidFill>
@@ -7910,7 +8108,7 @@
           <a:sym typeface="Arial"/>
         </a:defRPr>
       </a:lvl8pPr>
-      <a:lvl9pPr lvl="8" marR="0" rtl="0" algn="l">
+      <a:lvl9pPr marR="0" lvl="8" algn="l" rtl="0">
         <a:lnSpc>
           <a:spcPct val="100000"/>
         </a:lnSpc>
@@ -7924,7 +8122,7 @@
           <a:srgbClr val="000000"/>
         </a:buClr>
         <a:buFont typeface="Arial"/>
-        <a:defRPr b="0" i="0" sz="1400" u="none" cap="none" strike="noStrike">
+        <a:defRPr sz="1400" b="0" i="0" u="none" strike="noStrike" cap="none">
           <a:solidFill>
             <a:srgbClr val="000000"/>
           </a:solidFill>
@@ -7940,18 +8138,19 @@
 </file>
 
 <file path=ppt/slideMasters/slideMaster2.xml><?xml version="1.0" encoding="utf-8"?>
-<p:sldMaster xmlns:a="http://schemas.openxmlformats.org/drawingml/2006/main" xmlns:r="http://schemas.openxmlformats.org/officeDocument/2006/relationships" xmlns:mc="http://schemas.openxmlformats.org/markup-compatibility/2006" xmlns:mv="urn:schemas-microsoft-com:mac:vml" xmlns:p="http://schemas.openxmlformats.org/presentationml/2006/main" xmlns:c="http://schemas.openxmlformats.org/drawingml/2006/chart" xmlns:dgm="http://schemas.openxmlformats.org/drawingml/2006/diagram" xmlns:o="urn:schemas-microsoft-com:office:office" xmlns:v="urn:schemas-microsoft-com:vml" xmlns:pvml="urn:schemas-microsoft-com:office:powerpoint" xmlns:com="http://schemas.openxmlformats.org/drawingml/2006/compatibility" xmlns:p14="http://schemas.microsoft.com/office/powerpoint/2010/main" xmlns:p15="http://schemas.microsoft.com/office/powerpoint/2012/main" xmlns:ahyp="http://schemas.microsoft.com/office/drawing/2018/hyperlinkcolor">
+<p:sldMaster xmlns:a="http://schemas.openxmlformats.org/drawingml/2006/main" xmlns:r="http://schemas.openxmlformats.org/officeDocument/2006/relationships" xmlns:p="http://schemas.openxmlformats.org/presentationml/2006/main">
   <p:cSld>
     <p:bg>
       <p:bgPr>
         <a:solidFill>
           <a:schemeClr val="lt1"/>
         </a:solidFill>
+        <a:effectLst/>
       </p:bgPr>
     </p:bg>
     <p:spTree>
       <p:nvGrpSpPr>
-        <p:cNvPr id="50" name="Shape 50"/>
+        <p:cNvPr id="1" name="Shape 50"/>
         <p:cNvGrpSpPr/>
         <p:nvPr/>
       </p:nvGrpSpPr>
@@ -7966,7 +8165,9 @@
       <p:sp>
         <p:nvSpPr>
           <p:cNvPr id="51" name="Google Shape;51;p13"/>
-          <p:cNvSpPr txBox="1"/>
+          <p:cNvSpPr txBox="1">
+            <a:spLocks noGrp="1"/>
+          </p:cNvSpPr>
           <p:nvPr>
             <p:ph type="title"/>
           </p:nvPr>
@@ -7985,11 +8186,11 @@
           </a:ln>
         </p:spPr>
         <p:txBody>
-          <a:bodyPr anchorCtr="0" anchor="ctr" bIns="34275" lIns="68575" spcFirstLastPara="1" rIns="68575" wrap="square" tIns="34275">
+          <a:bodyPr spcFirstLastPara="1" wrap="square" lIns="68575" tIns="34275" rIns="68575" bIns="34275" anchor="ctr" anchorCtr="0">
             <a:normAutofit/>
           </a:bodyPr>
           <a:lstStyle>
-            <a:lvl1pPr lvl="0" marR="0" rtl="0" algn="l">
+            <a:lvl1pPr marR="0" lvl="0" algn="l" rtl="0">
               <a:lnSpc>
                 <a:spcPct val="90000"/>
               </a:lnSpc>
@@ -8005,7 +8206,7 @@
               <a:buSzPts val="3300"/>
               <a:buFont typeface="Calibri"/>
               <a:buNone/>
-              <a:defRPr b="0" i="0" sz="3300" u="none" cap="none" strike="noStrike">
+              <a:defRPr sz="3300" b="0" i="0" u="none" strike="noStrike" cap="none">
                 <a:solidFill>
                   <a:schemeClr val="dk1"/>
                 </a:solidFill>
@@ -8104,15 +8305,19 @@
               <a:defRPr sz="1400"/>
             </a:lvl9pPr>
           </a:lstStyle>
-          <a:p/>
+          <a:p>
+            <a:endParaRPr/>
+          </a:p>
         </p:txBody>
       </p:sp>
       <p:sp>
         <p:nvSpPr>
           <p:cNvPr id="52" name="Google Shape;52;p13"/>
-          <p:cNvSpPr txBox="1"/>
+          <p:cNvSpPr txBox="1">
+            <a:spLocks noGrp="1"/>
+          </p:cNvSpPr>
           <p:nvPr>
-            <p:ph idx="1" type="body"/>
+            <p:ph type="body" idx="1"/>
           </p:nvPr>
         </p:nvSpPr>
         <p:spPr>
@@ -8129,11 +8334,11 @@
           </a:ln>
         </p:spPr>
         <p:txBody>
-          <a:bodyPr anchorCtr="0" anchor="t" bIns="34275" lIns="68575" spcFirstLastPara="1" rIns="68575" wrap="square" tIns="34275">
+          <a:bodyPr spcFirstLastPara="1" wrap="square" lIns="68575" tIns="34275" rIns="68575" bIns="34275" anchor="t" anchorCtr="0">
             <a:normAutofit/>
           </a:bodyPr>
           <a:lstStyle>
-            <a:lvl1pPr indent="-361950" lvl="0" marL="457200" marR="0" rtl="0" algn="l">
+            <a:lvl1pPr marL="457200" marR="0" lvl="0" indent="-361950" algn="l" rtl="0">
               <a:lnSpc>
                 <a:spcPct val="90000"/>
               </a:lnSpc>
@@ -8149,7 +8354,7 @@
               <a:buSzPts val="2100"/>
               <a:buFont typeface="Arial"/>
               <a:buChar char="•"/>
-              <a:defRPr b="0" i="0" sz="2100" u="none" cap="none" strike="noStrike">
+              <a:defRPr sz="2100" b="0" i="0" u="none" strike="noStrike" cap="none">
                 <a:solidFill>
                   <a:schemeClr val="dk1"/>
                 </a:solidFill>
@@ -8159,7 +8364,7 @@
                 <a:sym typeface="Calibri"/>
               </a:defRPr>
             </a:lvl1pPr>
-            <a:lvl2pPr indent="-342900" lvl="1" marL="914400" marR="0" rtl="0" algn="l">
+            <a:lvl2pPr marL="914400" marR="0" lvl="1" indent="-342900" algn="l" rtl="0">
               <a:lnSpc>
                 <a:spcPct val="90000"/>
               </a:lnSpc>
@@ -8175,7 +8380,7 @@
               <a:buSzPts val="1800"/>
               <a:buFont typeface="Arial"/>
               <a:buChar char="•"/>
-              <a:defRPr b="0" i="0" sz="1800" u="none" cap="none" strike="noStrike">
+              <a:defRPr sz="1800" b="0" i="0" u="none" strike="noStrike" cap="none">
                 <a:solidFill>
                   <a:schemeClr val="dk1"/>
                 </a:solidFill>
@@ -8185,7 +8390,7 @@
                 <a:sym typeface="Calibri"/>
               </a:defRPr>
             </a:lvl2pPr>
-            <a:lvl3pPr indent="-323850" lvl="2" marL="1371600" marR="0" rtl="0" algn="l">
+            <a:lvl3pPr marL="1371600" marR="0" lvl="2" indent="-323850" algn="l" rtl="0">
               <a:lnSpc>
                 <a:spcPct val="90000"/>
               </a:lnSpc>
@@ -8201,7 +8406,7 @@
               <a:buSzPts val="1500"/>
               <a:buFont typeface="Arial"/>
               <a:buChar char="•"/>
-              <a:defRPr b="0" i="0" sz="1500" u="none" cap="none" strike="noStrike">
+              <a:defRPr sz="1500" b="0" i="0" u="none" strike="noStrike" cap="none">
                 <a:solidFill>
                   <a:schemeClr val="dk1"/>
                 </a:solidFill>
@@ -8211,7 +8416,7 @@
                 <a:sym typeface="Calibri"/>
               </a:defRPr>
             </a:lvl3pPr>
-            <a:lvl4pPr indent="-317500" lvl="3" marL="1828800" marR="0" rtl="0" algn="l">
+            <a:lvl4pPr marL="1828800" marR="0" lvl="3" indent="-317500" algn="l" rtl="0">
               <a:lnSpc>
                 <a:spcPct val="90000"/>
               </a:lnSpc>
@@ -8227,7 +8432,7 @@
               <a:buSzPts val="1400"/>
               <a:buFont typeface="Arial"/>
               <a:buChar char="•"/>
-              <a:defRPr b="0" i="0" sz="1400" u="none" cap="none" strike="noStrike">
+              <a:defRPr sz="1400" b="0" i="0" u="none" strike="noStrike" cap="none">
                 <a:solidFill>
                   <a:schemeClr val="dk1"/>
                 </a:solidFill>
@@ -8237,7 +8442,7 @@
                 <a:sym typeface="Calibri"/>
               </a:defRPr>
             </a:lvl4pPr>
-            <a:lvl5pPr indent="-317500" lvl="4" marL="2286000" marR="0" rtl="0" algn="l">
+            <a:lvl5pPr marL="2286000" marR="0" lvl="4" indent="-317500" algn="l" rtl="0">
               <a:lnSpc>
                 <a:spcPct val="90000"/>
               </a:lnSpc>
@@ -8253,7 +8458,7 @@
               <a:buSzPts val="1400"/>
               <a:buFont typeface="Arial"/>
               <a:buChar char="•"/>
-              <a:defRPr b="0" i="0" sz="1400" u="none" cap="none" strike="noStrike">
+              <a:defRPr sz="1400" b="0" i="0" u="none" strike="noStrike" cap="none">
                 <a:solidFill>
                   <a:schemeClr val="dk1"/>
                 </a:solidFill>
@@ -8263,7 +8468,7 @@
                 <a:sym typeface="Calibri"/>
               </a:defRPr>
             </a:lvl5pPr>
-            <a:lvl6pPr indent="-317500" lvl="5" marL="2743200" marR="0" rtl="0" algn="l">
+            <a:lvl6pPr marL="2743200" marR="0" lvl="5" indent="-317500" algn="l" rtl="0">
               <a:lnSpc>
                 <a:spcPct val="90000"/>
               </a:lnSpc>
@@ -8279,7 +8484,7 @@
               <a:buSzPts val="1400"/>
               <a:buFont typeface="Arial"/>
               <a:buChar char="•"/>
-              <a:defRPr b="0" i="0" sz="1400" u="none" cap="none" strike="noStrike">
+              <a:defRPr sz="1400" b="0" i="0" u="none" strike="noStrike" cap="none">
                 <a:solidFill>
                   <a:schemeClr val="dk1"/>
                 </a:solidFill>
@@ -8289,7 +8494,7 @@
                 <a:sym typeface="Calibri"/>
               </a:defRPr>
             </a:lvl6pPr>
-            <a:lvl7pPr indent="-317500" lvl="6" marL="3200400" marR="0" rtl="0" algn="l">
+            <a:lvl7pPr marL="3200400" marR="0" lvl="6" indent="-317500" algn="l" rtl="0">
               <a:lnSpc>
                 <a:spcPct val="90000"/>
               </a:lnSpc>
@@ -8305,7 +8510,7 @@
               <a:buSzPts val="1400"/>
               <a:buFont typeface="Arial"/>
               <a:buChar char="•"/>
-              <a:defRPr b="0" i="0" sz="1400" u="none" cap="none" strike="noStrike">
+              <a:defRPr sz="1400" b="0" i="0" u="none" strike="noStrike" cap="none">
                 <a:solidFill>
                   <a:schemeClr val="dk1"/>
                 </a:solidFill>
@@ -8315,7 +8520,7 @@
                 <a:sym typeface="Calibri"/>
               </a:defRPr>
             </a:lvl7pPr>
-            <a:lvl8pPr indent="-317500" lvl="7" marL="3657600" marR="0" rtl="0" algn="l">
+            <a:lvl8pPr marL="3657600" marR="0" lvl="7" indent="-317500" algn="l" rtl="0">
               <a:lnSpc>
                 <a:spcPct val="90000"/>
               </a:lnSpc>
@@ -8331,7 +8536,7 @@
               <a:buSzPts val="1400"/>
               <a:buFont typeface="Arial"/>
               <a:buChar char="•"/>
-              <a:defRPr b="0" i="0" sz="1400" u="none" cap="none" strike="noStrike">
+              <a:defRPr sz="1400" b="0" i="0" u="none" strike="noStrike" cap="none">
                 <a:solidFill>
                   <a:schemeClr val="dk1"/>
                 </a:solidFill>
@@ -8341,7 +8546,7 @@
                 <a:sym typeface="Calibri"/>
               </a:defRPr>
             </a:lvl8pPr>
-            <a:lvl9pPr indent="-317500" lvl="8" marL="4114800" marR="0" rtl="0" algn="l">
+            <a:lvl9pPr marL="4114800" marR="0" lvl="8" indent="-317500" algn="l" rtl="0">
               <a:lnSpc>
                 <a:spcPct val="90000"/>
               </a:lnSpc>
@@ -8357,7 +8562,7 @@
               <a:buSzPts val="1400"/>
               <a:buFont typeface="Arial"/>
               <a:buChar char="•"/>
-              <a:defRPr b="0" i="0" sz="1400" u="none" cap="none" strike="noStrike">
+              <a:defRPr sz="1400" b="0" i="0" u="none" strike="noStrike" cap="none">
                 <a:solidFill>
                   <a:schemeClr val="dk1"/>
                 </a:solidFill>
@@ -8368,15 +8573,19 @@
               </a:defRPr>
             </a:lvl9pPr>
           </a:lstStyle>
-          <a:p/>
+          <a:p>
+            <a:endParaRPr/>
+          </a:p>
         </p:txBody>
       </p:sp>
       <p:sp>
         <p:nvSpPr>
           <p:cNvPr id="53" name="Google Shape;53;p13"/>
-          <p:cNvSpPr txBox="1"/>
+          <p:cNvSpPr txBox="1">
+            <a:spLocks noGrp="1"/>
+          </p:cNvSpPr>
           <p:nvPr>
-            <p:ph idx="10" type="dt"/>
+            <p:ph type="dt" idx="10"/>
           </p:nvPr>
         </p:nvSpPr>
         <p:spPr>
@@ -8393,11 +8602,11 @@
           </a:ln>
         </p:spPr>
         <p:txBody>
-          <a:bodyPr anchorCtr="0" anchor="ctr" bIns="34275" lIns="68575" spcFirstLastPara="1" rIns="68575" wrap="square" tIns="34275">
+          <a:bodyPr spcFirstLastPara="1" wrap="square" lIns="68575" tIns="34275" rIns="68575" bIns="34275" anchor="ctr" anchorCtr="0">
             <a:noAutofit/>
           </a:bodyPr>
           <a:lstStyle>
-            <a:lvl1pPr lvl="0" marR="0" rtl="0" algn="l">
+            <a:lvl1pPr marR="0" lvl="0" algn="l" rtl="0">
               <a:spcBef>
                 <a:spcPts val="0"/>
               </a:spcBef>
@@ -8406,7 +8615,7 @@
               </a:spcAft>
               <a:buSzPts val="1100"/>
               <a:buNone/>
-              <a:defRPr b="0" i="0" sz="900" u="none" cap="none" strike="noStrike">
+              <a:defRPr sz="900" b="0" i="0" u="none" strike="noStrike" cap="none">
                 <a:solidFill>
                   <a:srgbClr val="888888"/>
                 </a:solidFill>
@@ -8416,7 +8625,7 @@
                 <a:sym typeface="Calibri"/>
               </a:defRPr>
             </a:lvl1pPr>
-            <a:lvl2pPr lvl="1" marR="0" rtl="0" algn="l">
+            <a:lvl2pPr marR="0" lvl="1" algn="l" rtl="0">
               <a:spcBef>
                 <a:spcPts val="0"/>
               </a:spcBef>
@@ -8425,7 +8634,7 @@
               </a:spcAft>
               <a:buSzPts val="1100"/>
               <a:buNone/>
-              <a:defRPr b="0" i="0" sz="1400" u="none" cap="none" strike="noStrike">
+              <a:defRPr sz="1400" b="0" i="0" u="none" strike="noStrike" cap="none">
                 <a:solidFill>
                   <a:schemeClr val="dk1"/>
                 </a:solidFill>
@@ -8435,7 +8644,7 @@
                 <a:sym typeface="Calibri"/>
               </a:defRPr>
             </a:lvl2pPr>
-            <a:lvl3pPr lvl="2" marR="0" rtl="0" algn="l">
+            <a:lvl3pPr marR="0" lvl="2" algn="l" rtl="0">
               <a:spcBef>
                 <a:spcPts val="0"/>
               </a:spcBef>
@@ -8444,7 +8653,7 @@
               </a:spcAft>
               <a:buSzPts val="1100"/>
               <a:buNone/>
-              <a:defRPr b="0" i="0" sz="1400" u="none" cap="none" strike="noStrike">
+              <a:defRPr sz="1400" b="0" i="0" u="none" strike="noStrike" cap="none">
                 <a:solidFill>
                   <a:schemeClr val="dk1"/>
                 </a:solidFill>
@@ -8454,7 +8663,7 @@
                 <a:sym typeface="Calibri"/>
               </a:defRPr>
             </a:lvl3pPr>
-            <a:lvl4pPr lvl="3" marR="0" rtl="0" algn="l">
+            <a:lvl4pPr marR="0" lvl="3" algn="l" rtl="0">
               <a:spcBef>
                 <a:spcPts val="0"/>
               </a:spcBef>
@@ -8463,7 +8672,7 @@
               </a:spcAft>
               <a:buSzPts val="1100"/>
               <a:buNone/>
-              <a:defRPr b="0" i="0" sz="1400" u="none" cap="none" strike="noStrike">
+              <a:defRPr sz="1400" b="0" i="0" u="none" strike="noStrike" cap="none">
                 <a:solidFill>
                   <a:schemeClr val="dk1"/>
                 </a:solidFill>
@@ -8473,7 +8682,7 @@
                 <a:sym typeface="Calibri"/>
               </a:defRPr>
             </a:lvl4pPr>
-            <a:lvl5pPr lvl="4" marR="0" rtl="0" algn="l">
+            <a:lvl5pPr marR="0" lvl="4" algn="l" rtl="0">
               <a:spcBef>
                 <a:spcPts val="0"/>
               </a:spcBef>
@@ -8482,7 +8691,7 @@
               </a:spcAft>
               <a:buSzPts val="1100"/>
               <a:buNone/>
-              <a:defRPr b="0" i="0" sz="1400" u="none" cap="none" strike="noStrike">
+              <a:defRPr sz="1400" b="0" i="0" u="none" strike="noStrike" cap="none">
                 <a:solidFill>
                   <a:schemeClr val="dk1"/>
                 </a:solidFill>
@@ -8492,7 +8701,7 @@
                 <a:sym typeface="Calibri"/>
               </a:defRPr>
             </a:lvl5pPr>
-            <a:lvl6pPr lvl="5" marR="0" rtl="0" algn="l">
+            <a:lvl6pPr marR="0" lvl="5" algn="l" rtl="0">
               <a:spcBef>
                 <a:spcPts val="0"/>
               </a:spcBef>
@@ -8501,7 +8710,7 @@
               </a:spcAft>
               <a:buSzPts val="1100"/>
               <a:buNone/>
-              <a:defRPr b="0" i="0" sz="1400" u="none" cap="none" strike="noStrike">
+              <a:defRPr sz="1400" b="0" i="0" u="none" strike="noStrike" cap="none">
                 <a:solidFill>
                   <a:schemeClr val="dk1"/>
                 </a:solidFill>
@@ -8511,7 +8720,7 @@
                 <a:sym typeface="Calibri"/>
               </a:defRPr>
             </a:lvl6pPr>
-            <a:lvl7pPr lvl="6" marR="0" rtl="0" algn="l">
+            <a:lvl7pPr marR="0" lvl="6" algn="l" rtl="0">
               <a:spcBef>
                 <a:spcPts val="0"/>
               </a:spcBef>
@@ -8520,7 +8729,7 @@
               </a:spcAft>
               <a:buSzPts val="1100"/>
               <a:buNone/>
-              <a:defRPr b="0" i="0" sz="1400" u="none" cap="none" strike="noStrike">
+              <a:defRPr sz="1400" b="0" i="0" u="none" strike="noStrike" cap="none">
                 <a:solidFill>
                   <a:schemeClr val="dk1"/>
                 </a:solidFill>
@@ -8530,7 +8739,7 @@
                 <a:sym typeface="Calibri"/>
               </a:defRPr>
             </a:lvl7pPr>
-            <a:lvl8pPr lvl="7" marR="0" rtl="0" algn="l">
+            <a:lvl8pPr marR="0" lvl="7" algn="l" rtl="0">
               <a:spcBef>
                 <a:spcPts val="0"/>
               </a:spcBef>
@@ -8539,7 +8748,7 @@
               </a:spcAft>
               <a:buSzPts val="1100"/>
               <a:buNone/>
-              <a:defRPr b="0" i="0" sz="1400" u="none" cap="none" strike="noStrike">
+              <a:defRPr sz="1400" b="0" i="0" u="none" strike="noStrike" cap="none">
                 <a:solidFill>
                   <a:schemeClr val="dk1"/>
                 </a:solidFill>
@@ -8549,7 +8758,7 @@
                 <a:sym typeface="Calibri"/>
               </a:defRPr>
             </a:lvl8pPr>
-            <a:lvl9pPr lvl="8" marR="0" rtl="0" algn="l">
+            <a:lvl9pPr marR="0" lvl="8" algn="l" rtl="0">
               <a:spcBef>
                 <a:spcPts val="0"/>
               </a:spcBef>
@@ -8558,7 +8767,7 @@
               </a:spcAft>
               <a:buSzPts val="1100"/>
               <a:buNone/>
-              <a:defRPr b="0" i="0" sz="1400" u="none" cap="none" strike="noStrike">
+              <a:defRPr sz="1400" b="0" i="0" u="none" strike="noStrike" cap="none">
                 <a:solidFill>
                   <a:schemeClr val="dk1"/>
                 </a:solidFill>
@@ -8569,15 +8778,19 @@
               </a:defRPr>
             </a:lvl9pPr>
           </a:lstStyle>
-          <a:p/>
+          <a:p>
+            <a:endParaRPr/>
+          </a:p>
         </p:txBody>
       </p:sp>
       <p:sp>
         <p:nvSpPr>
           <p:cNvPr id="54" name="Google Shape;54;p13"/>
-          <p:cNvSpPr txBox="1"/>
+          <p:cNvSpPr txBox="1">
+            <a:spLocks noGrp="1"/>
+          </p:cNvSpPr>
           <p:nvPr>
-            <p:ph idx="11" type="ftr"/>
+            <p:ph type="ftr" idx="11"/>
           </p:nvPr>
         </p:nvSpPr>
         <p:spPr>
@@ -8594,11 +8807,11 @@
           </a:ln>
         </p:spPr>
         <p:txBody>
-          <a:bodyPr anchorCtr="0" anchor="ctr" bIns="34275" lIns="68575" spcFirstLastPara="1" rIns="68575" wrap="square" tIns="34275">
+          <a:bodyPr spcFirstLastPara="1" wrap="square" lIns="68575" tIns="34275" rIns="68575" bIns="34275" anchor="ctr" anchorCtr="0">
             <a:noAutofit/>
           </a:bodyPr>
           <a:lstStyle>
-            <a:lvl1pPr lvl="0" marR="0" rtl="0" algn="ctr">
+            <a:lvl1pPr marR="0" lvl="0" algn="ctr" rtl="0">
               <a:spcBef>
                 <a:spcPts val="0"/>
               </a:spcBef>
@@ -8607,7 +8820,7 @@
               </a:spcAft>
               <a:buSzPts val="1100"/>
               <a:buNone/>
-              <a:defRPr b="0" i="0" sz="900" u="none" cap="none" strike="noStrike">
+              <a:defRPr sz="900" b="0" i="0" u="none" strike="noStrike" cap="none">
                 <a:solidFill>
                   <a:srgbClr val="888888"/>
                 </a:solidFill>
@@ -8617,7 +8830,7 @@
                 <a:sym typeface="Calibri"/>
               </a:defRPr>
             </a:lvl1pPr>
-            <a:lvl2pPr lvl="1" marR="0" rtl="0" algn="l">
+            <a:lvl2pPr marR="0" lvl="1" algn="l" rtl="0">
               <a:spcBef>
                 <a:spcPts val="0"/>
               </a:spcBef>
@@ -8626,7 +8839,7 @@
               </a:spcAft>
               <a:buSzPts val="1100"/>
               <a:buNone/>
-              <a:defRPr b="0" i="0" sz="1400" u="none" cap="none" strike="noStrike">
+              <a:defRPr sz="1400" b="0" i="0" u="none" strike="noStrike" cap="none">
                 <a:solidFill>
                   <a:schemeClr val="dk1"/>
                 </a:solidFill>
@@ -8636,7 +8849,7 @@
                 <a:sym typeface="Calibri"/>
               </a:defRPr>
             </a:lvl2pPr>
-            <a:lvl3pPr lvl="2" marR="0" rtl="0" algn="l">
+            <a:lvl3pPr marR="0" lvl="2" algn="l" rtl="0">
               <a:spcBef>
                 <a:spcPts val="0"/>
               </a:spcBef>
@@ -8645,7 +8858,7 @@
               </a:spcAft>
               <a:buSzPts val="1100"/>
               <a:buNone/>
-              <a:defRPr b="0" i="0" sz="1400" u="none" cap="none" strike="noStrike">
+              <a:defRPr sz="1400" b="0" i="0" u="none" strike="noStrike" cap="none">
                 <a:solidFill>
                   <a:schemeClr val="dk1"/>
                 </a:solidFill>
@@ -8655,7 +8868,7 @@
                 <a:sym typeface="Calibri"/>
               </a:defRPr>
             </a:lvl3pPr>
-            <a:lvl4pPr lvl="3" marR="0" rtl="0" algn="l">
+            <a:lvl4pPr marR="0" lvl="3" algn="l" rtl="0">
               <a:spcBef>
                 <a:spcPts val="0"/>
               </a:spcBef>
@@ -8664,7 +8877,7 @@
               </a:spcAft>
               <a:buSzPts val="1100"/>
               <a:buNone/>
-              <a:defRPr b="0" i="0" sz="1400" u="none" cap="none" strike="noStrike">
+              <a:defRPr sz="1400" b="0" i="0" u="none" strike="noStrike" cap="none">
                 <a:solidFill>
                   <a:schemeClr val="dk1"/>
                 </a:solidFill>
@@ -8674,7 +8887,7 @@
                 <a:sym typeface="Calibri"/>
               </a:defRPr>
             </a:lvl4pPr>
-            <a:lvl5pPr lvl="4" marR="0" rtl="0" algn="l">
+            <a:lvl5pPr marR="0" lvl="4" algn="l" rtl="0">
               <a:spcBef>
                 <a:spcPts val="0"/>
               </a:spcBef>
@@ -8683,7 +8896,7 @@
               </a:spcAft>
               <a:buSzPts val="1100"/>
               <a:buNone/>
-              <a:defRPr b="0" i="0" sz="1400" u="none" cap="none" strike="noStrike">
+              <a:defRPr sz="1400" b="0" i="0" u="none" strike="noStrike" cap="none">
                 <a:solidFill>
                   <a:schemeClr val="dk1"/>
                 </a:solidFill>
@@ -8693,7 +8906,7 @@
                 <a:sym typeface="Calibri"/>
               </a:defRPr>
             </a:lvl5pPr>
-            <a:lvl6pPr lvl="5" marR="0" rtl="0" algn="l">
+            <a:lvl6pPr marR="0" lvl="5" algn="l" rtl="0">
               <a:spcBef>
                 <a:spcPts val="0"/>
               </a:spcBef>
@@ -8702,7 +8915,7 @@
               </a:spcAft>
               <a:buSzPts val="1100"/>
               <a:buNone/>
-              <a:defRPr b="0" i="0" sz="1400" u="none" cap="none" strike="noStrike">
+              <a:defRPr sz="1400" b="0" i="0" u="none" strike="noStrike" cap="none">
                 <a:solidFill>
                   <a:schemeClr val="dk1"/>
                 </a:solidFill>
@@ -8712,7 +8925,7 @@
                 <a:sym typeface="Calibri"/>
               </a:defRPr>
             </a:lvl6pPr>
-            <a:lvl7pPr lvl="6" marR="0" rtl="0" algn="l">
+            <a:lvl7pPr marR="0" lvl="6" algn="l" rtl="0">
               <a:spcBef>
                 <a:spcPts val="0"/>
               </a:spcBef>
@@ -8721,7 +8934,7 @@
               </a:spcAft>
               <a:buSzPts val="1100"/>
               <a:buNone/>
-              <a:defRPr b="0" i="0" sz="1400" u="none" cap="none" strike="noStrike">
+              <a:defRPr sz="1400" b="0" i="0" u="none" strike="noStrike" cap="none">
                 <a:solidFill>
                   <a:schemeClr val="dk1"/>
                 </a:solidFill>
@@ -8731,7 +8944,7 @@
                 <a:sym typeface="Calibri"/>
               </a:defRPr>
             </a:lvl7pPr>
-            <a:lvl8pPr lvl="7" marR="0" rtl="0" algn="l">
+            <a:lvl8pPr marR="0" lvl="7" algn="l" rtl="0">
               <a:spcBef>
                 <a:spcPts val="0"/>
               </a:spcBef>
@@ -8740,7 +8953,7 @@
               </a:spcAft>
               <a:buSzPts val="1100"/>
               <a:buNone/>
-              <a:defRPr b="0" i="0" sz="1400" u="none" cap="none" strike="noStrike">
+              <a:defRPr sz="1400" b="0" i="0" u="none" strike="noStrike" cap="none">
                 <a:solidFill>
                   <a:schemeClr val="dk1"/>
                 </a:solidFill>
@@ -8750,7 +8963,7 @@
                 <a:sym typeface="Calibri"/>
               </a:defRPr>
             </a:lvl8pPr>
-            <a:lvl9pPr lvl="8" marR="0" rtl="0" algn="l">
+            <a:lvl9pPr marR="0" lvl="8" algn="l" rtl="0">
               <a:spcBef>
                 <a:spcPts val="0"/>
               </a:spcBef>
@@ -8759,7 +8972,7 @@
               </a:spcAft>
               <a:buSzPts val="1100"/>
               <a:buNone/>
-              <a:defRPr b="0" i="0" sz="1400" u="none" cap="none" strike="noStrike">
+              <a:defRPr sz="1400" b="0" i="0" u="none" strike="noStrike" cap="none">
                 <a:solidFill>
                   <a:schemeClr val="dk1"/>
                 </a:solidFill>
@@ -8770,15 +8983,19 @@
               </a:defRPr>
             </a:lvl9pPr>
           </a:lstStyle>
-          <a:p/>
+          <a:p>
+            <a:endParaRPr/>
+          </a:p>
         </p:txBody>
       </p:sp>
       <p:sp>
         <p:nvSpPr>
           <p:cNvPr id="55" name="Google Shape;55;p13"/>
-          <p:cNvSpPr txBox="1"/>
+          <p:cNvSpPr txBox="1">
+            <a:spLocks noGrp="1"/>
+          </p:cNvSpPr>
           <p:nvPr>
-            <p:ph idx="12" type="sldNum"/>
+            <p:ph type="sldNum" idx="12"/>
           </p:nvPr>
         </p:nvSpPr>
         <p:spPr>
@@ -8795,16 +9012,16 @@
           </a:ln>
         </p:spPr>
         <p:txBody>
-          <a:bodyPr anchorCtr="0" anchor="ctr" bIns="34275" lIns="68575" spcFirstLastPara="1" rIns="68575" wrap="square" tIns="34275">
+          <a:bodyPr spcFirstLastPara="1" wrap="square" lIns="68575" tIns="34275" rIns="68575" bIns="34275" anchor="ctr" anchorCtr="0">
             <a:noAutofit/>
           </a:bodyPr>
           <a:lstStyle>
-            <a:lvl1pPr indent="0" lvl="0" marL="0" marR="0" rtl="0" algn="r">
-              <a:spcBef>
-                <a:spcPts val="0"/>
-              </a:spcBef>
-              <a:buNone/>
-              <a:defRPr b="0" i="0" sz="900" u="none" cap="none" strike="noStrike">
+            <a:lvl1pPr marL="0" marR="0" lvl="0" indent="0" algn="r" rtl="0">
+              <a:spcBef>
+                <a:spcPts val="0"/>
+              </a:spcBef>
+              <a:buNone/>
+              <a:defRPr sz="900" b="0" i="0" u="none" strike="noStrike" cap="none">
                 <a:solidFill>
                   <a:srgbClr val="888888"/>
                 </a:solidFill>
@@ -8814,12 +9031,12 @@
                 <a:sym typeface="Calibri"/>
               </a:defRPr>
             </a:lvl1pPr>
-            <a:lvl2pPr indent="0" lvl="1" marL="0" marR="0" rtl="0" algn="r">
-              <a:spcBef>
-                <a:spcPts val="0"/>
-              </a:spcBef>
-              <a:buNone/>
-              <a:defRPr b="0" i="0" sz="900" u="none" cap="none" strike="noStrike">
+            <a:lvl2pPr marL="0" marR="0" lvl="1" indent="0" algn="r" rtl="0">
+              <a:spcBef>
+                <a:spcPts val="0"/>
+              </a:spcBef>
+              <a:buNone/>
+              <a:defRPr sz="900" b="0" i="0" u="none" strike="noStrike" cap="none">
                 <a:solidFill>
                   <a:srgbClr val="888888"/>
                 </a:solidFill>
@@ -8829,12 +9046,12 @@
                 <a:sym typeface="Calibri"/>
               </a:defRPr>
             </a:lvl2pPr>
-            <a:lvl3pPr indent="0" lvl="2" marL="0" marR="0" rtl="0" algn="r">
-              <a:spcBef>
-                <a:spcPts val="0"/>
-              </a:spcBef>
-              <a:buNone/>
-              <a:defRPr b="0" i="0" sz="900" u="none" cap="none" strike="noStrike">
+            <a:lvl3pPr marL="0" marR="0" lvl="2" indent="0" algn="r" rtl="0">
+              <a:spcBef>
+                <a:spcPts val="0"/>
+              </a:spcBef>
+              <a:buNone/>
+              <a:defRPr sz="900" b="0" i="0" u="none" strike="noStrike" cap="none">
                 <a:solidFill>
                   <a:srgbClr val="888888"/>
                 </a:solidFill>
@@ -8844,12 +9061,12 @@
                 <a:sym typeface="Calibri"/>
               </a:defRPr>
             </a:lvl3pPr>
-            <a:lvl4pPr indent="0" lvl="3" marL="0" marR="0" rtl="0" algn="r">
-              <a:spcBef>
-                <a:spcPts val="0"/>
-              </a:spcBef>
-              <a:buNone/>
-              <a:defRPr b="0" i="0" sz="900" u="none" cap="none" strike="noStrike">
+            <a:lvl4pPr marL="0" marR="0" lvl="3" indent="0" algn="r" rtl="0">
+              <a:spcBef>
+                <a:spcPts val="0"/>
+              </a:spcBef>
+              <a:buNone/>
+              <a:defRPr sz="900" b="0" i="0" u="none" strike="noStrike" cap="none">
                 <a:solidFill>
                   <a:srgbClr val="888888"/>
                 </a:solidFill>
@@ -8859,12 +9076,12 @@
                 <a:sym typeface="Calibri"/>
               </a:defRPr>
             </a:lvl4pPr>
-            <a:lvl5pPr indent="0" lvl="4" marL="0" marR="0" rtl="0" algn="r">
-              <a:spcBef>
-                <a:spcPts val="0"/>
-              </a:spcBef>
-              <a:buNone/>
-              <a:defRPr b="0" i="0" sz="900" u="none" cap="none" strike="noStrike">
+            <a:lvl5pPr marL="0" marR="0" lvl="4" indent="0" algn="r" rtl="0">
+              <a:spcBef>
+                <a:spcPts val="0"/>
+              </a:spcBef>
+              <a:buNone/>
+              <a:defRPr sz="900" b="0" i="0" u="none" strike="noStrike" cap="none">
                 <a:solidFill>
                   <a:srgbClr val="888888"/>
                 </a:solidFill>
@@ -8874,12 +9091,12 @@
                 <a:sym typeface="Calibri"/>
               </a:defRPr>
             </a:lvl5pPr>
-            <a:lvl6pPr indent="0" lvl="5" marL="0" marR="0" rtl="0" algn="r">
-              <a:spcBef>
-                <a:spcPts val="0"/>
-              </a:spcBef>
-              <a:buNone/>
-              <a:defRPr b="0" i="0" sz="900" u="none" cap="none" strike="noStrike">
+            <a:lvl6pPr marL="0" marR="0" lvl="5" indent="0" algn="r" rtl="0">
+              <a:spcBef>
+                <a:spcPts val="0"/>
+              </a:spcBef>
+              <a:buNone/>
+              <a:defRPr sz="900" b="0" i="0" u="none" strike="noStrike" cap="none">
                 <a:solidFill>
                   <a:srgbClr val="888888"/>
                 </a:solidFill>
@@ -8889,12 +9106,12 @@
                 <a:sym typeface="Calibri"/>
               </a:defRPr>
             </a:lvl6pPr>
-            <a:lvl7pPr indent="0" lvl="6" marL="0" marR="0" rtl="0" algn="r">
-              <a:spcBef>
-                <a:spcPts val="0"/>
-              </a:spcBef>
-              <a:buNone/>
-              <a:defRPr b="0" i="0" sz="900" u="none" cap="none" strike="noStrike">
+            <a:lvl7pPr marL="0" marR="0" lvl="6" indent="0" algn="r" rtl="0">
+              <a:spcBef>
+                <a:spcPts val="0"/>
+              </a:spcBef>
+              <a:buNone/>
+              <a:defRPr sz="900" b="0" i="0" u="none" strike="noStrike" cap="none">
                 <a:solidFill>
                   <a:srgbClr val="888888"/>
                 </a:solidFill>
@@ -8904,12 +9121,12 @@
                 <a:sym typeface="Calibri"/>
               </a:defRPr>
             </a:lvl7pPr>
-            <a:lvl8pPr indent="0" lvl="7" marL="0" marR="0" rtl="0" algn="r">
-              <a:spcBef>
-                <a:spcPts val="0"/>
-              </a:spcBef>
-              <a:buNone/>
-              <a:defRPr b="0" i="0" sz="900" u="none" cap="none" strike="noStrike">
+            <a:lvl8pPr marL="0" marR="0" lvl="7" indent="0" algn="r" rtl="0">
+              <a:spcBef>
+                <a:spcPts val="0"/>
+              </a:spcBef>
+              <a:buNone/>
+              <a:defRPr sz="900" b="0" i="0" u="none" strike="noStrike" cap="none">
                 <a:solidFill>
                   <a:srgbClr val="888888"/>
                 </a:solidFill>
@@ -8919,12 +9136,12 @@
                 <a:sym typeface="Calibri"/>
               </a:defRPr>
             </a:lvl8pPr>
-            <a:lvl9pPr indent="0" lvl="8" marL="0" marR="0" rtl="0" algn="r">
-              <a:spcBef>
-                <a:spcPts val="0"/>
-              </a:spcBef>
-              <a:buNone/>
-              <a:defRPr b="0" i="0" sz="900" u="none" cap="none" strike="noStrike">
+            <a:lvl9pPr marL="0" marR="0" lvl="8" indent="0" algn="r" rtl="0">
+              <a:spcBef>
+                <a:spcPts val="0"/>
+              </a:spcBef>
+              <a:buNone/>
+              <a:defRPr sz="900" b="0" i="0" u="none" strike="noStrike" cap="none">
                 <a:solidFill>
                   <a:srgbClr val="888888"/>
                 </a:solidFill>
@@ -8936,7 +9153,7 @@
             </a:lvl9pPr>
           </a:lstStyle>
           <a:p>
-            <a:pPr indent="0" lvl="0" marL="0" rtl="0" algn="r">
+            <a:pPr marL="0" lvl="0" indent="0" algn="r" rtl="0">
               <a:spcBef>
                 <a:spcPts val="0"/>
               </a:spcBef>
@@ -8955,16 +9172,16 @@
       </p:sp>
     </p:spTree>
   </p:cSld>
-  <p:clrMap accent1="accent1" accent2="accent2" accent3="accent3" accent4="accent4" accent5="accent5" accent6="accent6" bg1="lt1" bg2="dk2" tx1="dk1" tx2="lt2" folHlink="folHlink" hlink="hlink"/>
+  <p:clrMap bg1="lt1" tx1="dk1" bg2="dk2" tx2="lt2" accent1="accent1" accent2="accent2" accent3="accent3" accent4="accent4" accent5="accent5" accent6="accent6" hlink="hlink" folHlink="folHlink"/>
   <p:sldLayoutIdLst>
     <p:sldLayoutId id="2147483659" r:id="rId1"/>
     <p:sldLayoutId id="2147483660" r:id="rId2"/>
     <p:sldLayoutId id="2147483661" r:id="rId3"/>
   </p:sldLayoutIdLst>
-  <p:hf dt="0" ftr="0" hdr="0" sldNum="0"/>
+  <p:hf sldNum="0" hdr="0" ftr="0" dt="0"/>
   <p:txStyles>
     <p:titleStyle>
-      <a:defPPr lvl="0" marR="0" rtl="0" algn="l">
+      <a:defPPr marR="0" lvl="0" algn="l" rtl="0">
         <a:lnSpc>
           <a:spcPct val="100000"/>
         </a:lnSpc>
@@ -8975,7 +9192,7 @@
           <a:spcPts val="0"/>
         </a:spcAft>
       </a:defPPr>
-      <a:lvl1pPr lvl="0" marR="0" rtl="0" algn="l">
+      <a:lvl1pPr marR="0" lvl="0" algn="l" rtl="0">
         <a:lnSpc>
           <a:spcPct val="100000"/>
         </a:lnSpc>
@@ -8989,7 +9206,7 @@
           <a:srgbClr val="000000"/>
         </a:buClr>
         <a:buFont typeface="Arial"/>
-        <a:defRPr b="0" i="0" sz="1400" u="none" cap="none" strike="noStrike">
+        <a:defRPr sz="1400" b="0" i="0" u="none" strike="noStrike" cap="none">
           <a:solidFill>
             <a:srgbClr val="000000"/>
           </a:solidFill>
@@ -8999,7 +9216,7 @@
           <a:sym typeface="Arial"/>
         </a:defRPr>
       </a:lvl1pPr>
-      <a:lvl2pPr lvl="1" marR="0" rtl="0" algn="l">
+      <a:lvl2pPr marR="0" lvl="1" algn="l" rtl="0">
         <a:lnSpc>
           <a:spcPct val="100000"/>
         </a:lnSpc>
@@ -9013,7 +9230,7 @@
           <a:srgbClr val="000000"/>
         </a:buClr>
         <a:buFont typeface="Arial"/>
-        <a:defRPr b="0" i="0" sz="1400" u="none" cap="none" strike="noStrike">
+        <a:defRPr sz="1400" b="0" i="0" u="none" strike="noStrike" cap="none">
           <a:solidFill>
             <a:srgbClr val="000000"/>
           </a:solidFill>
@@ -9023,7 +9240,7 @@
           <a:sym typeface="Arial"/>
         </a:defRPr>
       </a:lvl2pPr>
-      <a:lvl3pPr lvl="2" marR="0" rtl="0" algn="l">
+      <a:lvl3pPr marR="0" lvl="2" algn="l" rtl="0">
         <a:lnSpc>
           <a:spcPct val="100000"/>
         </a:lnSpc>
@@ -9037,7 +9254,7 @@
           <a:srgbClr val="000000"/>
         </a:buClr>
         <a:buFont typeface="Arial"/>
-        <a:defRPr b="0" i="0" sz="1400" u="none" cap="none" strike="noStrike">
+        <a:defRPr sz="1400" b="0" i="0" u="none" strike="noStrike" cap="none">
           <a:solidFill>
             <a:srgbClr val="000000"/>
           </a:solidFill>
@@ -9047,7 +9264,7 @@
           <a:sym typeface="Arial"/>
         </a:defRPr>
       </a:lvl3pPr>
-      <a:lvl4pPr lvl="3" marR="0" rtl="0" algn="l">
+      <a:lvl4pPr marR="0" lvl="3" algn="l" rtl="0">
         <a:lnSpc>
           <a:spcPct val="100000"/>
         </a:lnSpc>
@@ -9061,7 +9278,7 @@
           <a:srgbClr val="000000"/>
         </a:buClr>
         <a:buFont typeface="Arial"/>
-        <a:defRPr b="0" i="0" sz="1400" u="none" cap="none" strike="noStrike">
+        <a:defRPr sz="1400" b="0" i="0" u="none" strike="noStrike" cap="none">
           <a:solidFill>
             <a:srgbClr val="000000"/>
           </a:solidFill>
@@ -9071,7 +9288,7 @@
           <a:sym typeface="Arial"/>
         </a:defRPr>
       </a:lvl4pPr>
-      <a:lvl5pPr lvl="4" marR="0" rtl="0" algn="l">
+      <a:lvl5pPr marR="0" lvl="4" algn="l" rtl="0">
         <a:lnSpc>
           <a:spcPct val="100000"/>
         </a:lnSpc>
@@ -9085,7 +9302,7 @@
           <a:srgbClr val="000000"/>
         </a:buClr>
         <a:buFont typeface="Arial"/>
-        <a:defRPr b="0" i="0" sz="1400" u="none" cap="none" strike="noStrike">
+        <a:defRPr sz="1400" b="0" i="0" u="none" strike="noStrike" cap="none">
           <a:solidFill>
             <a:srgbClr val="000000"/>
           </a:solidFill>
@@ -9095,7 +9312,7 @@
           <a:sym typeface="Arial"/>
         </a:defRPr>
       </a:lvl5pPr>
-      <a:lvl6pPr lvl="5" marR="0" rtl="0" algn="l">
+      <a:lvl6pPr marR="0" lvl="5" algn="l" rtl="0">
         <a:lnSpc>
           <a:spcPct val="100000"/>
         </a:lnSpc>
@@ -9109,7 +9326,7 @@
           <a:srgbClr val="000000"/>
         </a:buClr>
         <a:buFont typeface="Arial"/>
-        <a:defRPr b="0" i="0" sz="1400" u="none" cap="none" strike="noStrike">
+        <a:defRPr sz="1400" b="0" i="0" u="none" strike="noStrike" cap="none">
           <a:solidFill>
             <a:srgbClr val="000000"/>
           </a:solidFill>
@@ -9119,7 +9336,7 @@
           <a:sym typeface="Arial"/>
         </a:defRPr>
       </a:lvl6pPr>
-      <a:lvl7pPr lvl="6" marR="0" rtl="0" algn="l">
+      <a:lvl7pPr marR="0" lvl="6" algn="l" rtl="0">
         <a:lnSpc>
           <a:spcPct val="100000"/>
         </a:lnSpc>
@@ -9133,7 +9350,7 @@
           <a:srgbClr val="000000"/>
         </a:buClr>
         <a:buFont typeface="Arial"/>
-        <a:defRPr b="0" i="0" sz="1400" u="none" cap="none" strike="noStrike">
+        <a:defRPr sz="1400" b="0" i="0" u="none" strike="noStrike" cap="none">
           <a:solidFill>
             <a:srgbClr val="000000"/>
           </a:solidFill>
@@ -9143,7 +9360,7 @@
           <a:sym typeface="Arial"/>
         </a:defRPr>
       </a:lvl7pPr>
-      <a:lvl8pPr lvl="7" marR="0" rtl="0" algn="l">
+      <a:lvl8pPr marR="0" lvl="7" algn="l" rtl="0">
         <a:lnSpc>
           <a:spcPct val="100000"/>
         </a:lnSpc>
@@ -9157,7 +9374,7 @@
           <a:srgbClr val="000000"/>
         </a:buClr>
         <a:buFont typeface="Arial"/>
-        <a:defRPr b="0" i="0" sz="1400" u="none" cap="none" strike="noStrike">
+        <a:defRPr sz="1400" b="0" i="0" u="none" strike="noStrike" cap="none">
           <a:solidFill>
             <a:srgbClr val="000000"/>
           </a:solidFill>
@@ -9167,7 +9384,7 @@
           <a:sym typeface="Arial"/>
         </a:defRPr>
       </a:lvl8pPr>
-      <a:lvl9pPr lvl="8" marR="0" rtl="0" algn="l">
+      <a:lvl9pPr marR="0" lvl="8" algn="l" rtl="0">
         <a:lnSpc>
           <a:spcPct val="100000"/>
         </a:lnSpc>
@@ -9181,7 +9398,7 @@
           <a:srgbClr val="000000"/>
         </a:buClr>
         <a:buFont typeface="Arial"/>
-        <a:defRPr b="0" i="0" sz="1400" u="none" cap="none" strike="noStrike">
+        <a:defRPr sz="1400" b="0" i="0" u="none" strike="noStrike" cap="none">
           <a:solidFill>
             <a:srgbClr val="000000"/>
           </a:solidFill>
@@ -9193,7 +9410,7 @@
       </a:lvl9pPr>
     </p:titleStyle>
     <p:bodyStyle>
-      <a:defPPr lvl="0" marR="0" rtl="0" algn="l">
+      <a:defPPr marR="0" lvl="0" algn="l" rtl="0">
         <a:lnSpc>
           <a:spcPct val="100000"/>
         </a:lnSpc>
@@ -9204,7 +9421,7 @@
           <a:spcPts val="0"/>
         </a:spcAft>
       </a:defPPr>
-      <a:lvl1pPr lvl="0" marR="0" rtl="0" algn="l">
+      <a:lvl1pPr marR="0" lvl="0" algn="l" rtl="0">
         <a:lnSpc>
           <a:spcPct val="100000"/>
         </a:lnSpc>
@@ -9218,7 +9435,7 @@
           <a:srgbClr val="000000"/>
         </a:buClr>
         <a:buFont typeface="Arial"/>
-        <a:defRPr b="0" i="0" sz="1400" u="none" cap="none" strike="noStrike">
+        <a:defRPr sz="1400" b="0" i="0" u="none" strike="noStrike" cap="none">
           <a:solidFill>
             <a:srgbClr val="000000"/>
           </a:solidFill>
@@ -9228,7 +9445,7 @@
           <a:sym typeface="Arial"/>
         </a:defRPr>
       </a:lvl1pPr>
-      <a:lvl2pPr lvl="1" marR="0" rtl="0" algn="l">
+      <a:lvl2pPr marR="0" lvl="1" algn="l" rtl="0">
         <a:lnSpc>
           <a:spcPct val="100000"/>
         </a:lnSpc>
@@ -9242,7 +9459,7 @@
           <a:srgbClr val="000000"/>
         </a:buClr>
         <a:buFont typeface="Arial"/>
-        <a:defRPr b="0" i="0" sz="1400" u="none" cap="none" strike="noStrike">
+        <a:defRPr sz="1400" b="0" i="0" u="none" strike="noStrike" cap="none">
           <a:solidFill>
             <a:srgbClr val="000000"/>
           </a:solidFill>
@@ -9252,7 +9469,7 @@
           <a:sym typeface="Arial"/>
         </a:defRPr>
       </a:lvl2pPr>
-      <a:lvl3pPr lvl="2" marR="0" rtl="0" algn="l">
+      <a:lvl3pPr marR="0" lvl="2" algn="l" rtl="0">
         <a:lnSpc>
           <a:spcPct val="100000"/>
         </a:lnSpc>
@@ -9266,7 +9483,7 @@
           <a:srgbClr val="000000"/>
         </a:buClr>
         <a:buFont typeface="Arial"/>
-        <a:defRPr b="0" i="0" sz="1400" u="none" cap="none" strike="noStrike">
+        <a:defRPr sz="1400" b="0" i="0" u="none" strike="noStrike" cap="none">
           <a:solidFill>
             <a:srgbClr val="000000"/>
           </a:solidFill>
@@ -9276,7 +9493,7 @@
           <a:sym typeface="Arial"/>
         </a:defRPr>
       </a:lvl3pPr>
-      <a:lvl4pPr lvl="3" marR="0" rtl="0" algn="l">
+      <a:lvl4pPr marR="0" lvl="3" algn="l" rtl="0">
         <a:lnSpc>
           <a:spcPct val="100000"/>
         </a:lnSpc>
@@ -9290,7 +9507,7 @@
           <a:srgbClr val="000000"/>
         </a:buClr>
         <a:buFont typeface="Arial"/>
-        <a:defRPr b="0" i="0" sz="1400" u="none" cap="none" strike="noStrike">
+        <a:defRPr sz="1400" b="0" i="0" u="none" strike="noStrike" cap="none">
           <a:solidFill>
             <a:srgbClr val="000000"/>
           </a:solidFill>
@@ -9300,7 +9517,7 @@
           <a:sym typeface="Arial"/>
         </a:defRPr>
       </a:lvl4pPr>
-      <a:lvl5pPr lvl="4" marR="0" rtl="0" algn="l">
+      <a:lvl5pPr marR="0" lvl="4" algn="l" rtl="0">
         <a:lnSpc>
           <a:spcPct val="100000"/>
         </a:lnSpc>
@@ -9314,7 +9531,7 @@
           <a:srgbClr val="000000"/>
         </a:buClr>
         <a:buFont typeface="Arial"/>
-        <a:defRPr b="0" i="0" sz="1400" u="none" cap="none" strike="noStrike">
+        <a:defRPr sz="1400" b="0" i="0" u="none" strike="noStrike" cap="none">
           <a:solidFill>
             <a:srgbClr val="000000"/>
           </a:solidFill>
@@ -9324,7 +9541,7 @@
           <a:sym typeface="Arial"/>
         </a:defRPr>
       </a:lvl5pPr>
-      <a:lvl6pPr lvl="5" marR="0" rtl="0" algn="l">
+      <a:lvl6pPr marR="0" lvl="5" algn="l" rtl="0">
         <a:lnSpc>
           <a:spcPct val="100000"/>
         </a:lnSpc>
@@ -9338,7 +9555,7 @@
           <a:srgbClr val="000000"/>
         </a:buClr>
         <a:buFont typeface="Arial"/>
-        <a:defRPr b="0" i="0" sz="1400" u="none" cap="none" strike="noStrike">
+        <a:defRPr sz="1400" b="0" i="0" u="none" strike="noStrike" cap="none">
           <a:solidFill>
             <a:srgbClr val="000000"/>
           </a:solidFill>
@@ -9348,7 +9565,7 @@
           <a:sym typeface="Arial"/>
         </a:defRPr>
       </a:lvl6pPr>
-      <a:lvl7pPr lvl="6" marR="0" rtl="0" algn="l">
+      <a:lvl7pPr marR="0" lvl="6" algn="l" rtl="0">
         <a:lnSpc>
           <a:spcPct val="100000"/>
         </a:lnSpc>
@@ -9362,7 +9579,7 @@
           <a:srgbClr val="000000"/>
         </a:buClr>
         <a:buFont typeface="Arial"/>
-        <a:defRPr b="0" i="0" sz="1400" u="none" cap="none" strike="noStrike">
+        <a:defRPr sz="1400" b="0" i="0" u="none" strike="noStrike" cap="none">
           <a:solidFill>
             <a:srgbClr val="000000"/>
           </a:solidFill>
@@ -9372,7 +9589,7 @@
           <a:sym typeface="Arial"/>
         </a:defRPr>
       </a:lvl7pPr>
-      <a:lvl8pPr lvl="7" marR="0" rtl="0" algn="l">
+      <a:lvl8pPr marR="0" lvl="7" algn="l" rtl="0">
         <a:lnSpc>
           <a:spcPct val="100000"/>
         </a:lnSpc>
@@ -9386,7 +9603,7 @@
           <a:srgbClr val="000000"/>
         </a:buClr>
         <a:buFont typeface="Arial"/>
-        <a:defRPr b="0" i="0" sz="1400" u="none" cap="none" strike="noStrike">
+        <a:defRPr sz="1400" b="0" i="0" u="none" strike="noStrike" cap="none">
           <a:solidFill>
             <a:srgbClr val="000000"/>
           </a:solidFill>
@@ -9396,7 +9613,7 @@
           <a:sym typeface="Arial"/>
         </a:defRPr>
       </a:lvl8pPr>
-      <a:lvl9pPr lvl="8" marR="0" rtl="0" algn="l">
+      <a:lvl9pPr marR="0" lvl="8" algn="l" rtl="0">
         <a:lnSpc>
           <a:spcPct val="100000"/>
         </a:lnSpc>
@@ -9410,7 +9627,7 @@
           <a:srgbClr val="000000"/>
         </a:buClr>
         <a:buFont typeface="Arial"/>
-        <a:defRPr b="0" i="0" sz="1400" u="none" cap="none" strike="noStrike">
+        <a:defRPr sz="1400" b="0" i="0" u="none" strike="noStrike" cap="none">
           <a:solidFill>
             <a:srgbClr val="000000"/>
           </a:solidFill>
@@ -9422,7 +9639,7 @@
       </a:lvl9pPr>
     </p:bodyStyle>
     <p:otherStyle>
-      <a:defPPr lvl="0" marR="0" rtl="0" algn="l">
+      <a:defPPr marR="0" lvl="0" algn="l" rtl="0">
         <a:lnSpc>
           <a:spcPct val="100000"/>
         </a:lnSpc>
@@ -9433,7 +9650,7 @@
           <a:spcPts val="0"/>
         </a:spcAft>
       </a:defPPr>
-      <a:lvl1pPr lvl="0" marR="0" rtl="0" algn="l">
+      <a:lvl1pPr marR="0" lvl="0" algn="l" rtl="0">
         <a:lnSpc>
           <a:spcPct val="100000"/>
         </a:lnSpc>
@@ -9447,7 +9664,7 @@
           <a:srgbClr val="000000"/>
         </a:buClr>
         <a:buFont typeface="Arial"/>
-        <a:defRPr b="0" i="0" sz="1400" u="none" cap="none" strike="noStrike">
+        <a:defRPr sz="1400" b="0" i="0" u="none" strike="noStrike" cap="none">
           <a:solidFill>
             <a:srgbClr val="000000"/>
           </a:solidFill>
@@ -9457,7 +9674,7 @@
           <a:sym typeface="Arial"/>
         </a:defRPr>
       </a:lvl1pPr>
-      <a:lvl2pPr lvl="1" marR="0" rtl="0" algn="l">
+      <a:lvl2pPr marR="0" lvl="1" algn="l" rtl="0">
         <a:lnSpc>
           <a:spcPct val="100000"/>
         </a:lnSpc>
@@ -9471,7 +9688,7 @@
           <a:srgbClr val="000000"/>
         </a:buClr>
         <a:buFont typeface="Arial"/>
-        <a:defRPr b="0" i="0" sz="1400" u="none" cap="none" strike="noStrike">
+        <a:defRPr sz="1400" b="0" i="0" u="none" strike="noStrike" cap="none">
           <a:solidFill>
             <a:srgbClr val="000000"/>
           </a:solidFill>
@@ -9481,7 +9698,7 @@
           <a:sym typeface="Arial"/>
         </a:defRPr>
       </a:lvl2pPr>
-      <a:lvl3pPr lvl="2" marR="0" rtl="0" algn="l">
+      <a:lvl3pPr marR="0" lvl="2" algn="l" rtl="0">
         <a:lnSpc>
           <a:spcPct val="100000"/>
         </a:lnSpc>
@@ -9495,7 +9712,7 @@
           <a:srgbClr val="000000"/>
         </a:buClr>
         <a:buFont typeface="Arial"/>
-        <a:defRPr b="0" i="0" sz="1400" u="none" cap="none" strike="noStrike">
+        <a:defRPr sz="1400" b="0" i="0" u="none" strike="noStrike" cap="none">
           <a:solidFill>
             <a:srgbClr val="000000"/>
           </a:solidFill>
@@ -9505,7 +9722,7 @@
           <a:sym typeface="Arial"/>
         </a:defRPr>
       </a:lvl3pPr>
-      <a:lvl4pPr lvl="3" marR="0" rtl="0" algn="l">
+      <a:lvl4pPr marR="0" lvl="3" algn="l" rtl="0">
         <a:lnSpc>
           <a:spcPct val="100000"/>
         </a:lnSpc>
@@ -9519,7 +9736,7 @@
           <a:srgbClr val="000000"/>
         </a:buClr>
         <a:buFont typeface="Arial"/>
-        <a:defRPr b="0" i="0" sz="1400" u="none" cap="none" strike="noStrike">
+        <a:defRPr sz="1400" b="0" i="0" u="none" strike="noStrike" cap="none">
           <a:solidFill>
             <a:srgbClr val="000000"/>
           </a:solidFill>
@@ -9529,7 +9746,7 @@
           <a:sym typeface="Arial"/>
         </a:defRPr>
       </a:lvl4pPr>
-      <a:lvl5pPr lvl="4" marR="0" rtl="0" algn="l">
+      <a:lvl5pPr marR="0" lvl="4" algn="l" rtl="0">
         <a:lnSpc>
           <a:spcPct val="100000"/>
         </a:lnSpc>
@@ -9543,7 +9760,7 @@
           <a:srgbClr val="000000"/>
         </a:buClr>
         <a:buFont typeface="Arial"/>
-        <a:defRPr b="0" i="0" sz="1400" u="none" cap="none" strike="noStrike">
+        <a:defRPr sz="1400" b="0" i="0" u="none" strike="noStrike" cap="none">
           <a:solidFill>
             <a:srgbClr val="000000"/>
           </a:solidFill>
@@ -9553,7 +9770,7 @@
           <a:sym typeface="Arial"/>
         </a:defRPr>
       </a:lvl5pPr>
-      <a:lvl6pPr lvl="5" marR="0" rtl="0" algn="l">
+      <a:lvl6pPr marR="0" lvl="5" algn="l" rtl="0">
         <a:lnSpc>
           <a:spcPct val="100000"/>
         </a:lnSpc>
@@ -9567,7 +9784,7 @@
           <a:srgbClr val="000000"/>
         </a:buClr>
         <a:buFont typeface="Arial"/>
-        <a:defRPr b="0" i="0" sz="1400" u="none" cap="none" strike="noStrike">
+        <a:defRPr sz="1400" b="0" i="0" u="none" strike="noStrike" cap="none">
           <a:solidFill>
             <a:srgbClr val="000000"/>
           </a:solidFill>
@@ -9577,7 +9794,7 @@
           <a:sym typeface="Arial"/>
         </a:defRPr>
       </a:lvl6pPr>
-      <a:lvl7pPr lvl="6" marR="0" rtl="0" algn="l">
+      <a:lvl7pPr marR="0" lvl="6" algn="l" rtl="0">
         <a:lnSpc>
           <a:spcPct val="100000"/>
         </a:lnSpc>
@@ -9591,7 +9808,7 @@
           <a:srgbClr val="000000"/>
         </a:buClr>
         <a:buFont typeface="Arial"/>
-        <a:defRPr b="0" i="0" sz="1400" u="none" cap="none" strike="noStrike">
+        <a:defRPr sz="1400" b="0" i="0" u="none" strike="noStrike" cap="none">
           <a:solidFill>
             <a:srgbClr val="000000"/>
           </a:solidFill>
@@ -9601,7 +9818,7 @@
           <a:sym typeface="Arial"/>
         </a:defRPr>
       </a:lvl7pPr>
-      <a:lvl8pPr lvl="7" marR="0" rtl="0" algn="l">
+      <a:lvl8pPr marR="0" lvl="7" algn="l" rtl="0">
         <a:lnSpc>
           <a:spcPct val="100000"/>
         </a:lnSpc>
@@ -9615,7 +9832,7 @@
           <a:srgbClr val="000000"/>
         </a:buClr>
         <a:buFont typeface="Arial"/>
-        <a:defRPr b="0" i="0" sz="1400" u="none" cap="none" strike="noStrike">
+        <a:defRPr sz="1400" b="0" i="0" u="none" strike="noStrike" cap="none">
           <a:solidFill>
             <a:srgbClr val="000000"/>
           </a:solidFill>
@@ -9625,7 +9842,7 @@
           <a:sym typeface="Arial"/>
         </a:defRPr>
       </a:lvl8pPr>
-      <a:lvl9pPr lvl="8" marR="0" rtl="0" algn="l">
+      <a:lvl9pPr marR="0" lvl="8" algn="l" rtl="0">
         <a:lnSpc>
           <a:spcPct val="100000"/>
         </a:lnSpc>
@@ -9639,7 +9856,7 @@
           <a:srgbClr val="000000"/>
         </a:buClr>
         <a:buFont typeface="Arial"/>
-        <a:defRPr b="0" i="0" sz="1400" u="none" cap="none" strike="noStrike">
+        <a:defRPr sz="1400" b="0" i="0" u="none" strike="noStrike" cap="none">
           <a:solidFill>
             <a:srgbClr val="000000"/>
           </a:solidFill>
@@ -9655,11 +9872,11 @@
 </file>
 
 <file path=ppt/slides/slide1.xml><?xml version="1.0" encoding="utf-8"?>
-<p:sld xmlns:a="http://schemas.openxmlformats.org/drawingml/2006/main" xmlns:r="http://schemas.openxmlformats.org/officeDocument/2006/relationships" xmlns:mc="http://schemas.openxmlformats.org/markup-compatibility/2006" xmlns:mv="urn:schemas-microsoft-com:mac:vml" xmlns:p="http://schemas.openxmlformats.org/presentationml/2006/main" xmlns:c="http://schemas.openxmlformats.org/drawingml/2006/chart" xmlns:dgm="http://schemas.openxmlformats.org/drawingml/2006/diagram" xmlns:o="urn:schemas-microsoft-com:office:office" xmlns:v="urn:schemas-microsoft-com:vml" xmlns:pvml="urn:schemas-microsoft-com:office:powerpoint" xmlns:com="http://schemas.openxmlformats.org/drawingml/2006/compatibility" xmlns:p14="http://schemas.microsoft.com/office/powerpoint/2010/main" xmlns:p15="http://schemas.microsoft.com/office/powerpoint/2012/main" xmlns:ahyp="http://schemas.microsoft.com/office/drawing/2018/hyperlinkcolor">
+<p:sld xmlns:a="http://schemas.openxmlformats.org/drawingml/2006/main" xmlns:r="http://schemas.openxmlformats.org/officeDocument/2006/relationships" xmlns:p="http://schemas.openxmlformats.org/presentationml/2006/main">
   <p:cSld>
     <p:spTree>
       <p:nvGrpSpPr>
-        <p:cNvPr id="77" name="Shape 77"/>
+        <p:cNvPr id="1" name="Shape 77"/>
         <p:cNvGrpSpPr/>
         <p:nvPr/>
       </p:nvGrpSpPr>
@@ -9673,7 +9890,7 @@
       </p:grpSpPr>
       <p:pic>
         <p:nvPicPr>
-          <p:cNvPr descr="U T A logo" id="78" name="Google Shape;78;p17"/>
+          <p:cNvPr id="78" name="Google Shape;78;p17" descr="U T A logo"/>
           <p:cNvPicPr preferRelativeResize="0"/>
           <p:nvPr/>
         </p:nvPicPr>
@@ -9681,7 +9898,7 @@
           <a:blip r:embed="rId3">
             <a:alphaModFix/>
           </a:blip>
-          <a:srcRect b="0" l="2176" r="2087" t="0"/>
+          <a:srcRect l="2176" r="2087"/>
           <a:stretch/>
         </p:blipFill>
         <p:spPr>
@@ -9718,12 +9935,12 @@
           </a:ln>
         </p:spPr>
         <p:txBody>
-          <a:bodyPr anchorCtr="0" anchor="t" bIns="34275" lIns="68575" spcFirstLastPara="1" rIns="68575" wrap="square" tIns="34275">
+          <a:bodyPr spcFirstLastPara="1" wrap="square" lIns="68575" tIns="34275" rIns="68575" bIns="34275" anchor="t" anchorCtr="0">
             <a:spAutoFit/>
           </a:bodyPr>
           <a:lstStyle/>
           <a:p>
-            <a:pPr indent="0" lvl="0" marL="0" marR="0" rtl="0" algn="l">
+            <a:pPr marL="0" marR="0" lvl="0" indent="0" algn="l" rtl="0">
               <a:spcBef>
                 <a:spcPts val="0"/>
               </a:spcBef>
@@ -9733,7 +9950,7 @@
               <a:buNone/>
             </a:pPr>
             <a:r>
-              <a:rPr b="0" i="0" lang="en" sz="2100" u="none" cap="none" strike="noStrike">
+              <a:rPr lang="en" sz="2100" b="0" i="0" u="none" strike="noStrike" cap="none">
                 <a:solidFill>
                   <a:srgbClr val="C55A11"/>
                 </a:solidFill>
@@ -9767,7 +9984,7 @@
             </a:endParaRPr>
           </a:p>
           <a:p>
-            <a:pPr indent="0" lvl="0" marL="0" marR="0" rtl="0" algn="l">
+            <a:pPr marL="0" marR="0" lvl="0" indent="0" algn="l" rtl="0">
               <a:spcBef>
                 <a:spcPts val="0"/>
               </a:spcBef>
@@ -9799,7 +10016,7 @@
             </a:endParaRPr>
           </a:p>
           <a:p>
-            <a:pPr indent="0" lvl="0" marL="0" marR="0" rtl="0" algn="l">
+            <a:pPr marL="0" marR="0" lvl="0" indent="0" algn="l" rtl="0">
               <a:spcBef>
                 <a:spcPts val="0"/>
               </a:spcBef>
@@ -9831,7 +10048,7 @@
             </a:endParaRPr>
           </a:p>
           <a:p>
-            <a:pPr indent="0" lvl="0" marL="0" marR="0" rtl="0" algn="l">
+            <a:pPr marL="0" marR="0" lvl="0" indent="0" algn="l" rtl="0">
               <a:spcBef>
                 <a:spcPts val="0"/>
               </a:spcBef>
@@ -9863,7 +10080,7 @@
             </a:endParaRPr>
           </a:p>
           <a:p>
-            <a:pPr indent="0" lvl="0" marL="0" rtl="0" algn="l">
+            <a:pPr marL="0" lvl="0" indent="0" algn="l" rtl="0">
               <a:lnSpc>
                 <a:spcPct val="115000"/>
               </a:lnSpc>
@@ -9880,9 +10097,6 @@
               <a:buFont typeface="Arial"/>
               <a:buNone/>
             </a:pPr>
-            <a:r>
-              <a:t/>
-            </a:r>
             <a:endParaRPr sz="1100">
               <a:solidFill>
                 <a:schemeClr val="dk1"/>
@@ -9890,7 +10104,7 @@
             </a:endParaRPr>
           </a:p>
           <a:p>
-            <a:pPr indent="0" lvl="0" marL="0" marR="0" rtl="0" algn="l">
+            <a:pPr marL="0" marR="0" lvl="0" indent="0" algn="l" rtl="0">
               <a:spcBef>
                 <a:spcPts val="0"/>
               </a:spcBef>
@@ -9900,7 +10114,7 @@
               <a:buNone/>
             </a:pPr>
             <a:r>
-              <a:rPr b="0" i="0" lang="en" sz="2100" u="none" cap="none" strike="noStrike">
+              <a:rPr lang="en" sz="2100" b="0" i="0" u="none" strike="noStrike" cap="none">
                 <a:solidFill>
                   <a:srgbClr val="C55A11"/>
                 </a:solidFill>
@@ -9914,7 +10128,7 @@
             <a:endParaRPr sz="1100"/>
           </a:p>
           <a:p>
-            <a:pPr indent="0" lvl="0" marL="0" marR="0" rtl="0" algn="l">
+            <a:pPr marL="0" marR="0" lvl="0" indent="0" algn="l" rtl="0">
               <a:spcBef>
                 <a:spcPts val="0"/>
               </a:spcBef>
@@ -9923,9 +10137,6 @@
               </a:spcAft>
               <a:buNone/>
             </a:pPr>
-            <a:r>
-              <a:t/>
-            </a:r>
             <a:endParaRPr sz="1100"/>
           </a:p>
         </p:txBody>
@@ -9938,7 +10149,7 @@
         </p:nvSpPr>
         <p:spPr>
           <a:xfrm>
-            <a:off x="928634" y="834681"/>
+            <a:off x="1071758" y="826730"/>
             <a:ext cx="6692400" cy="623400"/>
           </a:xfrm>
           <a:prstGeom prst="rect">
@@ -9950,12 +10161,12 @@
           </a:ln>
         </p:spPr>
         <p:txBody>
-          <a:bodyPr anchorCtr="0" anchor="t" bIns="34275" lIns="68575" spcFirstLastPara="1" rIns="68575" wrap="square" tIns="34275">
+          <a:bodyPr spcFirstLastPara="1" wrap="square" lIns="68575" tIns="34275" rIns="68575" bIns="34275" anchor="t" anchorCtr="0">
             <a:spAutoFit/>
           </a:bodyPr>
           <a:lstStyle/>
           <a:p>
-            <a:pPr indent="0" lvl="0" marL="0" marR="0" rtl="0" algn="ctr">
+            <a:pPr marL="0" marR="0" lvl="0" indent="0" algn="ctr" rtl="0">
               <a:spcBef>
                 <a:spcPts val="0"/>
               </a:spcBef>
@@ -9965,7 +10176,7 @@
               <a:buNone/>
             </a:pPr>
             <a:r>
-              <a:rPr lang="en" sz="3600">
+              <a:rPr lang="en" sz="3600" dirty="0">
                 <a:solidFill>
                   <a:srgbClr val="003366"/>
                 </a:solidFill>
@@ -9974,21 +10185,9 @@
                 <a:cs typeface="Calibri"/>
                 <a:sym typeface="Calibri"/>
               </a:rPr>
-              <a:t>Housing Price P</a:t>
+              <a:t>Housing Price Prediction </a:t>
             </a:r>
-            <a:r>
-              <a:rPr lang="en" sz="3600">
-                <a:solidFill>
-                  <a:srgbClr val="003366"/>
-                </a:solidFill>
-                <a:latin typeface="Calibri"/>
-                <a:ea typeface="Calibri"/>
-                <a:cs typeface="Calibri"/>
-                <a:sym typeface="Calibri"/>
-              </a:rPr>
-              <a:t>rediction </a:t>
-            </a:r>
-            <a:endParaRPr b="0" i="0" sz="3600" u="none" cap="none" strike="noStrike">
+            <a:endParaRPr sz="3600" b="0" i="0" u="none" strike="noStrike" cap="none" dirty="0">
               <a:solidFill>
                 <a:schemeClr val="dk1"/>
               </a:solidFill>
@@ -10020,12 +10219,12 @@
           </a:ln>
         </p:spPr>
         <p:txBody>
-          <a:bodyPr anchorCtr="0" anchor="t" bIns="34275" lIns="68575" spcFirstLastPara="1" rIns="68575" wrap="square" tIns="34275">
+          <a:bodyPr spcFirstLastPara="1" wrap="square" lIns="68575" tIns="34275" rIns="68575" bIns="34275" anchor="t" anchorCtr="0">
             <a:spAutoFit/>
           </a:bodyPr>
           <a:lstStyle/>
           <a:p>
-            <a:pPr indent="0" lvl="0" marL="0" marR="0" rtl="0" algn="l">
+            <a:pPr marL="0" marR="0" lvl="0" indent="0" algn="l" rtl="0">
               <a:spcBef>
                 <a:spcPts val="0"/>
               </a:spcBef>
@@ -10035,7 +10234,7 @@
               <a:buNone/>
             </a:pPr>
             <a:r>
-              <a:rPr b="0" i="0" lang="en" sz="1400" u="sng" cap="none" strike="noStrike">
+              <a:rPr lang="en" sz="1400" b="0" i="0" u="sng" strike="noStrike" cap="none">
                 <a:solidFill>
                   <a:schemeClr val="hlink"/>
                 </a:solidFill>
@@ -10056,12 +10255,12 @@
                 <a:ea typeface="Calibri"/>
                 <a:cs typeface="Calibri"/>
                 <a:sym typeface="Calibri"/>
-                <a:hlinkClick r:id="rId5"/>
+                <a:hlinkClick r:id="rId4"/>
               </a:rPr>
               <a:t>d</a:t>
             </a:r>
             <a:r>
-              <a:rPr b="0" i="0" lang="en" sz="1400" u="sng" cap="none" strike="noStrike">
+              <a:rPr lang="en" sz="1400" b="0" i="0" u="sng" strike="noStrike" cap="none">
                 <a:solidFill>
                   <a:schemeClr val="hlink"/>
                 </a:solidFill>
@@ -10069,7 +10268,7 @@
                 <a:ea typeface="Calibri"/>
                 <a:cs typeface="Calibri"/>
                 <a:sym typeface="Calibri"/>
-                <a:hlinkClick r:id="rId6"/>
+                <a:hlinkClick r:id="rId4"/>
               </a:rPr>
               <a:t>u</a:t>
             </a:r>
@@ -10084,7 +10283,7 @@
             </a:endParaRPr>
           </a:p>
           <a:p>
-            <a:pPr indent="0" lvl="0" marL="0" marR="0" rtl="0" algn="l">
+            <a:pPr marL="0" marR="0" lvl="0" indent="0" algn="l" rtl="0">
               <a:spcBef>
                 <a:spcPts val="0"/>
               </a:spcBef>
@@ -10102,7 +10301,7 @@
                 <a:ea typeface="Calibri"/>
                 <a:cs typeface="Calibri"/>
                 <a:sym typeface="Calibri"/>
-                <a:hlinkClick r:id="rId7"/>
+                <a:hlinkClick r:id="rId5"/>
               </a:rPr>
               <a:t>rxk6181@mavs.uta.edu</a:t>
             </a:r>
@@ -10127,11 +10326,11 @@
 </file>
 
 <file path=ppt/slides/slide2.xml><?xml version="1.0" encoding="utf-8"?>
-<p:sld xmlns:a="http://schemas.openxmlformats.org/drawingml/2006/main" xmlns:r="http://schemas.openxmlformats.org/officeDocument/2006/relationships" xmlns:mc="http://schemas.openxmlformats.org/markup-compatibility/2006" xmlns:mv="urn:schemas-microsoft-com:mac:vml" xmlns:p="http://schemas.openxmlformats.org/presentationml/2006/main" xmlns:c="http://schemas.openxmlformats.org/drawingml/2006/chart" xmlns:dgm="http://schemas.openxmlformats.org/drawingml/2006/diagram" xmlns:o="urn:schemas-microsoft-com:office:office" xmlns:v="urn:schemas-microsoft-com:vml" xmlns:pvml="urn:schemas-microsoft-com:office:powerpoint" xmlns:com="http://schemas.openxmlformats.org/drawingml/2006/compatibility" xmlns:p14="http://schemas.microsoft.com/office/powerpoint/2010/main" xmlns:p15="http://schemas.microsoft.com/office/powerpoint/2012/main" xmlns:ahyp="http://schemas.microsoft.com/office/drawing/2018/hyperlinkcolor">
+<p:sld xmlns:a="http://schemas.openxmlformats.org/drawingml/2006/main" xmlns:r="http://schemas.openxmlformats.org/officeDocument/2006/relationships" xmlns:p="http://schemas.openxmlformats.org/presentationml/2006/main">
   <p:cSld>
     <p:spTree>
       <p:nvGrpSpPr>
-        <p:cNvPr id="85" name="Shape 85"/>
+        <p:cNvPr id="1" name="Shape 85"/>
         <p:cNvGrpSpPr/>
         <p:nvPr/>
       </p:nvGrpSpPr>
@@ -10146,7 +10345,9 @@
       <p:sp>
         <p:nvSpPr>
           <p:cNvPr id="86" name="Google Shape;86;p18"/>
-          <p:cNvSpPr txBox="1"/>
+          <p:cNvSpPr txBox="1">
+            <a:spLocks noGrp="1"/>
+          </p:cNvSpPr>
           <p:nvPr>
             <p:ph type="title"/>
           </p:nvPr>
@@ -10165,12 +10366,12 @@
           </a:ln>
         </p:spPr>
         <p:txBody>
-          <a:bodyPr anchorCtr="0" anchor="ctr" bIns="34275" lIns="68575" spcFirstLastPara="1" rIns="68575" wrap="square" tIns="34275">
+          <a:bodyPr spcFirstLastPara="1" wrap="square" lIns="68575" tIns="34275" rIns="68575" bIns="34275" anchor="ctr" anchorCtr="0">
             <a:normAutofit/>
           </a:bodyPr>
           <a:lstStyle/>
           <a:p>
-            <a:pPr indent="0" lvl="0" marL="0" rtl="0" algn="l">
+            <a:pPr marL="0" lvl="0" indent="0" algn="l" rtl="0">
               <a:lnSpc>
                 <a:spcPct val="90000"/>
               </a:lnSpc>
@@ -10198,9 +10399,11 @@
       <p:sp>
         <p:nvSpPr>
           <p:cNvPr id="87" name="Google Shape;87;p18"/>
-          <p:cNvSpPr txBox="1"/>
+          <p:cNvSpPr txBox="1">
+            <a:spLocks noGrp="1"/>
+          </p:cNvSpPr>
           <p:nvPr>
-            <p:ph idx="1" type="body"/>
+            <p:ph type="body" idx="1"/>
           </p:nvPr>
         </p:nvSpPr>
         <p:spPr>
@@ -10217,12 +10420,12 @@
           </a:ln>
         </p:spPr>
         <p:txBody>
-          <a:bodyPr anchorCtr="0" anchor="t" bIns="34275" lIns="68575" spcFirstLastPara="1" rIns="68575" wrap="square" tIns="34275">
+          <a:bodyPr spcFirstLastPara="1" wrap="square" lIns="68575" tIns="34275" rIns="68575" bIns="34275" anchor="t" anchorCtr="0">
             <a:normAutofit/>
           </a:bodyPr>
           <a:lstStyle/>
           <a:p>
-            <a:pPr indent="-177800" lvl="0" marL="1092200" rtl="0" algn="l">
+            <a:pPr marL="1092200" lvl="0" indent="-177800" algn="l" rtl="0">
               <a:spcBef>
                 <a:spcPts val="800"/>
               </a:spcBef>
@@ -10239,7 +10442,7 @@
             <a:endParaRPr/>
           </a:p>
           <a:p>
-            <a:pPr indent="-177800" lvl="0" marL="1092200" rtl="0" algn="l">
+            <a:pPr marL="1092200" lvl="0" indent="-177800" algn="l" rtl="0">
               <a:spcBef>
                 <a:spcPts val="800"/>
               </a:spcBef>
@@ -10256,7 +10459,7 @@
             <a:endParaRPr/>
           </a:p>
           <a:p>
-            <a:pPr indent="-177800" lvl="0" marL="1092200" rtl="0" algn="l">
+            <a:pPr marL="1092200" lvl="0" indent="-177800" algn="l" rtl="0">
               <a:spcBef>
                 <a:spcPts val="800"/>
               </a:spcBef>
@@ -10273,7 +10476,7 @@
             <a:endParaRPr/>
           </a:p>
           <a:p>
-            <a:pPr indent="-177800" lvl="0" marL="1092200" rtl="0" algn="l">
+            <a:pPr marL="1092200" lvl="0" indent="-177800" algn="l" rtl="0">
               <a:spcBef>
                 <a:spcPts val="800"/>
               </a:spcBef>
@@ -10290,7 +10493,7 @@
             <a:endParaRPr/>
           </a:p>
           <a:p>
-            <a:pPr indent="-177800" lvl="0" marL="1092200" rtl="0" algn="l">
+            <a:pPr marL="1092200" lvl="0" indent="-177800" algn="l" rtl="0">
               <a:spcBef>
                 <a:spcPts val="800"/>
               </a:spcBef>
@@ -10307,7 +10510,7 @@
             <a:endParaRPr/>
           </a:p>
           <a:p>
-            <a:pPr indent="-177800" lvl="0" marL="1092200" rtl="0" algn="l">
+            <a:pPr marL="1092200" lvl="0" indent="-177800" algn="l" rtl="0">
               <a:spcBef>
                 <a:spcPts val="800"/>
               </a:spcBef>
@@ -10334,11 +10537,11 @@
 </file>
 
 <file path=ppt/slides/slide3.xml><?xml version="1.0" encoding="utf-8"?>
-<p:sld xmlns:a="http://schemas.openxmlformats.org/drawingml/2006/main" xmlns:r="http://schemas.openxmlformats.org/officeDocument/2006/relationships" xmlns:mc="http://schemas.openxmlformats.org/markup-compatibility/2006" xmlns:mv="urn:schemas-microsoft-com:mac:vml" xmlns:p="http://schemas.openxmlformats.org/presentationml/2006/main" xmlns:c="http://schemas.openxmlformats.org/drawingml/2006/chart" xmlns:dgm="http://schemas.openxmlformats.org/drawingml/2006/diagram" xmlns:o="urn:schemas-microsoft-com:office:office" xmlns:v="urn:schemas-microsoft-com:vml" xmlns:pvml="urn:schemas-microsoft-com:office:powerpoint" xmlns:com="http://schemas.openxmlformats.org/drawingml/2006/compatibility" xmlns:p14="http://schemas.microsoft.com/office/powerpoint/2010/main" xmlns:p15="http://schemas.microsoft.com/office/powerpoint/2012/main" xmlns:ahyp="http://schemas.microsoft.com/office/drawing/2018/hyperlinkcolor">
+<p:sld xmlns:a="http://schemas.openxmlformats.org/drawingml/2006/main" xmlns:r="http://schemas.openxmlformats.org/officeDocument/2006/relationships" xmlns:p="http://schemas.openxmlformats.org/presentationml/2006/main">
   <p:cSld>
     <p:spTree>
       <p:nvGrpSpPr>
-        <p:cNvPr id="91" name="Shape 91"/>
+        <p:cNvPr id="1" name="Shape 91"/>
         <p:cNvGrpSpPr/>
         <p:nvPr/>
       </p:nvGrpSpPr>
@@ -10353,7 +10556,9 @@
       <p:sp>
         <p:nvSpPr>
           <p:cNvPr id="92" name="Google Shape;92;p19"/>
-          <p:cNvSpPr txBox="1"/>
+          <p:cNvSpPr txBox="1">
+            <a:spLocks noGrp="1"/>
+          </p:cNvSpPr>
           <p:nvPr>
             <p:ph type="title"/>
           </p:nvPr>
@@ -10372,12 +10577,12 @@
           </a:ln>
         </p:spPr>
         <p:txBody>
-          <a:bodyPr anchorCtr="0" anchor="ctr" bIns="34275" lIns="68575" spcFirstLastPara="1" rIns="68575" wrap="square" tIns="34275">
+          <a:bodyPr spcFirstLastPara="1" wrap="square" lIns="68575" tIns="34275" rIns="68575" bIns="34275" anchor="ctr" anchorCtr="0">
             <a:normAutofit/>
           </a:bodyPr>
           <a:lstStyle/>
           <a:p>
-            <a:pPr indent="0" lvl="0" marL="0" rtl="0" algn="l">
+            <a:pPr marL="0" lvl="0" indent="0" algn="l" rtl="0">
               <a:lnSpc>
                 <a:spcPct val="90000"/>
               </a:lnSpc>
@@ -10395,19 +10600,21 @@
               <a:buNone/>
             </a:pPr>
             <a:r>
-              <a:rPr lang="en"/>
+              <a:rPr lang="en" dirty="0"/>
               <a:t>Introduction </a:t>
             </a:r>
-            <a:endParaRPr/>
+            <a:endParaRPr dirty="0"/>
           </a:p>
         </p:txBody>
       </p:sp>
       <p:sp>
         <p:nvSpPr>
           <p:cNvPr id="93" name="Google Shape;93;p19"/>
-          <p:cNvSpPr txBox="1"/>
+          <p:cNvSpPr txBox="1">
+            <a:spLocks noGrp="1"/>
+          </p:cNvSpPr>
           <p:nvPr>
-            <p:ph idx="1" type="body"/>
+            <p:ph type="body" idx="1"/>
           </p:nvPr>
         </p:nvSpPr>
         <p:spPr>
@@ -10424,12 +10631,12 @@
           </a:ln>
         </p:spPr>
         <p:txBody>
-          <a:bodyPr anchorCtr="0" anchor="t" bIns="34275" lIns="68575" spcFirstLastPara="1" rIns="68575" wrap="square" tIns="34275">
+          <a:bodyPr spcFirstLastPara="1" wrap="square" lIns="68575" tIns="34275" rIns="68575" bIns="34275" anchor="t" anchorCtr="0">
             <a:normAutofit/>
           </a:bodyPr>
           <a:lstStyle/>
           <a:p>
-            <a:pPr indent="-171450" lvl="0" marL="177800" rtl="0" algn="l">
+            <a:pPr marL="177800" lvl="0" indent="-171450" algn="l" rtl="0">
               <a:lnSpc>
                 <a:spcPct val="90000"/>
               </a:lnSpc>
@@ -10446,9 +10653,10 @@
               <a:buChar char="•"/>
             </a:pPr>
             <a:r>
-              <a:t/>
+              <a:rPr lang="en-US" dirty="0"/>
+              <a:t>Predict the housing cost using Multivariate Linear Regression Model</a:t>
             </a:r>
-            <a:endParaRPr/>
+            <a:endParaRPr dirty="0"/>
           </a:p>
         </p:txBody>
       </p:sp>
@@ -10461,11 +10669,11 @@
 </file>
 
 <file path=ppt/slides/slide4.xml><?xml version="1.0" encoding="utf-8"?>
-<p:sld xmlns:a="http://schemas.openxmlformats.org/drawingml/2006/main" xmlns:r="http://schemas.openxmlformats.org/officeDocument/2006/relationships" xmlns:mc="http://schemas.openxmlformats.org/markup-compatibility/2006" xmlns:mv="urn:schemas-microsoft-com:mac:vml" xmlns:p="http://schemas.openxmlformats.org/presentationml/2006/main" xmlns:c="http://schemas.openxmlformats.org/drawingml/2006/chart" xmlns:dgm="http://schemas.openxmlformats.org/drawingml/2006/diagram" xmlns:o="urn:schemas-microsoft-com:office:office" xmlns:v="urn:schemas-microsoft-com:vml" xmlns:pvml="urn:schemas-microsoft-com:office:powerpoint" xmlns:com="http://schemas.openxmlformats.org/drawingml/2006/compatibility" xmlns:p14="http://schemas.microsoft.com/office/powerpoint/2010/main" xmlns:p15="http://schemas.microsoft.com/office/powerpoint/2012/main" xmlns:ahyp="http://schemas.microsoft.com/office/drawing/2018/hyperlinkcolor">
+<p:sld xmlns:a="http://schemas.openxmlformats.org/drawingml/2006/main" xmlns:r="http://schemas.openxmlformats.org/officeDocument/2006/relationships" xmlns:p="http://schemas.openxmlformats.org/presentationml/2006/main">
   <p:cSld>
     <p:spTree>
       <p:nvGrpSpPr>
-        <p:cNvPr id="97" name="Shape 97"/>
+        <p:cNvPr id="1" name="Shape 97"/>
         <p:cNvGrpSpPr/>
         <p:nvPr/>
       </p:nvGrpSpPr>
@@ -10480,7 +10688,9 @@
       <p:sp>
         <p:nvSpPr>
           <p:cNvPr id="98" name="Google Shape;98;p20"/>
-          <p:cNvSpPr txBox="1"/>
+          <p:cNvSpPr txBox="1">
+            <a:spLocks noGrp="1"/>
+          </p:cNvSpPr>
           <p:nvPr>
             <p:ph type="title"/>
           </p:nvPr>
@@ -10499,12 +10709,12 @@
           </a:ln>
         </p:spPr>
         <p:txBody>
-          <a:bodyPr anchorCtr="0" anchor="ctr" bIns="34275" lIns="68575" spcFirstLastPara="1" rIns="68575" wrap="square" tIns="34275">
+          <a:bodyPr spcFirstLastPara="1" wrap="square" lIns="68575" tIns="34275" rIns="68575" bIns="34275" anchor="ctr" anchorCtr="0">
             <a:normAutofit/>
           </a:bodyPr>
           <a:lstStyle/>
           <a:p>
-            <a:pPr indent="0" lvl="0" marL="0" rtl="0" algn="l">
+            <a:pPr marL="0" lvl="0" indent="0" algn="l" rtl="0">
               <a:lnSpc>
                 <a:spcPct val="90000"/>
               </a:lnSpc>
@@ -10532,9 +10742,11 @@
       <p:sp>
         <p:nvSpPr>
           <p:cNvPr id="99" name="Google Shape;99;p20"/>
-          <p:cNvSpPr txBox="1"/>
+          <p:cNvSpPr txBox="1">
+            <a:spLocks noGrp="1"/>
+          </p:cNvSpPr>
           <p:nvPr>
-            <p:ph idx="1" type="body"/>
+            <p:ph type="body" idx="1"/>
           </p:nvPr>
         </p:nvSpPr>
         <p:spPr>
@@ -10551,12 +10763,12 @@
           </a:ln>
         </p:spPr>
         <p:txBody>
-          <a:bodyPr anchorCtr="0" anchor="t" bIns="34275" lIns="68575" spcFirstLastPara="1" rIns="68575" wrap="square" tIns="34275">
+          <a:bodyPr spcFirstLastPara="1" wrap="square" lIns="68575" tIns="34275" rIns="68575" bIns="34275" anchor="t" anchorCtr="0">
             <a:normAutofit/>
           </a:bodyPr>
           <a:lstStyle/>
           <a:p>
-            <a:pPr indent="-171450" lvl="0" marL="177800" rtl="0" algn="l">
+            <a:pPr marL="177800" lvl="0" indent="-171450" algn="l" rtl="0">
               <a:lnSpc>
                 <a:spcPct val="90000"/>
               </a:lnSpc>
@@ -10572,9 +10784,6 @@
               <a:buSzPts val="2100"/>
               <a:buChar char="•"/>
             </a:pPr>
-            <a:r>
-              <a:t/>
-            </a:r>
             <a:endParaRPr/>
           </a:p>
         </p:txBody>
@@ -10588,11 +10797,11 @@
 </file>
 
 <file path=ppt/slides/slide5.xml><?xml version="1.0" encoding="utf-8"?>
-<p:sld xmlns:a="http://schemas.openxmlformats.org/drawingml/2006/main" xmlns:r="http://schemas.openxmlformats.org/officeDocument/2006/relationships" xmlns:mc="http://schemas.openxmlformats.org/markup-compatibility/2006" xmlns:mv="urn:schemas-microsoft-com:mac:vml" xmlns:p="http://schemas.openxmlformats.org/presentationml/2006/main" xmlns:c="http://schemas.openxmlformats.org/drawingml/2006/chart" xmlns:dgm="http://schemas.openxmlformats.org/drawingml/2006/diagram" xmlns:o="urn:schemas-microsoft-com:office:office" xmlns:v="urn:schemas-microsoft-com:vml" xmlns:pvml="urn:schemas-microsoft-com:office:powerpoint" xmlns:com="http://schemas.openxmlformats.org/drawingml/2006/compatibility" xmlns:p14="http://schemas.microsoft.com/office/powerpoint/2010/main" xmlns:p15="http://schemas.microsoft.com/office/powerpoint/2012/main" xmlns:ahyp="http://schemas.microsoft.com/office/drawing/2018/hyperlinkcolor">
+<p:sld xmlns:a="http://schemas.openxmlformats.org/drawingml/2006/main" xmlns:r="http://schemas.openxmlformats.org/officeDocument/2006/relationships" xmlns:p="http://schemas.openxmlformats.org/presentationml/2006/main">
   <p:cSld>
     <p:spTree>
       <p:nvGrpSpPr>
-        <p:cNvPr id="103" name="Shape 103"/>
+        <p:cNvPr id="1" name="Shape 103"/>
         <p:cNvGrpSpPr/>
         <p:nvPr/>
       </p:nvGrpSpPr>
@@ -10607,7 +10816,9 @@
       <p:sp>
         <p:nvSpPr>
           <p:cNvPr id="104" name="Google Shape;104;p21"/>
-          <p:cNvSpPr txBox="1"/>
+          <p:cNvSpPr txBox="1">
+            <a:spLocks noGrp="1"/>
+          </p:cNvSpPr>
           <p:nvPr>
             <p:ph type="title"/>
           </p:nvPr>
@@ -10626,12 +10837,12 @@
           </a:ln>
         </p:spPr>
         <p:txBody>
-          <a:bodyPr anchorCtr="0" anchor="ctr" bIns="34275" lIns="68575" spcFirstLastPara="1" rIns="68575" wrap="square" tIns="34275">
+          <a:bodyPr spcFirstLastPara="1" wrap="square" lIns="68575" tIns="34275" rIns="68575" bIns="34275" anchor="ctr" anchorCtr="0">
             <a:normAutofit/>
           </a:bodyPr>
           <a:lstStyle/>
           <a:p>
-            <a:pPr indent="0" lvl="0" marL="0" rtl="0" algn="l">
+            <a:pPr marL="0" lvl="0" indent="0" algn="l" rtl="0">
               <a:lnSpc>
                 <a:spcPct val="90000"/>
               </a:lnSpc>
@@ -10659,9 +10870,11 @@
       <p:sp>
         <p:nvSpPr>
           <p:cNvPr id="105" name="Google Shape;105;p21"/>
-          <p:cNvSpPr txBox="1"/>
+          <p:cNvSpPr txBox="1">
+            <a:spLocks noGrp="1"/>
+          </p:cNvSpPr>
           <p:nvPr>
-            <p:ph idx="1" type="body"/>
+            <p:ph type="body" idx="1"/>
           </p:nvPr>
         </p:nvSpPr>
         <p:spPr>
@@ -10678,12 +10891,12 @@
           </a:ln>
         </p:spPr>
         <p:txBody>
-          <a:bodyPr anchorCtr="0" anchor="t" bIns="34275" lIns="68575" spcFirstLastPara="1" rIns="68575" wrap="square" tIns="34275">
+          <a:bodyPr spcFirstLastPara="1" wrap="square" lIns="68575" tIns="34275" rIns="68575" bIns="34275" anchor="t" anchorCtr="0">
             <a:normAutofit/>
           </a:bodyPr>
           <a:lstStyle/>
           <a:p>
-            <a:pPr indent="-171450" lvl="0" marL="177800" rtl="0" algn="l">
+            <a:pPr marL="177800" lvl="0" indent="-171450" algn="l" rtl="0">
               <a:lnSpc>
                 <a:spcPct val="90000"/>
               </a:lnSpc>
@@ -10700,9 +10913,10 @@
               <a:buChar char="•"/>
             </a:pPr>
             <a:r>
-              <a:t/>
+              <a:rPr lang="en-US" dirty="0"/>
+              <a:t>We using multivariate linear regression</a:t>
             </a:r>
-            <a:endParaRPr/>
+            <a:endParaRPr dirty="0"/>
           </a:p>
         </p:txBody>
       </p:sp>
@@ -10715,11 +10929,11 @@
 </file>
 
 <file path=ppt/slides/slide6.xml><?xml version="1.0" encoding="utf-8"?>
-<p:sld xmlns:a="http://schemas.openxmlformats.org/drawingml/2006/main" xmlns:r="http://schemas.openxmlformats.org/officeDocument/2006/relationships" xmlns:mc="http://schemas.openxmlformats.org/markup-compatibility/2006" xmlns:mv="urn:schemas-microsoft-com:mac:vml" xmlns:p="http://schemas.openxmlformats.org/presentationml/2006/main" xmlns:c="http://schemas.openxmlformats.org/drawingml/2006/chart" xmlns:dgm="http://schemas.openxmlformats.org/drawingml/2006/diagram" xmlns:o="urn:schemas-microsoft-com:office:office" xmlns:v="urn:schemas-microsoft-com:vml" xmlns:pvml="urn:schemas-microsoft-com:office:powerpoint" xmlns:com="http://schemas.openxmlformats.org/drawingml/2006/compatibility" xmlns:p14="http://schemas.microsoft.com/office/powerpoint/2010/main" xmlns:p15="http://schemas.microsoft.com/office/powerpoint/2012/main" xmlns:ahyp="http://schemas.microsoft.com/office/drawing/2018/hyperlinkcolor">
+<p:sld xmlns:a="http://schemas.openxmlformats.org/drawingml/2006/main" xmlns:r="http://schemas.openxmlformats.org/officeDocument/2006/relationships" xmlns:p="http://schemas.openxmlformats.org/presentationml/2006/main">
   <p:cSld>
     <p:spTree>
       <p:nvGrpSpPr>
-        <p:cNvPr id="109" name="Shape 109"/>
+        <p:cNvPr id="1" name="Shape 109"/>
         <p:cNvGrpSpPr/>
         <p:nvPr/>
       </p:nvGrpSpPr>
@@ -10734,7 +10948,9 @@
       <p:sp>
         <p:nvSpPr>
           <p:cNvPr id="110" name="Google Shape;110;p22"/>
-          <p:cNvSpPr txBox="1"/>
+          <p:cNvSpPr txBox="1">
+            <a:spLocks noGrp="1"/>
+          </p:cNvSpPr>
           <p:nvPr>
             <p:ph type="title"/>
           </p:nvPr>
@@ -10753,12 +10969,12 @@
           </a:ln>
         </p:spPr>
         <p:txBody>
-          <a:bodyPr anchorCtr="0" anchor="ctr" bIns="34275" lIns="68575" spcFirstLastPara="1" rIns="68575" wrap="square" tIns="34275">
+          <a:bodyPr spcFirstLastPara="1" wrap="square" lIns="68575" tIns="34275" rIns="68575" bIns="34275" anchor="ctr" anchorCtr="0">
             <a:normAutofit/>
           </a:bodyPr>
           <a:lstStyle/>
           <a:p>
-            <a:pPr indent="0" lvl="0" marL="0" rtl="0" algn="l">
+            <a:pPr marL="0" lvl="0" indent="0" algn="l" rtl="0">
               <a:lnSpc>
                 <a:spcPct val="90000"/>
               </a:lnSpc>
@@ -10777,11 +10993,7 @@
             </a:pPr>
             <a:r>
               <a:rPr lang="en"/>
-              <a:t>Results</a:t>
-            </a:r>
-            <a:r>
-              <a:rPr lang="en"/>
-              <a:t> </a:t>
+              <a:t>Results </a:t>
             </a:r>
             <a:endParaRPr/>
           </a:p>
@@ -10790,9 +11002,11 @@
       <p:sp>
         <p:nvSpPr>
           <p:cNvPr id="111" name="Google Shape;111;p22"/>
-          <p:cNvSpPr txBox="1"/>
+          <p:cNvSpPr txBox="1">
+            <a:spLocks noGrp="1"/>
+          </p:cNvSpPr>
           <p:nvPr>
-            <p:ph idx="1" type="body"/>
+            <p:ph type="body" idx="1"/>
           </p:nvPr>
         </p:nvSpPr>
         <p:spPr>
@@ -10809,12 +11023,12 @@
           </a:ln>
         </p:spPr>
         <p:txBody>
-          <a:bodyPr anchorCtr="0" anchor="t" bIns="34275" lIns="68575" spcFirstLastPara="1" rIns="68575" wrap="square" tIns="34275">
+          <a:bodyPr spcFirstLastPara="1" wrap="square" lIns="68575" tIns="34275" rIns="68575" bIns="34275" anchor="t" anchorCtr="0">
             <a:normAutofit/>
           </a:bodyPr>
           <a:lstStyle/>
           <a:p>
-            <a:pPr indent="-171450" lvl="0" marL="177800" rtl="0" algn="l">
+            <a:pPr marL="177800" lvl="0" indent="-171450" algn="l" rtl="0">
               <a:lnSpc>
                 <a:spcPct val="90000"/>
               </a:lnSpc>
@@ -10830,9 +11044,6 @@
               <a:buSzPts val="2100"/>
               <a:buChar char="•"/>
             </a:pPr>
-            <a:r>
-              <a:t/>
-            </a:r>
             <a:endParaRPr/>
           </a:p>
         </p:txBody>
@@ -10846,11 +11057,11 @@
 </file>
 
 <file path=ppt/slides/slide7.xml><?xml version="1.0" encoding="utf-8"?>
-<p:sld xmlns:a="http://schemas.openxmlformats.org/drawingml/2006/main" xmlns:r="http://schemas.openxmlformats.org/officeDocument/2006/relationships" xmlns:mc="http://schemas.openxmlformats.org/markup-compatibility/2006" xmlns:mv="urn:schemas-microsoft-com:mac:vml" xmlns:p="http://schemas.openxmlformats.org/presentationml/2006/main" xmlns:c="http://schemas.openxmlformats.org/drawingml/2006/chart" xmlns:dgm="http://schemas.openxmlformats.org/drawingml/2006/diagram" xmlns:o="urn:schemas-microsoft-com:office:office" xmlns:v="urn:schemas-microsoft-com:vml" xmlns:pvml="urn:schemas-microsoft-com:office:powerpoint" xmlns:com="http://schemas.openxmlformats.org/drawingml/2006/compatibility" xmlns:p14="http://schemas.microsoft.com/office/powerpoint/2010/main" xmlns:p15="http://schemas.microsoft.com/office/powerpoint/2012/main" xmlns:ahyp="http://schemas.microsoft.com/office/drawing/2018/hyperlinkcolor">
+<p:sld xmlns:a="http://schemas.openxmlformats.org/drawingml/2006/main" xmlns:r="http://schemas.openxmlformats.org/officeDocument/2006/relationships" xmlns:p="http://schemas.openxmlformats.org/presentationml/2006/main">
   <p:cSld>
     <p:spTree>
       <p:nvGrpSpPr>
-        <p:cNvPr id="115" name="Shape 115"/>
+        <p:cNvPr id="1" name="Shape 115"/>
         <p:cNvGrpSpPr/>
         <p:nvPr/>
       </p:nvGrpSpPr>
@@ -10865,7 +11076,9 @@
       <p:sp>
         <p:nvSpPr>
           <p:cNvPr id="116" name="Google Shape;116;p23"/>
-          <p:cNvSpPr txBox="1"/>
+          <p:cNvSpPr txBox="1">
+            <a:spLocks noGrp="1"/>
+          </p:cNvSpPr>
           <p:nvPr>
             <p:ph type="title"/>
           </p:nvPr>
@@ -10884,12 +11097,12 @@
           </a:ln>
         </p:spPr>
         <p:txBody>
-          <a:bodyPr anchorCtr="0" anchor="ctr" bIns="34275" lIns="68575" spcFirstLastPara="1" rIns="68575" wrap="square" tIns="34275">
+          <a:bodyPr spcFirstLastPara="1" wrap="square" lIns="68575" tIns="34275" rIns="68575" bIns="34275" anchor="ctr" anchorCtr="0">
             <a:normAutofit/>
           </a:bodyPr>
           <a:lstStyle/>
           <a:p>
-            <a:pPr indent="0" lvl="0" marL="0" rtl="0" algn="l">
+            <a:pPr marL="0" lvl="0" indent="0" algn="l" rtl="0">
               <a:lnSpc>
                 <a:spcPct val="90000"/>
               </a:lnSpc>
@@ -10917,9 +11130,11 @@
       <p:sp>
         <p:nvSpPr>
           <p:cNvPr id="117" name="Google Shape;117;p23"/>
-          <p:cNvSpPr txBox="1"/>
+          <p:cNvSpPr txBox="1">
+            <a:spLocks noGrp="1"/>
+          </p:cNvSpPr>
           <p:nvPr>
-            <p:ph idx="1" type="body"/>
+            <p:ph type="body" idx="1"/>
           </p:nvPr>
         </p:nvSpPr>
         <p:spPr>
@@ -10936,12 +11151,12 @@
           </a:ln>
         </p:spPr>
         <p:txBody>
-          <a:bodyPr anchorCtr="0" anchor="t" bIns="34275" lIns="68575" spcFirstLastPara="1" rIns="68575" wrap="square" tIns="34275">
+          <a:bodyPr spcFirstLastPara="1" wrap="square" lIns="68575" tIns="34275" rIns="68575" bIns="34275" anchor="t" anchorCtr="0">
             <a:normAutofit/>
           </a:bodyPr>
           <a:lstStyle/>
           <a:p>
-            <a:pPr indent="-171450" lvl="0" marL="177800" rtl="0" algn="l">
+            <a:pPr marL="177800" lvl="0" indent="-171450" algn="l" rtl="0">
               <a:lnSpc>
                 <a:spcPct val="90000"/>
               </a:lnSpc>
@@ -10957,9 +11172,6 @@
               <a:buSzPts val="2100"/>
               <a:buChar char="•"/>
             </a:pPr>
-            <a:r>
-              <a:t/>
-            </a:r>
             <a:endParaRPr/>
           </a:p>
         </p:txBody>
@@ -10973,7 +11185,7 @@
 </file>
 
 <file path=ppt/theme/theme1.xml><?xml version="1.0" encoding="utf-8"?>
-<a:theme xmlns:a="http://schemas.openxmlformats.org/drawingml/2006/main" xmlns:r="http://schemas.openxmlformats.org/officeDocument/2006/relationships" name="Simple Light">
+<a:theme xmlns:a="http://schemas.openxmlformats.org/drawingml/2006/main" name="Simple Light">
   <a:themeElements>
     <a:clrScheme name="Simple Light">
       <a:dk1>
@@ -11248,11 +11460,294 @@
       </a:bgFillStyleLst>
     </a:fmtScheme>
   </a:themeElements>
+  <a:objectDefaults/>
+  <a:extraClrSchemeLst/>
 </a:theme>
 </file>
 
 <file path=ppt/theme/theme2.xml><?xml version="1.0" encoding="utf-8"?>
-<a:theme xmlns:a="http://schemas.openxmlformats.org/drawingml/2006/main" xmlns:r="http://schemas.openxmlformats.org/officeDocument/2006/relationships">
+<a:theme xmlns:a="http://schemas.openxmlformats.org/drawingml/2006/main" name="Office Theme">
+  <a:themeElements>
+    <a:clrScheme name="Office">
+      <a:dk1>
+        <a:srgbClr val="000000"/>
+      </a:dk1>
+      <a:lt1>
+        <a:srgbClr val="FFFFFF"/>
+      </a:lt1>
+      <a:dk2>
+        <a:srgbClr val="44546A"/>
+      </a:dk2>
+      <a:lt2>
+        <a:srgbClr val="E7E6E6"/>
+      </a:lt2>
+      <a:accent1>
+        <a:srgbClr val="4472C4"/>
+      </a:accent1>
+      <a:accent2>
+        <a:srgbClr val="ED7D31"/>
+      </a:accent2>
+      <a:accent3>
+        <a:srgbClr val="A5A5A5"/>
+      </a:accent3>
+      <a:accent4>
+        <a:srgbClr val="FFC000"/>
+      </a:accent4>
+      <a:accent5>
+        <a:srgbClr val="5B9BD5"/>
+      </a:accent5>
+      <a:accent6>
+        <a:srgbClr val="70AD47"/>
+      </a:accent6>
+      <a:hlink>
+        <a:srgbClr val="0563C1"/>
+      </a:hlink>
+      <a:folHlink>
+        <a:srgbClr val="954F72"/>
+      </a:folHlink>
+    </a:clrScheme>
+    <a:fontScheme name="Office">
+      <a:majorFont>
+        <a:latin typeface="Arial"/>
+        <a:ea typeface=""/>
+        <a:cs typeface=""/>
+        <a:font script="Jpan" typeface="ＭＳ Ｐゴシック"/>
+        <a:font script="Hang" typeface="맑은 고딕"/>
+        <a:font script="Hans" typeface="宋体"/>
+        <a:font script="Hant" typeface="新細明體"/>
+        <a:font script="Arab" typeface="Times New Roman"/>
+        <a:font script="Hebr" typeface="Times New Roman"/>
+        <a:font script="Thai" typeface="Angsana New"/>
+        <a:font script="Ethi" typeface="Nyala"/>
+        <a:font script="Beng" typeface="Vrinda"/>
+        <a:font script="Gujr" typeface="Shruti"/>
+        <a:font script="Khmr" typeface="MoolBoran"/>
+        <a:font script="Knda" typeface="Tunga"/>
+        <a:font script="Guru" typeface="Raavi"/>
+        <a:font script="Cans" typeface="Euphemia"/>
+        <a:font script="Cher" typeface="Plantagenet Cherokee"/>
+        <a:font script="Yiii" typeface="Microsoft Yi Baiti"/>
+        <a:font script="Tibt" typeface="Microsoft Himalaya"/>
+        <a:font script="Thaa" typeface="MV Boli"/>
+        <a:font script="Deva" typeface="Mangal"/>
+        <a:font script="Telu" typeface="Gautami"/>
+        <a:font script="Taml" typeface="Latha"/>
+        <a:font script="Syrc" typeface="Estrangelo Edessa"/>
+        <a:font script="Orya" typeface="Kalinga"/>
+        <a:font script="Mlym" typeface="Kartika"/>
+        <a:font script="Laoo" typeface="DokChampa"/>
+        <a:font script="Sinh" typeface="Iskoola Pota"/>
+        <a:font script="Mong" typeface="Mongolian Baiti"/>
+        <a:font script="Viet" typeface="Times New Roman"/>
+        <a:font script="Uigh" typeface="Microsoft Uighur"/>
+        <a:font script="Geor" typeface="Sylfaen"/>
+      </a:majorFont>
+      <a:minorFont>
+        <a:latin typeface="Arial"/>
+        <a:ea typeface=""/>
+        <a:cs typeface=""/>
+        <a:font script="Jpan" typeface="ＭＳ Ｐゴシック"/>
+        <a:font script="Hang" typeface="맑은 고딕"/>
+        <a:font script="Hans" typeface="宋体"/>
+        <a:font script="Hant" typeface="新細明體"/>
+        <a:font script="Arab" typeface="Arial"/>
+        <a:font script="Hebr" typeface="Arial"/>
+        <a:font script="Thai" typeface="Cordia New"/>
+        <a:font script="Ethi" typeface="Nyala"/>
+        <a:font script="Beng" typeface="Vrinda"/>
+        <a:font script="Gujr" typeface="Shruti"/>
+        <a:font script="Khmr" typeface="DaunPenh"/>
+        <a:font script="Knda" typeface="Tunga"/>
+        <a:font script="Guru" typeface="Raavi"/>
+        <a:font script="Cans" typeface="Euphemia"/>
+        <a:font script="Cher" typeface="Plantagenet Cherokee"/>
+        <a:font script="Yiii" typeface="Microsoft Yi Baiti"/>
+        <a:font script="Tibt" typeface="Microsoft Himalaya"/>
+        <a:font script="Thaa" typeface="MV Boli"/>
+        <a:font script="Deva" typeface="Mangal"/>
+        <a:font script="Telu" typeface="Gautami"/>
+        <a:font script="Taml" typeface="Latha"/>
+        <a:font script="Syrc" typeface="Estrangelo Edessa"/>
+        <a:font script="Orya" typeface="Kalinga"/>
+        <a:font script="Mlym" typeface="Kartika"/>
+        <a:font script="Laoo" typeface="DokChampa"/>
+        <a:font script="Sinh" typeface="Iskoola Pota"/>
+        <a:font script="Mong" typeface="Mongolian Baiti"/>
+        <a:font script="Viet" typeface="Arial"/>
+        <a:font script="Uigh" typeface="Microsoft Uighur"/>
+        <a:font script="Geor" typeface="Sylfaen"/>
+      </a:minorFont>
+    </a:fontScheme>
+    <a:fmtScheme name="Office">
+      <a:fillStyleLst>
+        <a:solidFill>
+          <a:schemeClr val="phClr"/>
+        </a:solidFill>
+        <a:gradFill rotWithShape="1">
+          <a:gsLst>
+            <a:gs pos="0">
+              <a:schemeClr val="phClr">
+                <a:tint val="50000"/>
+                <a:satMod val="300000"/>
+              </a:schemeClr>
+            </a:gs>
+            <a:gs pos="35000">
+              <a:schemeClr val="phClr">
+                <a:tint val="37000"/>
+                <a:satMod val="300000"/>
+              </a:schemeClr>
+            </a:gs>
+            <a:gs pos="100000">
+              <a:schemeClr val="phClr">
+                <a:tint val="15000"/>
+                <a:satMod val="350000"/>
+              </a:schemeClr>
+            </a:gs>
+          </a:gsLst>
+          <a:lin ang="16200000" scaled="1"/>
+        </a:gradFill>
+        <a:gradFill rotWithShape="1">
+          <a:gsLst>
+            <a:gs pos="0">
+              <a:schemeClr val="phClr">
+                <a:tint val="100000"/>
+                <a:shade val="100000"/>
+                <a:satMod val="130000"/>
+              </a:schemeClr>
+            </a:gs>
+            <a:gs pos="100000">
+              <a:schemeClr val="phClr">
+                <a:tint val="50000"/>
+                <a:shade val="100000"/>
+                <a:satMod val="350000"/>
+              </a:schemeClr>
+            </a:gs>
+          </a:gsLst>
+          <a:lin ang="16200000" scaled="0"/>
+        </a:gradFill>
+      </a:fillStyleLst>
+      <a:lnStyleLst>
+        <a:ln w="9525" cap="flat" cmpd="sng" algn="ctr">
+          <a:solidFill>
+            <a:schemeClr val="phClr">
+              <a:shade val="95000"/>
+              <a:satMod val="105000"/>
+            </a:schemeClr>
+          </a:solidFill>
+          <a:prstDash val="solid"/>
+        </a:ln>
+        <a:ln w="25400" cap="flat" cmpd="sng" algn="ctr">
+          <a:solidFill>
+            <a:schemeClr val="phClr"/>
+          </a:solidFill>
+          <a:prstDash val="solid"/>
+        </a:ln>
+        <a:ln w="38100" cap="flat" cmpd="sng" algn="ctr">
+          <a:solidFill>
+            <a:schemeClr val="phClr"/>
+          </a:solidFill>
+          <a:prstDash val="solid"/>
+        </a:ln>
+      </a:lnStyleLst>
+      <a:effectStyleLst>
+        <a:effectStyle>
+          <a:effectLst>
+            <a:outerShdw blurRad="40000" dist="20000" dir="5400000" rotWithShape="0">
+              <a:srgbClr val="000000">
+                <a:alpha val="38000"/>
+              </a:srgbClr>
+            </a:outerShdw>
+          </a:effectLst>
+        </a:effectStyle>
+        <a:effectStyle>
+          <a:effectLst>
+            <a:outerShdw blurRad="40000" dist="23000" dir="5400000" rotWithShape="0">
+              <a:srgbClr val="000000">
+                <a:alpha val="35000"/>
+              </a:srgbClr>
+            </a:outerShdw>
+          </a:effectLst>
+        </a:effectStyle>
+        <a:effectStyle>
+          <a:effectLst>
+            <a:outerShdw blurRad="40000" dist="23000" dir="5400000" rotWithShape="0">
+              <a:srgbClr val="000000">
+                <a:alpha val="35000"/>
+              </a:srgbClr>
+            </a:outerShdw>
+          </a:effectLst>
+          <a:scene3d>
+            <a:camera prst="orthographicFront">
+              <a:rot lat="0" lon="0" rev="0"/>
+            </a:camera>
+            <a:lightRig rig="threePt" dir="t">
+              <a:rot lat="0" lon="0" rev="1200000"/>
+            </a:lightRig>
+          </a:scene3d>
+          <a:sp3d>
+            <a:bevelT w="63500" h="25400"/>
+          </a:sp3d>
+        </a:effectStyle>
+      </a:effectStyleLst>
+      <a:bgFillStyleLst>
+        <a:solidFill>
+          <a:schemeClr val="phClr"/>
+        </a:solidFill>
+        <a:gradFill rotWithShape="1">
+          <a:gsLst>
+            <a:gs pos="0">
+              <a:schemeClr val="phClr">
+                <a:tint val="40000"/>
+                <a:satMod val="350000"/>
+              </a:schemeClr>
+            </a:gs>
+            <a:gs pos="40000">
+              <a:schemeClr val="phClr">
+                <a:tint val="45000"/>
+                <a:shade val="99000"/>
+                <a:satMod val="350000"/>
+              </a:schemeClr>
+            </a:gs>
+            <a:gs pos="100000">
+              <a:schemeClr val="phClr">
+                <a:shade val="20000"/>
+                <a:satMod val="255000"/>
+              </a:schemeClr>
+            </a:gs>
+          </a:gsLst>
+          <a:path path="circle">
+            <a:fillToRect l="50000" t="-80000" r="50000" b="180000"/>
+          </a:path>
+        </a:gradFill>
+        <a:gradFill rotWithShape="1">
+          <a:gsLst>
+            <a:gs pos="0">
+              <a:schemeClr val="phClr">
+                <a:tint val="80000"/>
+                <a:satMod val="300000"/>
+              </a:schemeClr>
+            </a:gs>
+            <a:gs pos="100000">
+              <a:schemeClr val="phClr">
+                <a:shade val="30000"/>
+                <a:satMod val="200000"/>
+              </a:schemeClr>
+            </a:gs>
+          </a:gsLst>
+          <a:path path="circle">
+            <a:fillToRect l="50000" t="50000" r="50000" b="50000"/>
+          </a:path>
+        </a:gradFill>
+      </a:bgFillStyleLst>
+    </a:fmtScheme>
+  </a:themeElements>
+  <a:objectDefaults/>
+  <a:extraClrSchemeLst/>
+</a:theme>
+</file>
+
+<file path=ppt/theme/theme3.xml><?xml version="1.0" encoding="utf-8"?>
+<a:theme xmlns:a="http://schemas.openxmlformats.org/drawingml/2006/main">
   <a:themeElements>
     <a:clrScheme name="Default">
       <a:dk1>
@@ -11527,284 +12022,7 @@
       </a:bgFillStyleLst>
     </a:fmtScheme>
   </a:themeElements>
-</a:theme>
-</file>
-
-<file path=ppt/theme/theme3.xml><?xml version="1.0" encoding="utf-8"?>
-<a:theme xmlns:a="http://schemas.openxmlformats.org/drawingml/2006/main" xmlns:r="http://schemas.openxmlformats.org/officeDocument/2006/relationships" name="Office Theme">
-  <a:themeElements>
-    <a:clrScheme name="Office">
-      <a:dk1>
-        <a:srgbClr val="000000"/>
-      </a:dk1>
-      <a:lt1>
-        <a:srgbClr val="FFFFFF"/>
-      </a:lt1>
-      <a:dk2>
-        <a:srgbClr val="44546A"/>
-      </a:dk2>
-      <a:lt2>
-        <a:srgbClr val="E7E6E6"/>
-      </a:lt2>
-      <a:accent1>
-        <a:srgbClr val="4472C4"/>
-      </a:accent1>
-      <a:accent2>
-        <a:srgbClr val="ED7D31"/>
-      </a:accent2>
-      <a:accent3>
-        <a:srgbClr val="A5A5A5"/>
-      </a:accent3>
-      <a:accent4>
-        <a:srgbClr val="FFC000"/>
-      </a:accent4>
-      <a:accent5>
-        <a:srgbClr val="5B9BD5"/>
-      </a:accent5>
-      <a:accent6>
-        <a:srgbClr val="70AD47"/>
-      </a:accent6>
-      <a:hlink>
-        <a:srgbClr val="0563C1"/>
-      </a:hlink>
-      <a:folHlink>
-        <a:srgbClr val="954F72"/>
-      </a:folHlink>
-    </a:clrScheme>
-    <a:fontScheme name="Office">
-      <a:majorFont>
-        <a:latin typeface="Arial"/>
-        <a:ea typeface=""/>
-        <a:cs typeface=""/>
-        <a:font script="Jpan" typeface="ＭＳ Ｐゴシック"/>
-        <a:font script="Hang" typeface="맑은 고딕"/>
-        <a:font script="Hans" typeface="宋体"/>
-        <a:font script="Hant" typeface="新細明體"/>
-        <a:font script="Arab" typeface="Times New Roman"/>
-        <a:font script="Hebr" typeface="Times New Roman"/>
-        <a:font script="Thai" typeface="Angsana New"/>
-        <a:font script="Ethi" typeface="Nyala"/>
-        <a:font script="Beng" typeface="Vrinda"/>
-        <a:font script="Gujr" typeface="Shruti"/>
-        <a:font script="Khmr" typeface="MoolBoran"/>
-        <a:font script="Knda" typeface="Tunga"/>
-        <a:font script="Guru" typeface="Raavi"/>
-        <a:font script="Cans" typeface="Euphemia"/>
-        <a:font script="Cher" typeface="Plantagenet Cherokee"/>
-        <a:font script="Yiii" typeface="Microsoft Yi Baiti"/>
-        <a:font script="Tibt" typeface="Microsoft Himalaya"/>
-        <a:font script="Thaa" typeface="MV Boli"/>
-        <a:font script="Deva" typeface="Mangal"/>
-        <a:font script="Telu" typeface="Gautami"/>
-        <a:font script="Taml" typeface="Latha"/>
-        <a:font script="Syrc" typeface="Estrangelo Edessa"/>
-        <a:font script="Orya" typeface="Kalinga"/>
-        <a:font script="Mlym" typeface="Kartika"/>
-        <a:font script="Laoo" typeface="DokChampa"/>
-        <a:font script="Sinh" typeface="Iskoola Pota"/>
-        <a:font script="Mong" typeface="Mongolian Baiti"/>
-        <a:font script="Viet" typeface="Times New Roman"/>
-        <a:font script="Uigh" typeface="Microsoft Uighur"/>
-        <a:font script="Geor" typeface="Sylfaen"/>
-      </a:majorFont>
-      <a:minorFont>
-        <a:latin typeface="Arial"/>
-        <a:ea typeface=""/>
-        <a:cs typeface=""/>
-        <a:font script="Jpan" typeface="ＭＳ Ｐゴシック"/>
-        <a:font script="Hang" typeface="맑은 고딕"/>
-        <a:font script="Hans" typeface="宋体"/>
-        <a:font script="Hant" typeface="新細明體"/>
-        <a:font script="Arab" typeface="Arial"/>
-        <a:font script="Hebr" typeface="Arial"/>
-        <a:font script="Thai" typeface="Cordia New"/>
-        <a:font script="Ethi" typeface="Nyala"/>
-        <a:font script="Beng" typeface="Vrinda"/>
-        <a:font script="Gujr" typeface="Shruti"/>
-        <a:font script="Khmr" typeface="DaunPenh"/>
-        <a:font script="Knda" typeface="Tunga"/>
-        <a:font script="Guru" typeface="Raavi"/>
-        <a:font script="Cans" typeface="Euphemia"/>
-        <a:font script="Cher" typeface="Plantagenet Cherokee"/>
-        <a:font script="Yiii" typeface="Microsoft Yi Baiti"/>
-        <a:font script="Tibt" typeface="Microsoft Himalaya"/>
-        <a:font script="Thaa" typeface="MV Boli"/>
-        <a:font script="Deva" typeface="Mangal"/>
-        <a:font script="Telu" typeface="Gautami"/>
-        <a:font script="Taml" typeface="Latha"/>
-        <a:font script="Syrc" typeface="Estrangelo Edessa"/>
-        <a:font script="Orya" typeface="Kalinga"/>
-        <a:font script="Mlym" typeface="Kartika"/>
-        <a:font script="Laoo" typeface="DokChampa"/>
-        <a:font script="Sinh" typeface="Iskoola Pota"/>
-        <a:font script="Mong" typeface="Mongolian Baiti"/>
-        <a:font script="Viet" typeface="Arial"/>
-        <a:font script="Uigh" typeface="Microsoft Uighur"/>
-        <a:font script="Geor" typeface="Sylfaen"/>
-      </a:minorFont>
-    </a:fontScheme>
-    <a:fmtScheme name="Office">
-      <a:fillStyleLst>
-        <a:solidFill>
-          <a:schemeClr val="phClr"/>
-        </a:solidFill>
-        <a:gradFill rotWithShape="1">
-          <a:gsLst>
-            <a:gs pos="0">
-              <a:schemeClr val="phClr">
-                <a:tint val="50000"/>
-                <a:satMod val="300000"/>
-              </a:schemeClr>
-            </a:gs>
-            <a:gs pos="35000">
-              <a:schemeClr val="phClr">
-                <a:tint val="37000"/>
-                <a:satMod val="300000"/>
-              </a:schemeClr>
-            </a:gs>
-            <a:gs pos="100000">
-              <a:schemeClr val="phClr">
-                <a:tint val="15000"/>
-                <a:satMod val="350000"/>
-              </a:schemeClr>
-            </a:gs>
-          </a:gsLst>
-          <a:lin ang="16200000" scaled="1"/>
-        </a:gradFill>
-        <a:gradFill rotWithShape="1">
-          <a:gsLst>
-            <a:gs pos="0">
-              <a:schemeClr val="phClr">
-                <a:tint val="100000"/>
-                <a:shade val="100000"/>
-                <a:satMod val="130000"/>
-              </a:schemeClr>
-            </a:gs>
-            <a:gs pos="100000">
-              <a:schemeClr val="phClr">
-                <a:tint val="50000"/>
-                <a:shade val="100000"/>
-                <a:satMod val="350000"/>
-              </a:schemeClr>
-            </a:gs>
-          </a:gsLst>
-          <a:lin ang="16200000" scaled="0"/>
-        </a:gradFill>
-      </a:fillStyleLst>
-      <a:lnStyleLst>
-        <a:ln w="9525" cap="flat" cmpd="sng" algn="ctr">
-          <a:solidFill>
-            <a:schemeClr val="phClr">
-              <a:shade val="95000"/>
-              <a:satMod val="105000"/>
-            </a:schemeClr>
-          </a:solidFill>
-          <a:prstDash val="solid"/>
-        </a:ln>
-        <a:ln w="25400" cap="flat" cmpd="sng" algn="ctr">
-          <a:solidFill>
-            <a:schemeClr val="phClr"/>
-          </a:solidFill>
-          <a:prstDash val="solid"/>
-        </a:ln>
-        <a:ln w="38100" cap="flat" cmpd="sng" algn="ctr">
-          <a:solidFill>
-            <a:schemeClr val="phClr"/>
-          </a:solidFill>
-          <a:prstDash val="solid"/>
-        </a:ln>
-      </a:lnStyleLst>
-      <a:effectStyleLst>
-        <a:effectStyle>
-          <a:effectLst>
-            <a:outerShdw blurRad="40000" dist="20000" dir="5400000" rotWithShape="0">
-              <a:srgbClr val="000000">
-                <a:alpha val="38000"/>
-              </a:srgbClr>
-            </a:outerShdw>
-          </a:effectLst>
-        </a:effectStyle>
-        <a:effectStyle>
-          <a:effectLst>
-            <a:outerShdw blurRad="40000" dist="23000" dir="5400000" rotWithShape="0">
-              <a:srgbClr val="000000">
-                <a:alpha val="35000"/>
-              </a:srgbClr>
-            </a:outerShdw>
-          </a:effectLst>
-        </a:effectStyle>
-        <a:effectStyle>
-          <a:effectLst>
-            <a:outerShdw blurRad="40000" dist="23000" dir="5400000" rotWithShape="0">
-              <a:srgbClr val="000000">
-                <a:alpha val="35000"/>
-              </a:srgbClr>
-            </a:outerShdw>
-          </a:effectLst>
-          <a:scene3d>
-            <a:camera prst="orthographicFront">
-              <a:rot lat="0" lon="0" rev="0"/>
-            </a:camera>
-            <a:lightRig rig="threePt" dir="t">
-              <a:rot lat="0" lon="0" rev="1200000"/>
-            </a:lightRig>
-          </a:scene3d>
-          <a:sp3d>
-            <a:bevelT w="63500" h="25400"/>
-          </a:sp3d>
-        </a:effectStyle>
-      </a:effectStyleLst>
-      <a:bgFillStyleLst>
-        <a:solidFill>
-          <a:schemeClr val="phClr"/>
-        </a:solidFill>
-        <a:gradFill rotWithShape="1">
-          <a:gsLst>
-            <a:gs pos="0">
-              <a:schemeClr val="phClr">
-                <a:tint val="40000"/>
-                <a:satMod val="350000"/>
-              </a:schemeClr>
-            </a:gs>
-            <a:gs pos="40000">
-              <a:schemeClr val="phClr">
-                <a:tint val="45000"/>
-                <a:shade val="99000"/>
-                <a:satMod val="350000"/>
-              </a:schemeClr>
-            </a:gs>
-            <a:gs pos="100000">
-              <a:schemeClr val="phClr">
-                <a:shade val="20000"/>
-                <a:satMod val="255000"/>
-              </a:schemeClr>
-            </a:gs>
-          </a:gsLst>
-          <a:path path="circle">
-            <a:fillToRect l="50000" t="-80000" r="50000" b="180000"/>
-          </a:path>
-        </a:gradFill>
-        <a:gradFill rotWithShape="1">
-          <a:gsLst>
-            <a:gs pos="0">
-              <a:schemeClr val="phClr">
-                <a:tint val="80000"/>
-                <a:satMod val="300000"/>
-              </a:schemeClr>
-            </a:gs>
-            <a:gs pos="100000">
-              <a:schemeClr val="phClr">
-                <a:shade val="30000"/>
-                <a:satMod val="200000"/>
-              </a:schemeClr>
-            </a:gs>
-          </a:gsLst>
-          <a:path path="circle">
-            <a:fillToRect l="50000" t="50000" r="50000" b="50000"/>
-          </a:path>
-        </a:gradFill>
-      </a:bgFillStyleLst>
-    </a:fmtScheme>
-  </a:themeElements>
+  <a:objectDefaults/>
+  <a:extraClrSchemeLst/>
 </a:theme>
 </file>
--- a/Group4_5303.pptx
+++ b/Group4_5303.pptx
@@ -927,7 +927,7 @@
               </a:spcAft>
               <a:buNone/>
             </a:pPr>
-            <a:endParaRPr/>
+            <a:endParaRPr dirty="0"/>
           </a:p>
         </p:txBody>
       </p:sp>
@@ -1660,7 +1660,7 @@
               </a:spcAft>
               <a:buNone/>
             </a:pPr>
-            <a:endParaRPr/>
+            <a:endParaRPr dirty="0"/>
           </a:p>
         </p:txBody>
       </p:sp>
@@ -1769,7 +1769,7 @@
               </a:spcAft>
               <a:buNone/>
             </a:pPr>
-            <a:endParaRPr/>
+            <a:endParaRPr dirty="0"/>
           </a:p>
         </p:txBody>
       </p:sp>
@@ -3446,7 +3446,9 @@
                 <a:spcPts val="0"/>
               </a:spcBef>
               <a:buNone/>
-              <a:defRPr sz="1200"/>
+              <a:defRPr sz="1400">
+                <a:latin typeface="Georgia" panose="02040502050405020303" pitchFamily="18" charset="0"/>
+              </a:defRPr>
             </a:lvl1pPr>
             <a:lvl2pPr marL="0" lvl="1" indent="0" algn="r">
               <a:spcBef>
@@ -8937,70 +8939,6 @@
               <a:latin typeface="Georgia" panose="02040502050405020303" pitchFamily="18" charset="0"/>
             </a:endParaRPr>
           </a:p>
-          <a:p>
-            <a:pPr algn="l">
-              <a:buFont typeface="Courier New" panose="02070309020205020404" pitchFamily="49" charset="0"/>
-              <a:buChar char="o"/>
-            </a:pPr>
-            <a:r>
-              <a:rPr lang="en-US" sz="1800" i="0" dirty="0" err="1">
-                <a:solidFill>
-                  <a:schemeClr val="accent2">
-                    <a:lumMod val="75000"/>
-                  </a:schemeClr>
-                </a:solidFill>
-                <a:effectLst/>
-                <a:highlight>
-                  <a:srgbClr val="FFFFFF"/>
-                </a:highlight>
-                <a:latin typeface="Georgia" panose="02040502050405020303" pitchFamily="18" charset="0"/>
-              </a:rPr>
-              <a:t>Mainroad</a:t>
-            </a:r>
-            <a:r>
-              <a:rPr lang="en-US" sz="1800" i="0" dirty="0">
-                <a:solidFill>
-                  <a:schemeClr val="accent2">
-                    <a:lumMod val="75000"/>
-                  </a:schemeClr>
-                </a:solidFill>
-                <a:effectLst/>
-                <a:highlight>
-                  <a:srgbClr val="FFFFFF"/>
-                </a:highlight>
-                <a:latin typeface="Georgia" panose="02040502050405020303" pitchFamily="18" charset="0"/>
-              </a:rPr>
-              <a:t>: </a:t>
-            </a:r>
-          </a:p>
-          <a:p>
-            <a:pPr algn="l">
-              <a:buFont typeface="Courier New" panose="02070309020205020404" pitchFamily="49" charset="0"/>
-              <a:buChar char="o"/>
-            </a:pPr>
-            <a:r>
-              <a:rPr lang="en-US" sz="1800" i="0" dirty="0">
-                <a:solidFill>
-                  <a:schemeClr val="accent2">
-                    <a:lumMod val="75000"/>
-                  </a:schemeClr>
-                </a:solidFill>
-                <a:effectLst/>
-                <a:highlight>
-                  <a:srgbClr val="FFFFFF"/>
-                </a:highlight>
-                <a:latin typeface="Georgia" panose="02040502050405020303" pitchFamily="18" charset="0"/>
-              </a:rPr>
-              <a:t>Guestroom:</a:t>
-            </a:r>
-            <a:endParaRPr lang="en-US" dirty="0">
-              <a:solidFill>
-                <a:schemeClr val="accent2">
-                  <a:lumMod val="75000"/>
-                </a:schemeClr>
-              </a:solidFill>
-            </a:endParaRPr>
-          </a:p>
         </p:txBody>
       </p:sp>
       <p:sp>
@@ -9383,8 +9321,8 @@
         </p:nvSpPr>
         <p:spPr>
           <a:xfrm>
-            <a:off x="2401293" y="930303"/>
-            <a:ext cx="254443" cy="2671638"/>
+            <a:off x="2406012" y="961190"/>
+            <a:ext cx="254443" cy="1955569"/>
           </a:xfrm>
           <a:prstGeom prst="rightBrace">
             <a:avLst>
@@ -9483,9 +9421,9 @@
         </p:nvGrpSpPr>
         <p:grpSpPr>
           <a:xfrm>
-            <a:off x="2245253" y="3798847"/>
+            <a:off x="1873522" y="3290388"/>
             <a:ext cx="4572000" cy="400110"/>
-            <a:chOff x="2364387" y="4125213"/>
+            <a:chOff x="1992656" y="3616754"/>
             <a:chExt cx="4572000" cy="400110"/>
           </a:xfrm>
         </p:grpSpPr>
@@ -9503,7 +9441,7 @@
           </p:nvSpPr>
           <p:spPr>
             <a:xfrm>
-              <a:off x="2364387" y="4134418"/>
+              <a:off x="1992656" y="3647532"/>
               <a:ext cx="4572000" cy="369332"/>
             </a:xfrm>
             <a:prstGeom prst="rect">
@@ -9553,7 +9491,7 @@
           </p:nvSpPr>
           <p:spPr>
             <a:xfrm>
-              <a:off x="4951851" y="4125213"/>
+              <a:off x="4420072" y="3616754"/>
               <a:ext cx="1460656" cy="400110"/>
             </a:xfrm>
             <a:prstGeom prst="rect">
@@ -9595,7 +9533,7 @@
           </p:nvSpPr>
           <p:spPr>
             <a:xfrm>
-              <a:off x="4763832" y="4207918"/>
+              <a:off x="4307137" y="3680485"/>
               <a:ext cx="112935" cy="256331"/>
             </a:xfrm>
             <a:prstGeom prst="rightBrace">
@@ -9720,11 +9658,130 @@
           </a:p>
         </p:txBody>
       </p:sp>
+      <p:sp>
+        <p:nvSpPr>
+          <p:cNvPr id="7" name="TextBox 6">
+            <a:extLst>
+              <a:ext uri="{FF2B5EF4-FFF2-40B4-BE49-F238E27FC236}">
+                <a16:creationId xmlns:a16="http://schemas.microsoft.com/office/drawing/2014/main" id="{AA3B43C3-8956-DAC2-D7D2-0A7E4BDEC32B}"/>
+              </a:ext>
+            </a:extLst>
+          </p:cNvPr>
+          <p:cNvSpPr txBox="1"/>
+          <p:nvPr/>
+        </p:nvSpPr>
+        <p:spPr>
+          <a:xfrm>
+            <a:off x="868210" y="3841574"/>
+            <a:ext cx="6611105" cy="400110"/>
+          </a:xfrm>
+          <a:prstGeom prst="rect">
+            <a:avLst/>
+          </a:prstGeom>
+          <a:noFill/>
+        </p:spPr>
+        <p:txBody>
+          <a:bodyPr wrap="none" rtlCol="0">
+            <a:spAutoFit/>
+          </a:bodyPr>
+          <a:lstStyle/>
+          <a:p>
+            <a:r>
+              <a:rPr lang="en-US" sz="2000" dirty="0">
+                <a:solidFill>
+                  <a:srgbClr val="002060"/>
+                </a:solidFill>
+                <a:latin typeface="Georgia" panose="02040502050405020303" pitchFamily="18" charset="0"/>
+              </a:rPr>
+              <a:t>Data Treatment: Removed all missing data (N/A) values </a:t>
+            </a:r>
+          </a:p>
+        </p:txBody>
+      </p:sp>
     </p:spTree>
   </p:cSld>
   <p:clrMapOvr>
     <a:masterClrMapping/>
   </p:clrMapOvr>
+  <p:timing>
+    <p:tnLst>
+      <p:par>
+        <p:cTn id="1" dur="indefinite" restart="never" nodeType="tmRoot">
+          <p:childTnLst>
+            <p:seq concurrent="1" nextAc="seek">
+              <p:cTn id="2" dur="indefinite" nodeType="mainSeq">
+                <p:childTnLst>
+                  <p:par>
+                    <p:cTn id="3" fill="hold">
+                      <p:stCondLst>
+                        <p:cond delay="indefinite"/>
+                      </p:stCondLst>
+                      <p:childTnLst>
+                        <p:par>
+                          <p:cTn id="4" fill="hold">
+                            <p:stCondLst>
+                              <p:cond delay="0"/>
+                            </p:stCondLst>
+                            <p:childTnLst>
+                              <p:par>
+                                <p:cTn id="5" presetID="1" presetClass="entr" presetSubtype="0" fill="hold" nodeType="clickEffect">
+                                  <p:stCondLst>
+                                    <p:cond delay="0"/>
+                                  </p:stCondLst>
+                                  <p:childTnLst>
+                                    <p:set>
+                                      <p:cBhvr>
+                                        <p:cTn id="6" dur="1" fill="hold">
+                                          <p:stCondLst>
+                                            <p:cond delay="0"/>
+                                          </p:stCondLst>
+                                        </p:cTn>
+                                        <p:tgtEl>
+                                          <p:spTgt spid="7">
+                                            <p:txEl>
+                                              <p:pRg st="0" end="0"/>
+                                            </p:txEl>
+                                          </p:spTgt>
+                                        </p:tgtEl>
+                                        <p:attrNameLst>
+                                          <p:attrName>style.visibility</p:attrName>
+                                        </p:attrNameLst>
+                                      </p:cBhvr>
+                                      <p:to>
+                                        <p:strVal val="visible"/>
+                                      </p:to>
+                                    </p:set>
+                                  </p:childTnLst>
+                                </p:cTn>
+                              </p:par>
+                            </p:childTnLst>
+                          </p:cTn>
+                        </p:par>
+                      </p:childTnLst>
+                    </p:cTn>
+                  </p:par>
+                </p:childTnLst>
+              </p:cTn>
+              <p:prevCondLst>
+                <p:cond evt="onPrev" delay="0">
+                  <p:tgtEl>
+                    <p:sldTgt/>
+                  </p:tgtEl>
+                </p:cond>
+              </p:prevCondLst>
+              <p:nextCondLst>
+                <p:cond evt="onNext" delay="0">
+                  <p:tgtEl>
+                    <p:sldTgt/>
+                  </p:tgtEl>
+                </p:cond>
+              </p:nextCondLst>
+            </p:seq>
+          </p:childTnLst>
+        </p:cTn>
+      </p:par>
+    </p:tnLst>
+  </p:timing>
 </p:sld>
 </file>
 

--- a/Group4_5303.pptx
+++ b/Group4_5303.pptx
@@ -5,7 +5,7 @@
     <p:sldMasterId id="2147483663" r:id="rId1"/>
   </p:sldMasterIdLst>
   <p:notesMasterIdLst>
-    <p:notesMasterId r:id="rId14"/>
+    <p:notesMasterId r:id="rId15"/>
   </p:notesMasterIdLst>
   <p:sldIdLst>
     <p:sldId id="256" r:id="rId2"/>
@@ -19,7 +19,8 @@
     <p:sldId id="266" r:id="rId10"/>
     <p:sldId id="261" r:id="rId11"/>
     <p:sldId id="267" r:id="rId12"/>
-    <p:sldId id="262" r:id="rId13"/>
+    <p:sldId id="268" r:id="rId13"/>
+    <p:sldId id="262" r:id="rId14"/>
   </p:sldIdLst>
   <p:sldSz cx="9144000" cy="5143500" type="screen16x9"/>
   <p:notesSz cx="6858000" cy="9144000"/>
@@ -7544,57 +7545,8 @@
             </a:pPr>
             <a:r>
               <a:rPr lang="en" dirty="0"/>
-              <a:t>K-fold Cross-Verification</a:t>
+              <a:t>Further Treatment of Data</a:t>
             </a:r>
-            <a:endParaRPr dirty="0"/>
-          </a:p>
-        </p:txBody>
-      </p:sp>
-      <p:sp>
-        <p:nvSpPr>
-          <p:cNvPr id="117" name="Google Shape;117;p23"/>
-          <p:cNvSpPr txBox="1">
-            <a:spLocks noGrp="1"/>
-          </p:cNvSpPr>
-          <p:nvPr>
-            <p:ph type="body" idx="1"/>
-          </p:nvPr>
-        </p:nvSpPr>
-        <p:spPr>
-          <a:xfrm>
-            <a:off x="223631" y="961611"/>
-            <a:ext cx="8291700" cy="3671100"/>
-          </a:xfrm>
-          <a:prstGeom prst="rect">
-            <a:avLst/>
-          </a:prstGeom>
-          <a:noFill/>
-          <a:ln>
-            <a:noFill/>
-          </a:ln>
-        </p:spPr>
-        <p:txBody>
-          <a:bodyPr spcFirstLastPara="1" wrap="square" lIns="68575" tIns="34275" rIns="68575" bIns="34275" anchor="t" anchorCtr="0">
-            <a:normAutofit/>
-          </a:bodyPr>
-          <a:lstStyle/>
-          <a:p>
-            <a:pPr marL="177800" lvl="0" indent="-171450" algn="l" rtl="0">
-              <a:lnSpc>
-                <a:spcPct val="90000"/>
-              </a:lnSpc>
-              <a:spcBef>
-                <a:spcPts val="800"/>
-              </a:spcBef>
-              <a:spcAft>
-                <a:spcPts val="0"/>
-              </a:spcAft>
-              <a:buClr>
-                <a:schemeClr val="dk1"/>
-              </a:buClr>
-              <a:buSzPts val="2100"/>
-              <a:buChar char="•"/>
-            </a:pPr>
             <a:endParaRPr dirty="0"/>
           </a:p>
         </p:txBody>
@@ -7693,6 +7645,125 @@
           </a:p>
         </p:txBody>
       </p:sp>
+      <p:pic>
+        <p:nvPicPr>
+          <p:cNvPr id="8" name="Picture 7" descr="A close-up of a text&#10;&#10;Description automatically generated">
+            <a:extLst>
+              <a:ext uri="{FF2B5EF4-FFF2-40B4-BE49-F238E27FC236}">
+                <a16:creationId xmlns:a16="http://schemas.microsoft.com/office/drawing/2014/main" id="{964C183D-972C-07DF-30EA-38CA5C80399C}"/>
+              </a:ext>
+            </a:extLst>
+          </p:cNvPr>
+          <p:cNvPicPr>
+            <a:picLocks noChangeAspect="1"/>
+          </p:cNvPicPr>
+          <p:nvPr/>
+        </p:nvPicPr>
+        <p:blipFill rotWithShape="1">
+          <a:blip r:embed="rId3"/>
+          <a:srcRect t="6783" b="12663"/>
+          <a:stretch/>
+        </p:blipFill>
+        <p:spPr>
+          <a:xfrm>
+            <a:off x="361290" y="971076"/>
+            <a:ext cx="4673600" cy="716117"/>
+          </a:xfrm>
+          <a:prstGeom prst="rect">
+            <a:avLst/>
+          </a:prstGeom>
+        </p:spPr>
+      </p:pic>
+      <p:pic>
+        <p:nvPicPr>
+          <p:cNvPr id="12" name="Picture 11" descr="A close-up of a white background&#10;&#10;Description automatically generated">
+            <a:extLst>
+              <a:ext uri="{FF2B5EF4-FFF2-40B4-BE49-F238E27FC236}">
+                <a16:creationId xmlns:a16="http://schemas.microsoft.com/office/drawing/2014/main" id="{887ACB9D-A018-4867-9FCA-A35BF39C39CB}"/>
+              </a:ext>
+            </a:extLst>
+          </p:cNvPr>
+          <p:cNvPicPr>
+            <a:picLocks noChangeAspect="1"/>
+          </p:cNvPicPr>
+          <p:nvPr/>
+        </p:nvPicPr>
+        <p:blipFill>
+          <a:blip r:embed="rId4"/>
+          <a:stretch>
+            <a:fillRect/>
+          </a:stretch>
+        </p:blipFill>
+        <p:spPr>
+          <a:xfrm>
+            <a:off x="361290" y="2571629"/>
+            <a:ext cx="6146800" cy="850900"/>
+          </a:xfrm>
+          <a:prstGeom prst="rect">
+            <a:avLst/>
+          </a:prstGeom>
+        </p:spPr>
+      </p:pic>
+      <p:pic>
+        <p:nvPicPr>
+          <p:cNvPr id="14" name="Picture 13" descr="A black text with a blue line&#10;&#10;Description automatically generated with medium confidence">
+            <a:extLst>
+              <a:ext uri="{FF2B5EF4-FFF2-40B4-BE49-F238E27FC236}">
+                <a16:creationId xmlns:a16="http://schemas.microsoft.com/office/drawing/2014/main" id="{2DFFF310-D31A-6E83-8604-4F449A1549D4}"/>
+              </a:ext>
+            </a:extLst>
+          </p:cNvPr>
+          <p:cNvPicPr>
+            <a:picLocks noChangeAspect="1"/>
+          </p:cNvPicPr>
+          <p:nvPr/>
+        </p:nvPicPr>
+        <p:blipFill>
+          <a:blip r:embed="rId5"/>
+          <a:stretch>
+            <a:fillRect/>
+          </a:stretch>
+        </p:blipFill>
+        <p:spPr>
+          <a:xfrm>
+            <a:off x="361290" y="3498183"/>
+            <a:ext cx="4978400" cy="990600"/>
+          </a:xfrm>
+          <a:prstGeom prst="rect">
+            <a:avLst/>
+          </a:prstGeom>
+        </p:spPr>
+      </p:pic>
+      <p:pic>
+        <p:nvPicPr>
+          <p:cNvPr id="16" name="Picture 15">
+            <a:extLst>
+              <a:ext uri="{FF2B5EF4-FFF2-40B4-BE49-F238E27FC236}">
+                <a16:creationId xmlns:a16="http://schemas.microsoft.com/office/drawing/2014/main" id="{645FA0F1-A8E1-9F07-0560-71A56A5F6B79}"/>
+              </a:ext>
+            </a:extLst>
+          </p:cNvPr>
+          <p:cNvPicPr>
+            <a:picLocks noChangeAspect="1"/>
+          </p:cNvPicPr>
+          <p:nvPr/>
+        </p:nvPicPr>
+        <p:blipFill>
+          <a:blip r:embed="rId6"/>
+          <a:stretch>
+            <a:fillRect/>
+          </a:stretch>
+        </p:blipFill>
+        <p:spPr>
+          <a:xfrm>
+            <a:off x="361290" y="1778636"/>
+            <a:ext cx="7772400" cy="653753"/>
+          </a:xfrm>
+          <a:prstGeom prst="rect">
+            <a:avLst/>
+          </a:prstGeom>
+        </p:spPr>
+      </p:pic>
     </p:spTree>
     <p:extLst>
       <p:ext uri="{BB962C8B-B14F-4D97-AF65-F5344CB8AC3E}">
@@ -7707,6 +7778,263 @@
 </file>
 
 <file path=ppt/slides/slide12.xml><?xml version="1.0" encoding="utf-8"?>
+<p:sld xmlns:a="http://schemas.openxmlformats.org/drawingml/2006/main" xmlns:r="http://schemas.openxmlformats.org/officeDocument/2006/relationships" xmlns:p="http://schemas.openxmlformats.org/presentationml/2006/main">
+  <p:cSld>
+    <p:spTree>
+      <p:nvGrpSpPr>
+        <p:cNvPr id="1" name=""/>
+        <p:cNvGrpSpPr/>
+        <p:nvPr/>
+      </p:nvGrpSpPr>
+      <p:grpSpPr>
+        <a:xfrm>
+          <a:off x="0" y="0"/>
+          <a:ext cx="0" cy="0"/>
+          <a:chOff x="0" y="0"/>
+          <a:chExt cx="0" cy="0"/>
+        </a:xfrm>
+      </p:grpSpPr>
+      <p:sp>
+        <p:nvSpPr>
+          <p:cNvPr id="2" name="Title 1">
+            <a:extLst>
+              <a:ext uri="{FF2B5EF4-FFF2-40B4-BE49-F238E27FC236}">
+                <a16:creationId xmlns:a16="http://schemas.microsoft.com/office/drawing/2014/main" id="{271F7A9F-8A89-F924-4A8E-EF06D7436A51}"/>
+              </a:ext>
+            </a:extLst>
+          </p:cNvPr>
+          <p:cNvSpPr>
+            <a:spLocks noGrp="1"/>
+          </p:cNvSpPr>
+          <p:nvPr>
+            <p:ph type="title"/>
+          </p:nvPr>
+        </p:nvSpPr>
+        <p:spPr/>
+        <p:txBody>
+          <a:bodyPr/>
+          <a:lstStyle/>
+          <a:p>
+            <a:r>
+              <a:rPr lang="en-US" dirty="0"/>
+              <a:t>Model Comparisons</a:t>
+            </a:r>
+          </a:p>
+        </p:txBody>
+      </p:sp>
+      <p:sp>
+        <p:nvSpPr>
+          <p:cNvPr id="4" name="Date Placeholder 3">
+            <a:extLst>
+              <a:ext uri="{FF2B5EF4-FFF2-40B4-BE49-F238E27FC236}">
+                <a16:creationId xmlns:a16="http://schemas.microsoft.com/office/drawing/2014/main" id="{69FD5FB8-CAD9-C6D6-9EEF-27E985EC7C34}"/>
+              </a:ext>
+            </a:extLst>
+          </p:cNvPr>
+          <p:cNvSpPr>
+            <a:spLocks noGrp="1"/>
+          </p:cNvSpPr>
+          <p:nvPr>
+            <p:ph type="dt" idx="10"/>
+          </p:nvPr>
+        </p:nvSpPr>
+        <p:spPr/>
+        <p:txBody>
+          <a:bodyPr/>
+          <a:lstStyle/>
+          <a:p>
+            <a:r>
+              <a:rPr lang="en-US"/>
+              <a:t>4/30/24</a:t>
+            </a:r>
+            <a:endParaRPr lang="en-US" dirty="0"/>
+          </a:p>
+        </p:txBody>
+      </p:sp>
+      <p:sp>
+        <p:nvSpPr>
+          <p:cNvPr id="5" name="Footer Placeholder 4">
+            <a:extLst>
+              <a:ext uri="{FF2B5EF4-FFF2-40B4-BE49-F238E27FC236}">
+                <a16:creationId xmlns:a16="http://schemas.microsoft.com/office/drawing/2014/main" id="{20B47B13-B173-5D83-6DB9-4E7276106326}"/>
+              </a:ext>
+            </a:extLst>
+          </p:cNvPr>
+          <p:cNvSpPr>
+            <a:spLocks noGrp="1"/>
+          </p:cNvSpPr>
+          <p:nvPr>
+            <p:ph type="ftr" idx="11"/>
+          </p:nvPr>
+        </p:nvSpPr>
+        <p:spPr/>
+        <p:txBody>
+          <a:bodyPr/>
+          <a:lstStyle/>
+          <a:p>
+            <a:r>
+              <a:rPr lang="en-US"/>
+              <a:t>G. Gurung &amp; R. Kendyala | Housing Price Prediction</a:t>
+            </a:r>
+            <a:endParaRPr lang="en-US" dirty="0"/>
+          </a:p>
+        </p:txBody>
+      </p:sp>
+      <p:sp>
+        <p:nvSpPr>
+          <p:cNvPr id="6" name="Slide Number Placeholder 5">
+            <a:extLst>
+              <a:ext uri="{FF2B5EF4-FFF2-40B4-BE49-F238E27FC236}">
+                <a16:creationId xmlns:a16="http://schemas.microsoft.com/office/drawing/2014/main" id="{EBA9A5EB-35CF-F78A-EAAC-FE9628F1616C}"/>
+              </a:ext>
+            </a:extLst>
+          </p:cNvPr>
+          <p:cNvSpPr>
+            <a:spLocks noGrp="1"/>
+          </p:cNvSpPr>
+          <p:nvPr>
+            <p:ph type="sldNum" idx="12"/>
+          </p:nvPr>
+        </p:nvSpPr>
+        <p:spPr/>
+        <p:txBody>
+          <a:bodyPr/>
+          <a:lstStyle/>
+          <a:p>
+            <a:fld id="{00000000-1234-1234-1234-123412341234}" type="slidenum">
+              <a:rPr lang="en" smtClean="0"/>
+              <a:pPr/>
+              <a:t>12</a:t>
+            </a:fld>
+            <a:endParaRPr lang="en" dirty="0"/>
+          </a:p>
+        </p:txBody>
+      </p:sp>
+      <p:pic>
+        <p:nvPicPr>
+          <p:cNvPr id="8" name="Picture 7">
+            <a:extLst>
+              <a:ext uri="{FF2B5EF4-FFF2-40B4-BE49-F238E27FC236}">
+                <a16:creationId xmlns:a16="http://schemas.microsoft.com/office/drawing/2014/main" id="{491514FD-8B7A-90BC-AECE-6B1E47313A32}"/>
+              </a:ext>
+            </a:extLst>
+          </p:cNvPr>
+          <p:cNvPicPr>
+            <a:picLocks noChangeAspect="1"/>
+          </p:cNvPicPr>
+          <p:nvPr/>
+        </p:nvPicPr>
+        <p:blipFill>
+          <a:blip r:embed="rId2"/>
+          <a:stretch>
+            <a:fillRect/>
+          </a:stretch>
+        </p:blipFill>
+        <p:spPr>
+          <a:xfrm>
+            <a:off x="223631" y="3875256"/>
+            <a:ext cx="7772400" cy="498521"/>
+          </a:xfrm>
+          <a:prstGeom prst="rect">
+            <a:avLst/>
+          </a:prstGeom>
+        </p:spPr>
+      </p:pic>
+      <p:pic>
+        <p:nvPicPr>
+          <p:cNvPr id="10" name="Picture 9" descr="A graph of different colored rectangular shapes&#10;&#10;Description automatically generated">
+            <a:extLst>
+              <a:ext uri="{FF2B5EF4-FFF2-40B4-BE49-F238E27FC236}">
+                <a16:creationId xmlns:a16="http://schemas.microsoft.com/office/drawing/2014/main" id="{6C6240CF-CE68-AD32-FFE5-CEFB4A7BEE5A}"/>
+              </a:ext>
+            </a:extLst>
+          </p:cNvPr>
+          <p:cNvPicPr>
+            <a:picLocks noChangeAspect="1"/>
+          </p:cNvPicPr>
+          <p:nvPr/>
+        </p:nvPicPr>
+        <p:blipFill>
+          <a:blip r:embed="rId3"/>
+          <a:stretch>
+            <a:fillRect/>
+          </a:stretch>
+        </p:blipFill>
+        <p:spPr>
+          <a:xfrm>
+            <a:off x="301446" y="968563"/>
+            <a:ext cx="4445000" cy="2743200"/>
+          </a:xfrm>
+          <a:prstGeom prst="rect">
+            <a:avLst/>
+          </a:prstGeom>
+        </p:spPr>
+      </p:pic>
+      <p:sp>
+        <p:nvSpPr>
+          <p:cNvPr id="11" name="TextBox 10">
+            <a:extLst>
+              <a:ext uri="{FF2B5EF4-FFF2-40B4-BE49-F238E27FC236}">
+                <a16:creationId xmlns:a16="http://schemas.microsoft.com/office/drawing/2014/main" id="{70CC2D0B-9BEA-8F67-C122-45061B14209E}"/>
+              </a:ext>
+            </a:extLst>
+          </p:cNvPr>
+          <p:cNvSpPr txBox="1"/>
+          <p:nvPr/>
+        </p:nvSpPr>
+        <p:spPr>
+          <a:xfrm>
+            <a:off x="4884419" y="3062960"/>
+            <a:ext cx="3958135" cy="615553"/>
+          </a:xfrm>
+          <a:prstGeom prst="rect">
+            <a:avLst/>
+          </a:prstGeom>
+          <a:noFill/>
+        </p:spPr>
+        <p:txBody>
+          <a:bodyPr wrap="none" rtlCol="0">
+            <a:spAutoFit/>
+          </a:bodyPr>
+          <a:lstStyle/>
+          <a:p>
+            <a:r>
+              <a:rPr lang="en-US" dirty="0">
+                <a:solidFill>
+                  <a:srgbClr val="002060"/>
+                </a:solidFill>
+                <a:latin typeface="Georgia" panose="02040502050405020303" pitchFamily="18" charset="0"/>
+              </a:rPr>
+              <a:t>Comparison Parameter:</a:t>
+            </a:r>
+          </a:p>
+          <a:p>
+            <a:r>
+              <a:rPr lang="en-US" sz="2000" dirty="0">
+                <a:solidFill>
+                  <a:srgbClr val="002060"/>
+                </a:solidFill>
+                <a:latin typeface="Georgia" panose="02040502050405020303" pitchFamily="18" charset="0"/>
+              </a:rPr>
+              <a:t>Root Mean Square Error (RMSE)</a:t>
+            </a:r>
+          </a:p>
+        </p:txBody>
+      </p:sp>
+    </p:spTree>
+    <p:extLst>
+      <p:ext uri="{BB962C8B-B14F-4D97-AF65-F5344CB8AC3E}">
+        <p14:creationId xmlns:p14="http://schemas.microsoft.com/office/powerpoint/2010/main" val="562048412"/>
+      </p:ext>
+    </p:extLst>
+  </p:cSld>
+  <p:clrMapOvr>
+    <a:masterClrMapping/>
+  </p:clrMapOvr>
+</p:sld>
+</file>
+
+<file path=ppt/slides/slide13.xml><?xml version="1.0" encoding="utf-8"?>
 <p:sld xmlns:a="http://schemas.openxmlformats.org/drawingml/2006/main" xmlns:r="http://schemas.openxmlformats.org/officeDocument/2006/relationships" xmlns:p="http://schemas.openxmlformats.org/presentationml/2006/main">
   <p:cSld>
     <p:spTree>
@@ -7790,7 +8118,7 @@
         <p:spPr>
           <a:xfrm>
             <a:off x="223631" y="961611"/>
-            <a:ext cx="8291700" cy="3671100"/>
+            <a:ext cx="8291700" cy="2540346"/>
           </a:xfrm>
           <a:prstGeom prst="rect">
             <a:avLst/>
@@ -7822,7 +8150,109 @@
               <a:buSzPts val="2100"/>
               <a:buChar char="•"/>
             </a:pPr>
-            <a:endParaRPr dirty="0"/>
+            <a:r>
+              <a:rPr lang="en-US" dirty="0">
+                <a:solidFill>
+                  <a:srgbClr val="002060"/>
+                </a:solidFill>
+                <a:latin typeface="Georgia" panose="02040502050405020303" pitchFamily="18" charset="0"/>
+              </a:rPr>
+              <a:t>Area, Number of Bathrooms, and availability of air-conditioning impact the price of the house the most.</a:t>
+            </a:r>
+          </a:p>
+          <a:p>
+            <a:pPr marL="177800" lvl="0" indent="-171450" algn="l" rtl="0">
+              <a:lnSpc>
+                <a:spcPct val="90000"/>
+              </a:lnSpc>
+              <a:spcBef>
+                <a:spcPts val="800"/>
+              </a:spcBef>
+              <a:spcAft>
+                <a:spcPts val="0"/>
+              </a:spcAft>
+              <a:buClr>
+                <a:schemeClr val="dk1"/>
+              </a:buClr>
+              <a:buSzPts val="2100"/>
+              <a:buChar char="•"/>
+            </a:pPr>
+            <a:r>
+              <a:rPr lang="en-US" dirty="0">
+                <a:solidFill>
+                  <a:srgbClr val="002060"/>
+                </a:solidFill>
+                <a:latin typeface="Georgia" panose="02040502050405020303" pitchFamily="18" charset="0"/>
+              </a:rPr>
+              <a:t>A linear (simple) regression model works best to describe the data.</a:t>
+            </a:r>
+          </a:p>
+          <a:p>
+            <a:pPr marL="177800" lvl="0" indent="-171450" algn="l" rtl="0">
+              <a:lnSpc>
+                <a:spcPct val="90000"/>
+              </a:lnSpc>
+              <a:spcBef>
+                <a:spcPts val="800"/>
+              </a:spcBef>
+              <a:spcAft>
+                <a:spcPts val="0"/>
+              </a:spcAft>
+              <a:buClr>
+                <a:schemeClr val="dk1"/>
+              </a:buClr>
+              <a:buSzPts val="2100"/>
+              <a:buChar char="•"/>
+            </a:pPr>
+            <a:r>
+              <a:rPr lang="en-US" dirty="0">
+                <a:solidFill>
+                  <a:srgbClr val="002060"/>
+                </a:solidFill>
+                <a:latin typeface="Georgia" panose="02040502050405020303" pitchFamily="18" charset="0"/>
+              </a:rPr>
+              <a:t>To improve the model:</a:t>
+            </a:r>
+          </a:p>
+          <a:p>
+            <a:pPr marL="635000" lvl="1" indent="-171450">
+              <a:spcBef>
+                <a:spcPts val="800"/>
+              </a:spcBef>
+              <a:buSzPts val="2100"/>
+            </a:pPr>
+            <a:r>
+              <a:rPr lang="en-US" dirty="0">
+                <a:solidFill>
+                  <a:srgbClr val="002060"/>
+                </a:solidFill>
+                <a:latin typeface="Georgia" panose="02040502050405020303" pitchFamily="18" charset="0"/>
+              </a:rPr>
+              <a:t>We need more data</a:t>
+            </a:r>
+          </a:p>
+          <a:p>
+            <a:pPr marL="635000" lvl="1" indent="-171450">
+              <a:spcBef>
+                <a:spcPts val="800"/>
+              </a:spcBef>
+              <a:buSzPts val="2100"/>
+            </a:pPr>
+            <a:r>
+              <a:rPr lang="en-US" dirty="0">
+                <a:solidFill>
+                  <a:srgbClr val="002060"/>
+                </a:solidFill>
+                <a:latin typeface="Georgia" panose="02040502050405020303" pitchFamily="18" charset="0"/>
+              </a:rPr>
+              <a:t>More parameters like location, number of supermarkets within a mile, school nearby,  etc.</a:t>
+            </a:r>
+            <a:endParaRPr dirty="0">
+              <a:solidFill>
+                <a:srgbClr val="002060"/>
+              </a:solidFill>
+              <a:latin typeface="Georgia" panose="02040502050405020303" pitchFamily="18" charset="0"/>
+            </a:endParaRPr>
           </a:p>
         </p:txBody>
       </p:sp>
@@ -7914,12 +8344,130 @@
             </a:pPr>
             <a:fld id="{00000000-1234-1234-1234-123412341234}" type="slidenum">
               <a:rPr lang="en" smtClean="0"/>
-              <a:t>12</a:t>
+              <a:t>13</a:t>
             </a:fld>
             <a:endParaRPr lang="en"/>
           </a:p>
         </p:txBody>
       </p:sp>
+      <p:sp>
+        <p:nvSpPr>
+          <p:cNvPr id="7" name="TextBox 6">
+            <a:extLst>
+              <a:ext uri="{FF2B5EF4-FFF2-40B4-BE49-F238E27FC236}">
+                <a16:creationId xmlns:a16="http://schemas.microsoft.com/office/drawing/2014/main" id="{099182C9-54F5-3CDE-2F03-940114A4D695}"/>
+              </a:ext>
+            </a:extLst>
+          </p:cNvPr>
+          <p:cNvSpPr txBox="1"/>
+          <p:nvPr/>
+        </p:nvSpPr>
+        <p:spPr>
+          <a:xfrm>
+            <a:off x="2723744" y="4181889"/>
+            <a:ext cx="4152099" cy="400110"/>
+          </a:xfrm>
+          <a:prstGeom prst="rect">
+            <a:avLst/>
+          </a:prstGeom>
+          <a:noFill/>
+        </p:spPr>
+        <p:txBody>
+          <a:bodyPr wrap="none" rtlCol="0">
+            <a:spAutoFit/>
+          </a:bodyPr>
+          <a:lstStyle/>
+          <a:p>
+            <a:r>
+              <a:rPr lang="en-US" sz="2000" dirty="0">
+                <a:latin typeface="Georgia" panose="02040502050405020303" pitchFamily="18" charset="0"/>
+              </a:rPr>
+              <a:t>[</a:t>
+            </a:r>
+            <a:r>
+              <a:rPr lang="en-US" sz="2000" dirty="0" err="1">
+                <a:solidFill>
+                  <a:srgbClr val="002060"/>
+                </a:solidFill>
+                <a:latin typeface="Georgia" panose="02040502050405020303" pitchFamily="18" charset="0"/>
+              </a:rPr>
+              <a:t>github.com</a:t>
+            </a:r>
+            <a:r>
+              <a:rPr lang="en-US" sz="2000" dirty="0">
+                <a:solidFill>
+                  <a:srgbClr val="002060"/>
+                </a:solidFill>
+                <a:latin typeface="Georgia" panose="02040502050405020303" pitchFamily="18" charset="0"/>
+              </a:rPr>
+              <a:t>/</a:t>
+            </a:r>
+            <a:r>
+              <a:rPr lang="en-US" sz="2000" dirty="0" err="1">
+                <a:solidFill>
+                  <a:srgbClr val="002060"/>
+                </a:solidFill>
+                <a:latin typeface="Georgia" panose="02040502050405020303" pitchFamily="18" charset="0"/>
+              </a:rPr>
+              <a:t>gajjugrg</a:t>
+            </a:r>
+            <a:r>
+              <a:rPr lang="en-US" sz="2000" dirty="0">
+                <a:solidFill>
+                  <a:srgbClr val="002060"/>
+                </a:solidFill>
+                <a:latin typeface="Georgia" panose="02040502050405020303" pitchFamily="18" charset="0"/>
+              </a:rPr>
+              <a:t>/</a:t>
+            </a:r>
+            <a:r>
+              <a:rPr lang="en-US" sz="2000" dirty="0" err="1">
+                <a:solidFill>
+                  <a:srgbClr val="002060"/>
+                </a:solidFill>
+                <a:latin typeface="Georgia" panose="02040502050405020303" pitchFamily="18" charset="0"/>
+              </a:rPr>
+              <a:t>asds_final</a:t>
+            </a:r>
+            <a:r>
+              <a:rPr lang="en-US" sz="2000" dirty="0">
+                <a:latin typeface="Georgia" panose="02040502050405020303" pitchFamily="18" charset="0"/>
+              </a:rPr>
+              <a:t>]</a:t>
+            </a:r>
+          </a:p>
+        </p:txBody>
+      </p:sp>
+      <p:pic>
+        <p:nvPicPr>
+          <p:cNvPr id="11" name="Picture 10" descr="A black and white logo&#10;&#10;Description automatically generated">
+            <a:extLst>
+              <a:ext uri="{FF2B5EF4-FFF2-40B4-BE49-F238E27FC236}">
+                <a16:creationId xmlns:a16="http://schemas.microsoft.com/office/drawing/2014/main" id="{B95FCDDC-3C0E-404E-AAE7-EB6B0022FFF4}"/>
+              </a:ext>
+            </a:extLst>
+          </p:cNvPr>
+          <p:cNvPicPr>
+            <a:picLocks noChangeAspect="1"/>
+          </p:cNvPicPr>
+          <p:nvPr/>
+        </p:nvPicPr>
+        <p:blipFill>
+          <a:blip r:embed="rId3"/>
+          <a:stretch>
+            <a:fillRect/>
+          </a:stretch>
+        </p:blipFill>
+        <p:spPr>
+          <a:xfrm>
+            <a:off x="2385219" y="4164476"/>
+            <a:ext cx="425118" cy="400111"/>
+          </a:xfrm>
+          <a:prstGeom prst="rect">
+            <a:avLst/>
+          </a:prstGeom>
+        </p:spPr>
+      </p:pic>
     </p:spTree>
   </p:cSld>
   <p:clrMapOvr>
@@ -9673,7 +10221,7 @@
         <p:spPr>
           <a:xfrm>
             <a:off x="868210" y="3841574"/>
-            <a:ext cx="6611105" cy="400110"/>
+            <a:ext cx="7635424" cy="400110"/>
           </a:xfrm>
           <a:prstGeom prst="rect">
             <a:avLst/>
@@ -9693,7 +10241,7 @@
                 </a:solidFill>
                 <a:latin typeface="Georgia" panose="02040502050405020303" pitchFamily="18" charset="0"/>
               </a:rPr>
-              <a:t>Data Treatment: Removed all missing data (N/A) values </a:t>
+              <a:t>Data Treatment: Replace all missing data (N/A) values with mean</a:t>
             </a:r>
           </a:p>
         </p:txBody>
